--- a/computer/MAD/PowerpointSlides/Chapter3/Chapter03 - User Interface (v3.1)(1).pptx
+++ b/computer/MAD/PowerpointSlides/Chapter3/Chapter03 - User Interface (v3.1)(1).pptx
@@ -379,7 +379,7 @@
             <a:fld id="{D83FDC75-7F73-4A4A-A77C-09AADF00E0EA}" type="datetimeFigureOut">
               <a:rPr lang="en-US" smtClean="0"/>
               <a:pPr/>
-              <a:t>4/30/2018</a:t>
+              <a:t>11/4/2018</a:t>
             </a:fld>
             <a:endParaRPr lang="en-US" dirty="0"/>
           </a:p>
@@ -546,7 +546,7 @@
             <a:fld id="{48AEF76B-3757-4A0B-AF93-28494465C1DD}" type="datetimeFigureOut">
               <a:rPr lang="en-US" smtClean="0"/>
               <a:pPr/>
-              <a:t>4/30/2018</a:t>
+              <a:t>11/4/2018</a:t>
             </a:fld>
             <a:endParaRPr lang="en-US" dirty="0"/>
           </a:p>
@@ -610,38 +610,37 @@
           <a:p>
             <a:pPr lvl="0"/>
             <a:r>
-              <a:rPr lang="en-US" smtClean="0"/>
+              <a:rPr lang="en-US"/>
               <a:t>Click to edit Master text styles</a:t>
             </a:r>
           </a:p>
           <a:p>
             <a:pPr lvl="1"/>
             <a:r>
-              <a:rPr lang="en-US" smtClean="0"/>
+              <a:rPr lang="en-US"/>
               <a:t>Second level</a:t>
             </a:r>
           </a:p>
           <a:p>
             <a:pPr lvl="2"/>
             <a:r>
-              <a:rPr lang="en-US" smtClean="0"/>
+              <a:rPr lang="en-US"/>
               <a:t>Third level</a:t>
             </a:r>
           </a:p>
           <a:p>
             <a:pPr lvl="3"/>
             <a:r>
-              <a:rPr lang="en-US" smtClean="0"/>
+              <a:rPr lang="en-US"/>
               <a:t>Fourth level</a:t>
             </a:r>
           </a:p>
           <a:p>
             <a:pPr lvl="4"/>
             <a:r>
-              <a:rPr lang="en-US" smtClean="0"/>
+              <a:rPr lang="en-US"/>
               <a:t>Fifth level</a:t>
             </a:r>
-            <a:endParaRPr lang="en-US"/>
           </a:p>
         </p:txBody>
       </p:sp>
@@ -965,7 +964,7 @@
               <a:tabLst/>
               <a:defRPr/>
             </a:pPr>
-            <a:endParaRPr lang="en-US" dirty="0" smtClean="0"/>
+            <a:endParaRPr lang="en-US" dirty="0"/>
           </a:p>
         </p:txBody>
       </p:sp>
@@ -1154,7 +1153,7 @@
               <a:tabLst/>
               <a:defRPr/>
             </a:pPr>
-            <a:endParaRPr lang="en-US" dirty="0" smtClean="0"/>
+            <a:endParaRPr lang="en-US" dirty="0"/>
           </a:p>
         </p:txBody>
       </p:sp>
@@ -1258,7 +1257,7 @@
               <a:tabLst/>
               <a:defRPr/>
             </a:pPr>
-            <a:endParaRPr lang="en-US" dirty="0" smtClean="0"/>
+            <a:endParaRPr lang="en-US" dirty="0"/>
           </a:p>
         </p:txBody>
       </p:sp>
@@ -1464,7 +1463,7 @@
               <a:tabLst/>
               <a:defRPr/>
             </a:pPr>
-            <a:endParaRPr lang="en-US" dirty="0" smtClean="0"/>
+            <a:endParaRPr lang="en-US" dirty="0"/>
           </a:p>
         </p:txBody>
       </p:sp>
@@ -1568,7 +1567,7 @@
               <a:tabLst/>
               <a:defRPr/>
             </a:pPr>
-            <a:endParaRPr lang="en-US" dirty="0" smtClean="0"/>
+            <a:endParaRPr lang="en-US" dirty="0"/>
           </a:p>
         </p:txBody>
       </p:sp>
@@ -1672,7 +1671,7 @@
               <a:tabLst/>
               <a:defRPr/>
             </a:pPr>
-            <a:endParaRPr lang="en-US" dirty="0" smtClean="0"/>
+            <a:endParaRPr lang="en-US" dirty="0"/>
           </a:p>
         </p:txBody>
       </p:sp>
@@ -1776,7 +1775,7 @@
               <a:tabLst/>
               <a:defRPr/>
             </a:pPr>
-            <a:endParaRPr lang="en-US" dirty="0" smtClean="0"/>
+            <a:endParaRPr lang="en-US" dirty="0"/>
           </a:p>
         </p:txBody>
       </p:sp>
@@ -1880,7 +1879,7 @@
               <a:tabLst/>
               <a:defRPr/>
             </a:pPr>
-            <a:endParaRPr lang="en-US" dirty="0" smtClean="0"/>
+            <a:endParaRPr lang="en-US" dirty="0"/>
           </a:p>
         </p:txBody>
       </p:sp>
@@ -2056,7 +2055,7 @@
               <a:tabLst/>
               <a:defRPr/>
             </a:pPr>
-            <a:endParaRPr lang="en-US" dirty="0" smtClean="0"/>
+            <a:endParaRPr lang="en-US" dirty="0"/>
           </a:p>
         </p:txBody>
       </p:sp>
@@ -2160,7 +2159,7 @@
               <a:tabLst/>
               <a:defRPr/>
             </a:pPr>
-            <a:endParaRPr lang="en-US" dirty="0" smtClean="0"/>
+            <a:endParaRPr lang="en-US" dirty="0"/>
           </a:p>
         </p:txBody>
       </p:sp>
@@ -2264,7 +2263,7 @@
               <a:tabLst/>
               <a:defRPr/>
             </a:pPr>
-            <a:endParaRPr lang="en-US" dirty="0" smtClean="0"/>
+            <a:endParaRPr lang="en-US" dirty="0"/>
           </a:p>
         </p:txBody>
       </p:sp>
@@ -2368,7 +2367,7 @@
               <a:tabLst/>
               <a:defRPr/>
             </a:pPr>
-            <a:endParaRPr lang="en-US" dirty="0" smtClean="0"/>
+            <a:endParaRPr lang="en-US" dirty="0"/>
           </a:p>
         </p:txBody>
       </p:sp>
@@ -2472,7 +2471,7 @@
               <a:tabLst/>
               <a:defRPr/>
             </a:pPr>
-            <a:endParaRPr lang="en-US" dirty="0" smtClean="0"/>
+            <a:endParaRPr lang="en-US" dirty="0"/>
           </a:p>
         </p:txBody>
       </p:sp>
@@ -2576,7 +2575,7 @@
               <a:tabLst/>
               <a:defRPr/>
             </a:pPr>
-            <a:endParaRPr lang="en-US" dirty="0" smtClean="0"/>
+            <a:endParaRPr lang="en-US" dirty="0"/>
           </a:p>
         </p:txBody>
       </p:sp>
@@ -2680,7 +2679,7 @@
               <a:tabLst/>
               <a:defRPr/>
             </a:pPr>
-            <a:endParaRPr lang="en-US" dirty="0" smtClean="0"/>
+            <a:endParaRPr lang="en-US" dirty="0"/>
           </a:p>
         </p:txBody>
       </p:sp>
@@ -2784,7 +2783,7 @@
               <a:tabLst/>
               <a:defRPr/>
             </a:pPr>
-            <a:endParaRPr lang="en-US" dirty="0" smtClean="0"/>
+            <a:endParaRPr lang="en-US" dirty="0"/>
           </a:p>
         </p:txBody>
       </p:sp>
@@ -2888,7 +2887,7 @@
               <a:tabLst/>
               <a:defRPr/>
             </a:pPr>
-            <a:endParaRPr lang="en-US" dirty="0" smtClean="0"/>
+            <a:endParaRPr lang="en-US" dirty="0"/>
           </a:p>
         </p:txBody>
       </p:sp>
@@ -2992,7 +2991,7 @@
               <a:tabLst/>
               <a:defRPr/>
             </a:pPr>
-            <a:endParaRPr lang="en-US" dirty="0" smtClean="0"/>
+            <a:endParaRPr lang="en-US" dirty="0"/>
           </a:p>
         </p:txBody>
       </p:sp>
@@ -3198,7 +3197,7 @@
               <a:tabLst/>
               <a:defRPr/>
             </a:pPr>
-            <a:endParaRPr lang="en-US" dirty="0" smtClean="0"/>
+            <a:endParaRPr lang="en-US" dirty="0"/>
           </a:p>
         </p:txBody>
       </p:sp>
@@ -3302,7 +3301,7 @@
               <a:tabLst/>
               <a:defRPr/>
             </a:pPr>
-            <a:endParaRPr lang="en-US" dirty="0" smtClean="0"/>
+            <a:endParaRPr lang="en-US" dirty="0"/>
           </a:p>
         </p:txBody>
       </p:sp>
@@ -3406,7 +3405,7 @@
               <a:tabLst/>
               <a:defRPr/>
             </a:pPr>
-            <a:endParaRPr lang="en-US" dirty="0" smtClean="0"/>
+            <a:endParaRPr lang="en-US" dirty="0"/>
           </a:p>
         </p:txBody>
       </p:sp>
@@ -3612,7 +3611,7 @@
               <a:tabLst/>
               <a:defRPr/>
             </a:pPr>
-            <a:endParaRPr lang="en-US" dirty="0" smtClean="0"/>
+            <a:endParaRPr lang="en-US" dirty="0"/>
           </a:p>
         </p:txBody>
       </p:sp>
@@ -3716,7 +3715,7 @@
               <a:tabLst/>
               <a:defRPr/>
             </a:pPr>
-            <a:endParaRPr lang="en-US" dirty="0" smtClean="0"/>
+            <a:endParaRPr lang="en-US" dirty="0"/>
           </a:p>
         </p:txBody>
       </p:sp>
@@ -3820,7 +3819,7 @@
               <a:tabLst/>
               <a:defRPr/>
             </a:pPr>
-            <a:endParaRPr lang="en-US" dirty="0" smtClean="0"/>
+            <a:endParaRPr lang="en-US" dirty="0"/>
           </a:p>
         </p:txBody>
       </p:sp>
@@ -3924,7 +3923,7 @@
               <a:tabLst/>
               <a:defRPr/>
             </a:pPr>
-            <a:endParaRPr lang="en-US" dirty="0" smtClean="0"/>
+            <a:endParaRPr lang="en-US" dirty="0"/>
           </a:p>
         </p:txBody>
       </p:sp>
@@ -4028,7 +4027,7 @@
               <a:tabLst/>
               <a:defRPr/>
             </a:pPr>
-            <a:endParaRPr lang="en-US" dirty="0" smtClean="0"/>
+            <a:endParaRPr lang="en-US" dirty="0"/>
           </a:p>
         </p:txBody>
       </p:sp>
@@ -4132,7 +4131,7 @@
               <a:tabLst/>
               <a:defRPr/>
             </a:pPr>
-            <a:endParaRPr lang="en-US" dirty="0" smtClean="0"/>
+            <a:endParaRPr lang="en-US" dirty="0"/>
           </a:p>
         </p:txBody>
       </p:sp>
@@ -4237,7 +4236,7 @@
               <a:defRPr/>
             </a:pPr>
             <a:r>
-              <a:rPr lang="en-SG" sz="1200" b="0" i="0" kern="1200" smtClean="0">
+              <a:rPr lang="en-SG" sz="1200" b="0" i="0" kern="1200">
                 <a:solidFill>
                   <a:schemeClr val="tx1"/>
                 </a:solidFill>
@@ -4248,7 +4247,7 @@
               </a:rPr>
               <a:t>Business Logic is often broken further into two components in the Model-View-Controller (MVC) paradigm -- the Model, which defines how the data will be stored and retrieved; and the Controller, which controls the interaction between the Model and the View</a:t>
             </a:r>
-            <a:endParaRPr lang="en-US" dirty="0" smtClean="0"/>
+            <a:endParaRPr lang="en-US" dirty="0"/>
           </a:p>
         </p:txBody>
       </p:sp>
@@ -4352,7 +4351,7 @@
               <a:tabLst/>
               <a:defRPr/>
             </a:pPr>
-            <a:endParaRPr lang="en-US" dirty="0" smtClean="0"/>
+            <a:endParaRPr lang="en-US" dirty="0"/>
           </a:p>
         </p:txBody>
       </p:sp>
@@ -4456,7 +4455,7 @@
               <a:tabLst/>
               <a:defRPr/>
             </a:pPr>
-            <a:endParaRPr lang="en-US" dirty="0" smtClean="0"/>
+            <a:endParaRPr lang="en-US" dirty="0"/>
           </a:p>
         </p:txBody>
       </p:sp>
@@ -4560,7 +4559,7 @@
               <a:tabLst/>
               <a:defRPr/>
             </a:pPr>
-            <a:endParaRPr lang="en-US" dirty="0" smtClean="0"/>
+            <a:endParaRPr lang="en-US" dirty="0"/>
           </a:p>
         </p:txBody>
       </p:sp>
@@ -4664,7 +4663,7 @@
               <a:tabLst/>
               <a:defRPr/>
             </a:pPr>
-            <a:endParaRPr lang="en-US" dirty="0" smtClean="0"/>
+            <a:endParaRPr lang="en-US" dirty="0"/>
           </a:p>
         </p:txBody>
       </p:sp>
@@ -4870,7 +4869,7 @@
               <a:tabLst/>
               <a:defRPr/>
             </a:pPr>
-            <a:endParaRPr lang="en-US" dirty="0" smtClean="0"/>
+            <a:endParaRPr lang="en-US" dirty="0"/>
           </a:p>
         </p:txBody>
       </p:sp>
@@ -4974,7 +4973,7 @@
               <a:tabLst/>
               <a:defRPr/>
             </a:pPr>
-            <a:endParaRPr lang="en-US" dirty="0" smtClean="0"/>
+            <a:endParaRPr lang="en-US" dirty="0"/>
           </a:p>
         </p:txBody>
       </p:sp>
@@ -5078,7 +5077,7 @@
               <a:tabLst/>
               <a:defRPr/>
             </a:pPr>
-            <a:endParaRPr lang="en-US" dirty="0" smtClean="0"/>
+            <a:endParaRPr lang="en-US" dirty="0"/>
           </a:p>
         </p:txBody>
       </p:sp>
@@ -5182,7 +5181,7 @@
               <a:tabLst/>
               <a:defRPr/>
             </a:pPr>
-            <a:endParaRPr lang="en-US" dirty="0" smtClean="0"/>
+            <a:endParaRPr lang="en-US" dirty="0"/>
           </a:p>
         </p:txBody>
       </p:sp>
@@ -5286,7 +5285,7 @@
               <a:tabLst/>
               <a:defRPr/>
             </a:pPr>
-            <a:endParaRPr lang="en-US" dirty="0" smtClean="0"/>
+            <a:endParaRPr lang="en-US" dirty="0"/>
           </a:p>
         </p:txBody>
       </p:sp>
@@ -5390,7 +5389,7 @@
               <a:tabLst/>
               <a:defRPr/>
             </a:pPr>
-            <a:endParaRPr lang="en-US" dirty="0" smtClean="0"/>
+            <a:endParaRPr lang="en-US" dirty="0"/>
           </a:p>
         </p:txBody>
       </p:sp>
@@ -5494,7 +5493,7 @@
               <a:tabLst/>
               <a:defRPr/>
             </a:pPr>
-            <a:endParaRPr lang="en-US" dirty="0" smtClean="0"/>
+            <a:endParaRPr lang="en-US" dirty="0"/>
           </a:p>
         </p:txBody>
       </p:sp>
@@ -5598,7 +5597,7 @@
               <a:tabLst/>
               <a:defRPr/>
             </a:pPr>
-            <a:endParaRPr lang="en-US" dirty="0" smtClean="0"/>
+            <a:endParaRPr lang="en-US" dirty="0"/>
           </a:p>
         </p:txBody>
       </p:sp>
@@ -5702,7 +5701,7 @@
               <a:tabLst/>
               <a:defRPr/>
             </a:pPr>
-            <a:endParaRPr lang="en-US" dirty="0" smtClean="0"/>
+            <a:endParaRPr lang="en-US" dirty="0"/>
           </a:p>
         </p:txBody>
       </p:sp>
@@ -5806,7 +5805,7 @@
               <a:tabLst/>
               <a:defRPr/>
             </a:pPr>
-            <a:endParaRPr lang="en-US" dirty="0" smtClean="0"/>
+            <a:endParaRPr lang="en-US" dirty="0"/>
           </a:p>
         </p:txBody>
       </p:sp>
@@ -5910,7 +5909,7 @@
               <a:tabLst/>
               <a:defRPr/>
             </a:pPr>
-            <a:endParaRPr lang="en-US" dirty="0" smtClean="0"/>
+            <a:endParaRPr lang="en-US" dirty="0"/>
           </a:p>
         </p:txBody>
       </p:sp>
@@ -6014,7 +6013,7 @@
               <a:tabLst/>
               <a:defRPr/>
             </a:pPr>
-            <a:endParaRPr lang="en-US" dirty="0" smtClean="0"/>
+            <a:endParaRPr lang="en-US" dirty="0"/>
           </a:p>
         </p:txBody>
       </p:sp>
@@ -6118,7 +6117,7 @@
               <a:tabLst/>
               <a:defRPr/>
             </a:pPr>
-            <a:endParaRPr lang="en-US" dirty="0" smtClean="0"/>
+            <a:endParaRPr lang="en-US" dirty="0"/>
           </a:p>
         </p:txBody>
       </p:sp>
@@ -6307,7 +6306,7 @@
               <a:tabLst/>
               <a:defRPr/>
             </a:pPr>
-            <a:endParaRPr lang="en-US" dirty="0" smtClean="0"/>
+            <a:endParaRPr lang="en-US" dirty="0"/>
           </a:p>
         </p:txBody>
       </p:sp>
@@ -6411,7 +6410,7 @@
               <a:tabLst/>
               <a:defRPr/>
             </a:pPr>
-            <a:endParaRPr lang="en-US" dirty="0" smtClean="0"/>
+            <a:endParaRPr lang="en-US" dirty="0"/>
           </a:p>
         </p:txBody>
       </p:sp>
@@ -6515,7 +6514,7 @@
               <a:tabLst/>
               <a:defRPr/>
             </a:pPr>
-            <a:endParaRPr lang="en-US" dirty="0" smtClean="0"/>
+            <a:endParaRPr lang="en-US" dirty="0"/>
           </a:p>
         </p:txBody>
       </p:sp>
@@ -6619,7 +6618,7 @@
               <a:tabLst/>
               <a:defRPr/>
             </a:pPr>
-            <a:endParaRPr lang="en-US" dirty="0" smtClean="0"/>
+            <a:endParaRPr lang="en-US" dirty="0"/>
           </a:p>
         </p:txBody>
       </p:sp>
@@ -6723,7 +6722,7 @@
               <a:tabLst/>
               <a:defRPr/>
             </a:pPr>
-            <a:endParaRPr lang="en-US" dirty="0" smtClean="0"/>
+            <a:endParaRPr lang="en-US" dirty="0"/>
           </a:p>
         </p:txBody>
       </p:sp>
@@ -6827,7 +6826,7 @@
               <a:tabLst/>
               <a:defRPr/>
             </a:pPr>
-            <a:endParaRPr lang="en-US" dirty="0" smtClean="0"/>
+            <a:endParaRPr lang="en-US" dirty="0"/>
           </a:p>
         </p:txBody>
       </p:sp>
@@ -7016,7 +7015,7 @@
               <a:tabLst/>
               <a:defRPr/>
             </a:pPr>
-            <a:endParaRPr lang="en-US" dirty="0" smtClean="0"/>
+            <a:endParaRPr lang="en-US" dirty="0"/>
           </a:p>
         </p:txBody>
       </p:sp>
@@ -7120,7 +7119,7 @@
               <a:tabLst/>
               <a:defRPr/>
             </a:pPr>
-            <a:endParaRPr lang="en-US" dirty="0" smtClean="0"/>
+            <a:endParaRPr lang="en-US" dirty="0"/>
           </a:p>
         </p:txBody>
       </p:sp>
@@ -7224,7 +7223,7 @@
               <a:tabLst/>
               <a:defRPr/>
             </a:pPr>
-            <a:endParaRPr lang="en-US" dirty="0" smtClean="0"/>
+            <a:endParaRPr lang="en-US" dirty="0"/>
           </a:p>
         </p:txBody>
       </p:sp>
@@ -7328,7 +7327,7 @@
               <a:tabLst/>
               <a:defRPr/>
             </a:pPr>
-            <a:endParaRPr lang="en-US" dirty="0" smtClean="0"/>
+            <a:endParaRPr lang="en-US" dirty="0"/>
           </a:p>
         </p:txBody>
       </p:sp>
@@ -7432,7 +7431,7 @@
               <a:tabLst/>
               <a:defRPr/>
             </a:pPr>
-            <a:endParaRPr lang="en-US" dirty="0" smtClean="0"/>
+            <a:endParaRPr lang="en-US" dirty="0"/>
           </a:p>
         </p:txBody>
       </p:sp>
@@ -7536,7 +7535,7 @@
               <a:tabLst/>
               <a:defRPr/>
             </a:pPr>
-            <a:endParaRPr lang="en-US" dirty="0" smtClean="0"/>
+            <a:endParaRPr lang="en-US" dirty="0"/>
           </a:p>
         </p:txBody>
       </p:sp>
@@ -7640,7 +7639,7 @@
               <a:tabLst/>
               <a:defRPr/>
             </a:pPr>
-            <a:endParaRPr lang="en-US" dirty="0" smtClean="0"/>
+            <a:endParaRPr lang="en-US" dirty="0"/>
           </a:p>
         </p:txBody>
       </p:sp>
@@ -7744,7 +7743,7 @@
               <a:tabLst/>
               <a:defRPr/>
             </a:pPr>
-            <a:endParaRPr lang="en-US" dirty="0" smtClean="0"/>
+            <a:endParaRPr lang="en-US" dirty="0"/>
           </a:p>
         </p:txBody>
       </p:sp>
@@ -7848,7 +7847,7 @@
               <a:tabLst/>
               <a:defRPr/>
             </a:pPr>
-            <a:endParaRPr lang="en-US" dirty="0" smtClean="0"/>
+            <a:endParaRPr lang="en-US" dirty="0"/>
           </a:p>
         </p:txBody>
       </p:sp>
@@ -7952,7 +7951,7 @@
               <a:tabLst/>
               <a:defRPr/>
             </a:pPr>
-            <a:endParaRPr lang="en-US" dirty="0" smtClean="0"/>
+            <a:endParaRPr lang="en-US" dirty="0"/>
           </a:p>
         </p:txBody>
       </p:sp>
@@ -8056,7 +8055,7 @@
               <a:tabLst/>
               <a:defRPr/>
             </a:pPr>
-            <a:endParaRPr lang="en-US" dirty="0" smtClean="0"/>
+            <a:endParaRPr lang="en-US" dirty="0"/>
           </a:p>
         </p:txBody>
       </p:sp>
@@ -8160,7 +8159,7 @@
               <a:tabLst/>
               <a:defRPr/>
             </a:pPr>
-            <a:endParaRPr lang="en-US" dirty="0" smtClean="0"/>
+            <a:endParaRPr lang="en-US" dirty="0"/>
           </a:p>
         </p:txBody>
       </p:sp>
@@ -8276,10 +8275,9 @@
           </a:lstStyle>
           <a:p>
             <a:r>
-              <a:rPr lang="en-US" dirty="0" smtClean="0"/>
+              <a:rPr lang="en-US" dirty="0"/>
               <a:t>Click to edit master title style</a:t>
             </a:r>
-            <a:endParaRPr lang="en-US" dirty="0"/>
           </a:p>
         </p:txBody>
       </p:sp>
@@ -8396,7 +8394,7 @@
           </a:lstStyle>
           <a:p>
             <a:r>
-              <a:rPr lang="en-US" smtClean="0"/>
+              <a:rPr lang="en-US"/>
               <a:t>Click to edit Master subtitle style</a:t>
             </a:r>
             <a:endParaRPr lang="en-US" dirty="0"/>
@@ -8460,10 +8458,9 @@
           </a:lstStyle>
           <a:p>
             <a:r>
-              <a:rPr lang="en-US" dirty="0" smtClean="0"/>
+              <a:rPr lang="en-US" dirty="0"/>
               <a:t>Company Logo</a:t>
             </a:r>
-            <a:endParaRPr lang="en-US" dirty="0"/>
           </a:p>
         </p:txBody>
       </p:sp>
@@ -8644,10 +8641,9 @@
           <a:lstStyle/>
           <a:p>
             <a:r>
-              <a:rPr lang="en-US" smtClean="0"/>
+              <a:rPr lang="en-US"/>
               <a:t>Click to edit Master title style</a:t>
             </a:r>
-            <a:endParaRPr lang="en-US"/>
           </a:p>
         </p:txBody>
       </p:sp>
@@ -8669,7 +8665,7 @@
             <a:fld id="{757B281C-5159-4971-8228-52B9A72E9ED2}" type="datetimeFigureOut">
               <a:rPr lang="en-US" smtClean="0"/>
               <a:pPr/>
-              <a:t>4/30/2018</a:t>
+              <a:t>11/4/2018</a:t>
             </a:fld>
             <a:endParaRPr lang="en-US" dirty="0"/>
           </a:p>
@@ -8726,13 +8722,6 @@
   <p:transition spd="slow">
     <p:wipe dir="d"/>
   </p:transition>
-  <p:timing>
-    <p:tnLst>
-      <p:par>
-        <p:cTn id="1" dur="indefinite" restart="never" nodeType="tmRoot"/>
-      </p:par>
-    </p:tnLst>
-  </p:timing>
 </p:sldLayout>
 </file>
 
@@ -8771,7 +8760,7 @@
             <a:fld id="{757B281C-5159-4971-8228-52B9A72E9ED2}" type="datetimeFigureOut">
               <a:rPr lang="en-US" smtClean="0"/>
               <a:pPr/>
-              <a:t>4/30/2018</a:t>
+              <a:t>11/4/2018</a:t>
             </a:fld>
             <a:endParaRPr lang="en-US" dirty="0"/>
           </a:p>
@@ -8828,13 +8817,6 @@
   <p:transition spd="slow">
     <p:wipe dir="d"/>
   </p:transition>
-  <p:timing>
-    <p:tnLst>
-      <p:par>
-        <p:cTn id="1" dur="indefinite" restart="never" nodeType="tmRoot"/>
-      </p:par>
-    </p:tnLst>
-  </p:timing>
 </p:sldLayout>
 </file>
 
@@ -8907,7 +8889,7 @@
             <a:fld id="{757B281C-5159-4971-8228-52B9A72E9ED2}" type="datetimeFigureOut">
               <a:rPr lang="en-US" smtClean="0"/>
               <a:pPr/>
-              <a:t>4/30/2018</a:t>
+              <a:t>11/4/2018</a:t>
             </a:fld>
             <a:endParaRPr lang="en-US" dirty="0"/>
           </a:p>
@@ -8974,13 +8956,6 @@
   <p:transition spd="slow">
     <p:wipe dir="d"/>
   </p:transition>
-  <p:timing>
-    <p:tnLst>
-      <p:par>
-        <p:cTn id="1" dur="indefinite" restart="never" nodeType="tmRoot"/>
-      </p:par>
-    </p:tnLst>
-  </p:timing>
 </p:sldLayout>
 </file>
 
@@ -9088,10 +9063,9 @@
           </a:lstStyle>
           <a:p>
             <a:r>
-              <a:rPr lang="en-US" dirty="0" smtClean="0"/>
+              <a:rPr lang="en-US" dirty="0"/>
               <a:t>Click to edit master title style</a:t>
             </a:r>
-            <a:endParaRPr lang="en-US" dirty="0"/>
           </a:p>
         </p:txBody>
       </p:sp>
@@ -9113,7 +9087,7 @@
             <a:fld id="{757B281C-5159-4971-8228-52B9A72E9ED2}" type="datetimeFigureOut">
               <a:rPr lang="en-US" smtClean="0"/>
               <a:pPr/>
-              <a:t>4/30/2018</a:t>
+              <a:t>11/4/2018</a:t>
             </a:fld>
             <a:endParaRPr lang="en-US" dirty="0"/>
           </a:p>
@@ -9190,10 +9164,9 @@
           </a:lstStyle>
           <a:p>
             <a:r>
-              <a:rPr lang="en-US" dirty="0" smtClean="0"/>
+              <a:rPr lang="en-US" dirty="0"/>
               <a:t>Company Logo</a:t>
             </a:r>
-            <a:endParaRPr lang="en-US" dirty="0"/>
           </a:p>
         </p:txBody>
       </p:sp>
@@ -9402,10 +9375,9 @@
           </a:lstStyle>
           <a:p>
             <a:r>
-              <a:rPr lang="en-US" dirty="0" smtClean="0"/>
+              <a:rPr lang="en-US" dirty="0"/>
               <a:t>Click To Edit Master Title Style</a:t>
             </a:r>
-            <a:endParaRPr lang="en-US" dirty="0"/>
           </a:p>
         </p:txBody>
       </p:sp>
@@ -9459,35 +9431,35 @@
           <a:p>
             <a:pPr lvl="0"/>
             <a:r>
-              <a:rPr lang="en-US" smtClean="0"/>
+              <a:rPr lang="en-US"/>
               <a:t>Click to edit Master text styles</a:t>
             </a:r>
           </a:p>
           <a:p>
             <a:pPr lvl="1"/>
             <a:r>
-              <a:rPr lang="en-US" smtClean="0"/>
+              <a:rPr lang="en-US"/>
               <a:t>Second level</a:t>
             </a:r>
           </a:p>
           <a:p>
             <a:pPr lvl="2"/>
             <a:r>
-              <a:rPr lang="en-US" smtClean="0"/>
+              <a:rPr lang="en-US"/>
               <a:t>Third level</a:t>
             </a:r>
           </a:p>
           <a:p>
             <a:pPr lvl="3"/>
             <a:r>
-              <a:rPr lang="en-US" smtClean="0"/>
+              <a:rPr lang="en-US"/>
               <a:t>Fourth level</a:t>
             </a:r>
           </a:p>
           <a:p>
             <a:pPr lvl="4"/>
             <a:r>
-              <a:rPr lang="en-US" smtClean="0"/>
+              <a:rPr lang="en-US"/>
               <a:t>Fifth level</a:t>
             </a:r>
             <a:endParaRPr lang="en-US" dirty="0"/>
@@ -9512,7 +9484,7 @@
             <a:fld id="{757B281C-5159-4971-8228-52B9A72E9ED2}" type="datetimeFigureOut">
               <a:rPr lang="en-US" smtClean="0"/>
               <a:pPr/>
-              <a:t>4/30/2018</a:t>
+              <a:t>11/4/2018</a:t>
             </a:fld>
             <a:endParaRPr lang="en-US" dirty="0"/>
           </a:p>
@@ -9574,13 +9546,6 @@
   <p:transition spd="slow">
     <p:wipe dir="d"/>
   </p:transition>
-  <p:timing>
-    <p:tnLst>
-      <p:par>
-        <p:cTn id="1" dur="indefinite" restart="never" nodeType="tmRoot"/>
-      </p:par>
-    </p:tnLst>
-  </p:timing>
 </p:sldLayout>
 </file>
 
@@ -9617,10 +9582,9 @@
           <a:lstStyle/>
           <a:p>
             <a:r>
-              <a:rPr lang="en-US" smtClean="0"/>
+              <a:rPr lang="en-US"/>
               <a:t>Click to edit Master title style</a:t>
             </a:r>
-            <a:endParaRPr lang="en-US"/>
           </a:p>
         </p:txBody>
       </p:sp>
@@ -9674,38 +9638,37 @@
           <a:p>
             <a:pPr lvl="0"/>
             <a:r>
-              <a:rPr lang="en-US" smtClean="0"/>
+              <a:rPr lang="en-US"/>
               <a:t>Click to edit Master text styles</a:t>
             </a:r>
           </a:p>
           <a:p>
             <a:pPr lvl="1"/>
             <a:r>
-              <a:rPr lang="en-US" smtClean="0"/>
+              <a:rPr lang="en-US"/>
               <a:t>Second level</a:t>
             </a:r>
           </a:p>
           <a:p>
             <a:pPr lvl="2"/>
             <a:r>
-              <a:rPr lang="en-US" smtClean="0"/>
+              <a:rPr lang="en-US"/>
               <a:t>Third level</a:t>
             </a:r>
           </a:p>
           <a:p>
             <a:pPr lvl="3"/>
             <a:r>
-              <a:rPr lang="en-US" smtClean="0"/>
+              <a:rPr lang="en-US"/>
               <a:t>Fourth level</a:t>
             </a:r>
           </a:p>
           <a:p>
             <a:pPr lvl="4"/>
             <a:r>
-              <a:rPr lang="en-US" smtClean="0"/>
+              <a:rPr lang="en-US"/>
               <a:t>Fifth level</a:t>
             </a:r>
-            <a:endParaRPr lang="en-US"/>
           </a:p>
         </p:txBody>
       </p:sp>
@@ -9759,38 +9722,37 @@
           <a:p>
             <a:pPr lvl="0"/>
             <a:r>
-              <a:rPr lang="en-US" smtClean="0"/>
+              <a:rPr lang="en-US"/>
               <a:t>Click to edit Master text styles</a:t>
             </a:r>
           </a:p>
           <a:p>
             <a:pPr lvl="1"/>
             <a:r>
-              <a:rPr lang="en-US" smtClean="0"/>
+              <a:rPr lang="en-US"/>
               <a:t>Second level</a:t>
             </a:r>
           </a:p>
           <a:p>
             <a:pPr lvl="2"/>
             <a:r>
-              <a:rPr lang="en-US" smtClean="0"/>
+              <a:rPr lang="en-US"/>
               <a:t>Third level</a:t>
             </a:r>
           </a:p>
           <a:p>
             <a:pPr lvl="3"/>
             <a:r>
-              <a:rPr lang="en-US" smtClean="0"/>
+              <a:rPr lang="en-US"/>
               <a:t>Fourth level</a:t>
             </a:r>
           </a:p>
           <a:p>
             <a:pPr lvl="4"/>
             <a:r>
-              <a:rPr lang="en-US" smtClean="0"/>
+              <a:rPr lang="en-US"/>
               <a:t>Fifth level</a:t>
             </a:r>
-            <a:endParaRPr lang="en-US"/>
           </a:p>
         </p:txBody>
       </p:sp>
@@ -9812,7 +9774,7 @@
             <a:fld id="{757B281C-5159-4971-8228-52B9A72E9ED2}" type="datetimeFigureOut">
               <a:rPr lang="en-US" smtClean="0"/>
               <a:pPr/>
-              <a:t>4/30/2018</a:t>
+              <a:t>11/4/2018</a:t>
             </a:fld>
             <a:endParaRPr lang="en-US" dirty="0"/>
           </a:p>
@@ -9869,13 +9831,6 @@
   <p:transition spd="slow">
     <p:wipe dir="d"/>
   </p:transition>
-  <p:timing>
-    <p:tnLst>
-      <p:par>
-        <p:cTn id="1" dur="indefinite" restart="never" nodeType="tmRoot"/>
-      </p:par>
-    </p:tnLst>
-  </p:timing>
 </p:sldLayout>
 </file>
 
@@ -9916,10 +9871,9 @@
           </a:lstStyle>
           <a:p>
             <a:r>
-              <a:rPr lang="en-US" smtClean="0"/>
+              <a:rPr lang="en-US"/>
               <a:t>Click to edit Master title style</a:t>
             </a:r>
-            <a:endParaRPr lang="en-US"/>
           </a:p>
         </p:txBody>
       </p:sp>
@@ -9982,7 +9936,7 @@
           <a:p>
             <a:pPr lvl="0"/>
             <a:r>
-              <a:rPr lang="en-US" smtClean="0"/>
+              <a:rPr lang="en-US"/>
               <a:t>Click to edit Master text styles</a:t>
             </a:r>
           </a:p>
@@ -10038,38 +9992,37 @@
           <a:p>
             <a:pPr lvl="0"/>
             <a:r>
-              <a:rPr lang="en-US" smtClean="0"/>
+              <a:rPr lang="en-US"/>
               <a:t>Click to edit Master text styles</a:t>
             </a:r>
           </a:p>
           <a:p>
             <a:pPr lvl="1"/>
             <a:r>
-              <a:rPr lang="en-US" smtClean="0"/>
+              <a:rPr lang="en-US"/>
               <a:t>Second level</a:t>
             </a:r>
           </a:p>
           <a:p>
             <a:pPr lvl="2"/>
             <a:r>
-              <a:rPr lang="en-US" smtClean="0"/>
+              <a:rPr lang="en-US"/>
               <a:t>Third level</a:t>
             </a:r>
           </a:p>
           <a:p>
             <a:pPr lvl="3"/>
             <a:r>
-              <a:rPr lang="en-US" smtClean="0"/>
+              <a:rPr lang="en-US"/>
               <a:t>Fourth level</a:t>
             </a:r>
           </a:p>
           <a:p>
             <a:pPr lvl="4"/>
             <a:r>
-              <a:rPr lang="en-US" smtClean="0"/>
+              <a:rPr lang="en-US"/>
               <a:t>Fifth level</a:t>
             </a:r>
-            <a:endParaRPr lang="en-US"/>
           </a:p>
         </p:txBody>
       </p:sp>
@@ -10132,7 +10085,7 @@
           <a:p>
             <a:pPr lvl="0"/>
             <a:r>
-              <a:rPr lang="en-US" smtClean="0"/>
+              <a:rPr lang="en-US"/>
               <a:t>Click to edit Master text styles</a:t>
             </a:r>
           </a:p>
@@ -10188,38 +10141,37 @@
           <a:p>
             <a:pPr lvl="0"/>
             <a:r>
-              <a:rPr lang="en-US" smtClean="0"/>
+              <a:rPr lang="en-US"/>
               <a:t>Click to edit Master text styles</a:t>
             </a:r>
           </a:p>
           <a:p>
             <a:pPr lvl="1"/>
             <a:r>
-              <a:rPr lang="en-US" smtClean="0"/>
+              <a:rPr lang="en-US"/>
               <a:t>Second level</a:t>
             </a:r>
           </a:p>
           <a:p>
             <a:pPr lvl="2"/>
             <a:r>
-              <a:rPr lang="en-US" smtClean="0"/>
+              <a:rPr lang="en-US"/>
               <a:t>Third level</a:t>
             </a:r>
           </a:p>
           <a:p>
             <a:pPr lvl="3"/>
             <a:r>
-              <a:rPr lang="en-US" smtClean="0"/>
+              <a:rPr lang="en-US"/>
               <a:t>Fourth level</a:t>
             </a:r>
           </a:p>
           <a:p>
             <a:pPr lvl="4"/>
             <a:r>
-              <a:rPr lang="en-US" smtClean="0"/>
+              <a:rPr lang="en-US"/>
               <a:t>Fifth level</a:t>
             </a:r>
-            <a:endParaRPr lang="en-US"/>
           </a:p>
         </p:txBody>
       </p:sp>
@@ -10241,7 +10193,7 @@
             <a:fld id="{757B281C-5159-4971-8228-52B9A72E9ED2}" type="datetimeFigureOut">
               <a:rPr lang="en-US" smtClean="0"/>
               <a:pPr/>
-              <a:t>4/30/2018</a:t>
+              <a:t>11/4/2018</a:t>
             </a:fld>
             <a:endParaRPr lang="en-US" dirty="0"/>
           </a:p>
@@ -10343,10 +10295,9 @@
           </a:lstStyle>
           <a:p>
             <a:r>
-              <a:rPr lang="en-US" smtClean="0"/>
+              <a:rPr lang="en-US"/>
               <a:t>Click to edit Master title style</a:t>
             </a:r>
-            <a:endParaRPr lang="en-US"/>
           </a:p>
         </p:txBody>
       </p:sp>
@@ -10400,38 +10351,37 @@
           <a:p>
             <a:pPr lvl="0"/>
             <a:r>
-              <a:rPr lang="en-US" smtClean="0"/>
+              <a:rPr lang="en-US"/>
               <a:t>Click to edit Master text styles</a:t>
             </a:r>
           </a:p>
           <a:p>
             <a:pPr lvl="1"/>
             <a:r>
-              <a:rPr lang="en-US" smtClean="0"/>
+              <a:rPr lang="en-US"/>
               <a:t>Second level</a:t>
             </a:r>
           </a:p>
           <a:p>
             <a:pPr lvl="2"/>
             <a:r>
-              <a:rPr lang="en-US" smtClean="0"/>
+              <a:rPr lang="en-US"/>
               <a:t>Third level</a:t>
             </a:r>
           </a:p>
           <a:p>
             <a:pPr lvl="3"/>
             <a:r>
-              <a:rPr lang="en-US" smtClean="0"/>
+              <a:rPr lang="en-US"/>
               <a:t>Fourth level</a:t>
             </a:r>
           </a:p>
           <a:p>
             <a:pPr lvl="4"/>
             <a:r>
-              <a:rPr lang="en-US" smtClean="0"/>
+              <a:rPr lang="en-US"/>
               <a:t>Fifth level</a:t>
             </a:r>
-            <a:endParaRPr lang="en-US"/>
           </a:p>
         </p:txBody>
       </p:sp>
@@ -10494,7 +10444,7 @@
           <a:p>
             <a:pPr lvl="0"/>
             <a:r>
-              <a:rPr lang="en-US" smtClean="0"/>
+              <a:rPr lang="en-US"/>
               <a:t>Click to edit Master text styles</a:t>
             </a:r>
           </a:p>
@@ -10518,7 +10468,7 @@
             <a:fld id="{757B281C-5159-4971-8228-52B9A72E9ED2}" type="datetimeFigureOut">
               <a:rPr lang="en-US" smtClean="0"/>
               <a:pPr/>
-              <a:t>4/30/2018</a:t>
+              <a:t>11/4/2018</a:t>
             </a:fld>
             <a:endParaRPr lang="en-US" dirty="0"/>
           </a:p>
@@ -10575,13 +10525,6 @@
   <p:transition spd="slow">
     <p:wipe dir="d"/>
   </p:transition>
-  <p:timing>
-    <p:tnLst>
-      <p:par>
-        <p:cTn id="1" dur="indefinite" restart="never" nodeType="tmRoot"/>
-      </p:par>
-    </p:tnLst>
-  </p:timing>
 </p:sldLayout>
 </file>
 
@@ -10627,10 +10570,9 @@
           </a:lstStyle>
           <a:p>
             <a:r>
-              <a:rPr lang="en-US" smtClean="0"/>
+              <a:rPr lang="en-US"/>
               <a:t>Click to edit Master title style</a:t>
             </a:r>
-            <a:endParaRPr lang="en-US"/>
           </a:p>
         </p:txBody>
       </p:sp>
@@ -10692,7 +10634,7 @@
           </a:lstStyle>
           <a:p>
             <a:r>
-              <a:rPr lang="en-US" smtClean="0"/>
+              <a:rPr lang="en-US"/>
               <a:t>Drag picture to placeholder or click icon to add</a:t>
             </a:r>
             <a:endParaRPr lang="en-US" dirty="0"/>
@@ -10758,7 +10700,7 @@
           <a:p>
             <a:pPr lvl="0"/>
             <a:r>
-              <a:rPr lang="en-US" smtClean="0"/>
+              <a:rPr lang="en-US"/>
               <a:t>Click to edit Master text styles</a:t>
             </a:r>
           </a:p>
@@ -10782,7 +10724,7 @@
             <a:fld id="{757B281C-5159-4971-8228-52B9A72E9ED2}" type="datetimeFigureOut">
               <a:rPr lang="en-US" smtClean="0"/>
               <a:pPr/>
-              <a:t>4/30/2018</a:t>
+              <a:t>11/4/2018</a:t>
             </a:fld>
             <a:endParaRPr lang="en-US" dirty="0"/>
           </a:p>
@@ -10875,10 +10817,9 @@
           <a:lstStyle/>
           <a:p>
             <a:r>
-              <a:rPr lang="en-US" smtClean="0"/>
+              <a:rPr lang="en-US"/>
               <a:t>Click to edit Master title style</a:t>
             </a:r>
-            <a:endParaRPr lang="en-US"/>
           </a:p>
         </p:txBody>
       </p:sp>
@@ -10899,38 +10840,37 @@
           <a:p>
             <a:pPr lvl="0"/>
             <a:r>
-              <a:rPr lang="en-US" smtClean="0"/>
+              <a:rPr lang="en-US"/>
               <a:t>Click to edit Master text styles</a:t>
             </a:r>
           </a:p>
           <a:p>
             <a:pPr lvl="1"/>
             <a:r>
-              <a:rPr lang="en-US" smtClean="0"/>
+              <a:rPr lang="en-US"/>
               <a:t>Second level</a:t>
             </a:r>
           </a:p>
           <a:p>
             <a:pPr lvl="2"/>
             <a:r>
-              <a:rPr lang="en-US" smtClean="0"/>
+              <a:rPr lang="en-US"/>
               <a:t>Third level</a:t>
             </a:r>
           </a:p>
           <a:p>
             <a:pPr lvl="3"/>
             <a:r>
-              <a:rPr lang="en-US" smtClean="0"/>
+              <a:rPr lang="en-US"/>
               <a:t>Fourth level</a:t>
             </a:r>
           </a:p>
           <a:p>
             <a:pPr lvl="4"/>
             <a:r>
-              <a:rPr lang="en-US" smtClean="0"/>
+              <a:rPr lang="en-US"/>
               <a:t>Fifth level</a:t>
             </a:r>
-            <a:endParaRPr lang="en-US"/>
           </a:p>
         </p:txBody>
       </p:sp>
@@ -10952,7 +10892,7 @@
             <a:fld id="{757B281C-5159-4971-8228-52B9A72E9ED2}" type="datetimeFigureOut">
               <a:rPr lang="en-US" smtClean="0"/>
               <a:pPr/>
-              <a:t>4/30/2018</a:t>
+              <a:t>11/4/2018</a:t>
             </a:fld>
             <a:endParaRPr lang="en-US" dirty="0"/>
           </a:p>
@@ -11050,10 +10990,9 @@
           <a:lstStyle/>
           <a:p>
             <a:r>
-              <a:rPr lang="en-US" smtClean="0"/>
+              <a:rPr lang="en-US"/>
               <a:t>Click to edit Master title style</a:t>
             </a:r>
-            <a:endParaRPr lang="en-US"/>
           </a:p>
         </p:txBody>
       </p:sp>
@@ -11079,38 +11018,37 @@
           <a:p>
             <a:pPr lvl="0"/>
             <a:r>
-              <a:rPr lang="en-US" smtClean="0"/>
+              <a:rPr lang="en-US"/>
               <a:t>Click to edit Master text styles</a:t>
             </a:r>
           </a:p>
           <a:p>
             <a:pPr lvl="1"/>
             <a:r>
-              <a:rPr lang="en-US" smtClean="0"/>
+              <a:rPr lang="en-US"/>
               <a:t>Second level</a:t>
             </a:r>
           </a:p>
           <a:p>
             <a:pPr lvl="2"/>
             <a:r>
-              <a:rPr lang="en-US" smtClean="0"/>
+              <a:rPr lang="en-US"/>
               <a:t>Third level</a:t>
             </a:r>
           </a:p>
           <a:p>
             <a:pPr lvl="3"/>
             <a:r>
-              <a:rPr lang="en-US" smtClean="0"/>
+              <a:rPr lang="en-US"/>
               <a:t>Fourth level</a:t>
             </a:r>
           </a:p>
           <a:p>
             <a:pPr lvl="4"/>
             <a:r>
-              <a:rPr lang="en-US" smtClean="0"/>
+              <a:rPr lang="en-US"/>
               <a:t>Fifth level</a:t>
             </a:r>
-            <a:endParaRPr lang="en-US"/>
           </a:p>
         </p:txBody>
       </p:sp>
@@ -11132,7 +11070,7 @@
             <a:fld id="{757B281C-5159-4971-8228-52B9A72E9ED2}" type="datetimeFigureOut">
               <a:rPr lang="en-US" smtClean="0"/>
               <a:pPr/>
-              <a:t>4/30/2018</a:t>
+              <a:t>11/4/2018</a:t>
             </a:fld>
             <a:endParaRPr lang="en-US" dirty="0"/>
           </a:p>
@@ -11269,7 +11207,7 @@
           <a:lstStyle/>
           <a:p>
             <a:r>
-              <a:rPr lang="en-US" smtClean="0"/>
+              <a:rPr lang="en-US"/>
               <a:t>Click to edit Master title style</a:t>
             </a:r>
             <a:endParaRPr lang="en-US" dirty="0"/>
@@ -11303,35 +11241,35 @@
           <a:p>
             <a:pPr lvl="0"/>
             <a:r>
-              <a:rPr lang="en-US" smtClean="0"/>
+              <a:rPr lang="en-US"/>
               <a:t>Click to edit Master text styles</a:t>
             </a:r>
           </a:p>
           <a:p>
             <a:pPr lvl="1"/>
             <a:r>
-              <a:rPr lang="en-US" smtClean="0"/>
+              <a:rPr lang="en-US"/>
               <a:t>Second level</a:t>
             </a:r>
           </a:p>
           <a:p>
             <a:pPr lvl="2"/>
             <a:r>
-              <a:rPr lang="en-US" smtClean="0"/>
+              <a:rPr lang="en-US"/>
               <a:t>Third level</a:t>
             </a:r>
           </a:p>
           <a:p>
             <a:pPr lvl="3"/>
             <a:r>
-              <a:rPr lang="en-US" smtClean="0"/>
+              <a:rPr lang="en-US"/>
               <a:t>Fourth level</a:t>
             </a:r>
           </a:p>
           <a:p>
             <a:pPr lvl="4"/>
             <a:r>
-              <a:rPr lang="en-US" smtClean="0"/>
+              <a:rPr lang="en-US"/>
               <a:t>Fifth level</a:t>
             </a:r>
             <a:endParaRPr lang="en-US" dirty="0"/>
@@ -11374,7 +11312,7 @@
             <a:fld id="{757B281C-5159-4971-8228-52B9A72E9ED2}" type="datetimeFigureOut">
               <a:rPr lang="en-US" smtClean="0"/>
               <a:pPr/>
-              <a:t>4/30/2018</a:t>
+              <a:t>11/4/2018</a:t>
             </a:fld>
             <a:endParaRPr lang="en-US" dirty="0"/>
           </a:p>
@@ -11508,13 +11446,6 @@
   <p:transition spd="slow">
     <p:wipe dir="d"/>
   </p:transition>
-  <p:timing>
-    <p:tnLst>
-      <p:par>
-        <p:cTn id="1" dur="indefinite" restart="never" nodeType="tmRoot"/>
-      </p:par>
-    </p:tnLst>
-  </p:timing>
   <p:txStyles>
     <p:titleStyle>
       <a:lvl1pPr algn="l" defTabSz="914400" rtl="0" eaLnBrk="1" latinLnBrk="0" hangingPunct="1">
@@ -11804,10 +11735,9 @@
           <a:lstStyle/>
           <a:p>
             <a:r>
-              <a:rPr lang="en-US" dirty="0" smtClean="0"/>
+              <a:rPr lang="en-US" dirty="0"/>
               <a:t>Creating User Interfaces</a:t>
             </a:r>
-            <a:endParaRPr lang="en-US" dirty="0"/>
           </a:p>
         </p:txBody>
       </p:sp>
@@ -11822,13 +11752,6 @@
   <p:transition spd="slow">
     <p:fade/>
   </p:transition>
-  <p:timing>
-    <p:tnLst>
-      <p:par>
-        <p:cTn id="1" dur="indefinite" restart="never" nodeType="tmRoot"/>
-      </p:par>
-    </p:tnLst>
-  </p:timing>
 </p:sld>
 </file>
 
@@ -11873,10 +11796,9 @@
           <a:lstStyle/>
           <a:p>
             <a:r>
-              <a:rPr lang="en-US" dirty="0" smtClean="0"/>
+              <a:rPr lang="en-US" dirty="0"/>
               <a:t>Model-View-Controller (MVC)</a:t>
             </a:r>
-            <a:endParaRPr lang="en-US" dirty="0"/>
           </a:p>
         </p:txBody>
       </p:sp>
@@ -11909,14 +11831,14 @@
               <a:buNone/>
             </a:pPr>
             <a:r>
-              <a:rPr lang="en-US" sz="3600" b="1" dirty="0" smtClean="0">
+              <a:rPr lang="en-US" sz="3600" b="1" dirty="0">
                 <a:solidFill>
                   <a:schemeClr val="tx2"/>
                 </a:solidFill>
               </a:rPr>
               <a:t>Controller</a:t>
             </a:r>
-            <a:endParaRPr lang="en-SG" sz="3600" b="1" dirty="0" smtClean="0">
+            <a:endParaRPr lang="en-SG" sz="3600" b="1" dirty="0">
               <a:solidFill>
                 <a:schemeClr val="tx2"/>
               </a:solidFill>
@@ -11924,7 +11846,7 @@
           </a:p>
           <a:p>
             <a:r>
-              <a:rPr lang="en-SG" sz="3200" smtClean="0"/>
+              <a:rPr lang="en-SG" sz="3200"/>
               <a:t>The </a:t>
             </a:r>
             <a:r>
@@ -11933,11 +11855,7 @@
             </a:r>
             <a:r>
               <a:rPr lang="en-SG" sz="3200"/>
-              <a:t>the </a:t>
-            </a:r>
-            <a:r>
-              <a:rPr lang="en-SG" sz="3200" smtClean="0"/>
-              <a:t>data</a:t>
+              <a:t>the data</a:t>
             </a:r>
             <a:endParaRPr lang="en-US" sz="3600" dirty="0"/>
           </a:p>
@@ -12153,10 +12071,9 @@
           <a:lstStyle/>
           <a:p>
             <a:r>
-              <a:rPr lang="en-US" sz="5400" dirty="0" smtClean="0"/>
+              <a:rPr lang="en-US" sz="5400" dirty="0"/>
               <a:t>Restaurant List</a:t>
             </a:r>
-            <a:endParaRPr lang="en-US" sz="5400" dirty="0"/>
           </a:p>
         </p:txBody>
       </p:sp>
@@ -12177,13 +12094,6 @@
       </p:transition>
     </mc:Fallback>
   </mc:AlternateContent>
-  <p:timing>
-    <p:tnLst>
-      <p:par>
-        <p:cTn id="1" dur="indefinite" restart="never" nodeType="tmRoot"/>
-      </p:par>
-    </p:tnLst>
-  </p:timing>
 </p:sld>
 </file>
 
@@ -12228,10 +12138,9 @@
           <a:lstStyle/>
           <a:p>
             <a:r>
-              <a:rPr lang="en-US" dirty="0" smtClean="0"/>
+              <a:rPr lang="en-US" dirty="0"/>
               <a:t>Restaurant List</a:t>
             </a:r>
-            <a:endParaRPr lang="en-US" dirty="0"/>
           </a:p>
         </p:txBody>
       </p:sp>
@@ -12261,7 +12170,7 @@
           <a:lstStyle/>
           <a:p>
             <a:r>
-              <a:rPr lang="en-SG" sz="3200" dirty="0" smtClean="0"/>
+              <a:rPr lang="en-SG" sz="3200" dirty="0"/>
               <a:t>Restaurant List is an Android app to allow user to store restaurant information to local database. It provides features</a:t>
             </a:r>
           </a:p>
@@ -12269,35 +12178,27 @@
             <a:pPr lvl="1"/>
             <a:r>
               <a:rPr lang="en-SG" dirty="0"/>
-              <a:t>t</a:t>
-            </a:r>
-            <a:r>
-              <a:rPr lang="en-SG" dirty="0" smtClean="0"/>
-              <a:t>o allow user to set preference in restaurant list sorting</a:t>
+              <a:t>to allow user to set preference in restaurant list sorting</a:t>
             </a:r>
           </a:p>
           <a:p>
             <a:pPr lvl="1"/>
             <a:r>
               <a:rPr lang="en-SG" dirty="0"/>
-              <a:t>t</a:t>
-            </a:r>
-            <a:r>
-              <a:rPr lang="en-SG" dirty="0" smtClean="0"/>
-              <a:t>o set alarm for lunch time</a:t>
+              <a:t>to set alarm for lunch time</a:t>
             </a:r>
           </a:p>
           <a:p>
             <a:pPr lvl="1"/>
             <a:r>
-              <a:rPr lang="en-SG" dirty="0" smtClean="0"/>
+              <a:rPr lang="en-SG" dirty="0"/>
               <a:t>to set alarm alert using activity or system notification through status bar</a:t>
             </a:r>
           </a:p>
           <a:p>
             <a:pPr lvl="1"/>
             <a:r>
-              <a:rPr lang="en-SG" dirty="0" smtClean="0"/>
+              <a:rPr lang="en-SG" dirty="0"/>
               <a:t>to access location coordinates and save to record</a:t>
             </a:r>
           </a:p>
@@ -12305,13 +12206,8 @@
             <a:pPr lvl="1"/>
             <a:r>
               <a:rPr lang="en-SG" dirty="0"/>
-              <a:t>t</a:t>
-            </a:r>
-            <a:r>
-              <a:rPr lang="en-SG" dirty="0" smtClean="0"/>
-              <a:t>o show restaurant location on Google Map with a marker</a:t>
-            </a:r>
-            <a:endParaRPr lang="en-SG" dirty="0"/>
+              <a:t>to show restaurant location on Google Map with a marker</a:t>
+            </a:r>
           </a:p>
         </p:txBody>
       </p:sp>
@@ -12331,13 +12227,6 @@
   <p:transition spd="slow">
     <p:wipe dir="d"/>
   </p:transition>
-  <p:timing>
-    <p:tnLst>
-      <p:par>
-        <p:cTn id="1" dur="indefinite" restart="never" nodeType="tmRoot"/>
-      </p:par>
-    </p:tnLst>
-  </p:timing>
 </p:sld>
 </file>
 
@@ -12382,10 +12271,9 @@
           <a:lstStyle/>
           <a:p>
             <a:r>
-              <a:rPr lang="en-US" dirty="0" smtClean="0"/>
+              <a:rPr lang="en-US" dirty="0"/>
               <a:t>Restaurant List</a:t>
             </a:r>
-            <a:endParaRPr lang="en-US" dirty="0"/>
           </a:p>
         </p:txBody>
       </p:sp>
@@ -12415,13 +12303,13 @@
           <a:lstStyle/>
           <a:p>
             <a:r>
-              <a:rPr lang="en-SG" sz="3200" dirty="0" smtClean="0"/>
+              <a:rPr lang="en-SG" sz="3200" dirty="0"/>
               <a:t>The 6 practical sessions will provide you a step-by-step guide in building the application</a:t>
             </a:r>
           </a:p>
           <a:p>
             <a:r>
-              <a:rPr lang="en-SG" sz="3200" dirty="0" smtClean="0"/>
+              <a:rPr lang="en-SG" sz="3200" dirty="0"/>
               <a:t>The approach will be following the Model-View-Controller software design pattern</a:t>
             </a:r>
           </a:p>
@@ -12446,13 +12334,6 @@
   <p:transition spd="slow">
     <p:wipe dir="d"/>
   </p:transition>
-  <p:timing>
-    <p:tnLst>
-      <p:par>
-        <p:cTn id="1" dur="indefinite" restart="never" nodeType="tmRoot"/>
-      </p:par>
-    </p:tnLst>
-  </p:timing>
 </p:sld>
 </file>
 
@@ -12496,10 +12377,9 @@
           <a:lstStyle/>
           <a:p>
             <a:r>
-              <a:rPr lang="en-US" sz="7200" dirty="0" smtClean="0"/>
+              <a:rPr lang="en-US" sz="7200" dirty="0"/>
               <a:t>Practical 1 – UI View</a:t>
             </a:r>
-            <a:endParaRPr lang="en-US" sz="7200" dirty="0"/>
           </a:p>
         </p:txBody>
       </p:sp>
@@ -12546,13 +12426,6 @@
   <p:transition spd="slow">
     <p:fade/>
   </p:transition>
-  <p:timing>
-    <p:tnLst>
-      <p:par>
-        <p:cTn id="1" dur="indefinite" restart="never" nodeType="tmRoot"/>
-      </p:par>
-    </p:tnLst>
-  </p:timing>
 </p:sld>
 </file>
 
@@ -12597,10 +12470,9 @@
           <a:lstStyle/>
           <a:p>
             <a:r>
-              <a:rPr lang="en-US" dirty="0" smtClean="0"/>
+              <a:rPr lang="en-US" dirty="0"/>
               <a:t>User Interface View Design</a:t>
             </a:r>
-            <a:endParaRPr lang="en-US" dirty="0"/>
           </a:p>
         </p:txBody>
       </p:sp>
@@ -12630,13 +12502,13 @@
           <a:lstStyle/>
           <a:p>
             <a:r>
-              <a:rPr lang="en-SG" sz="3600" dirty="0" smtClean="0"/>
+              <a:rPr lang="en-SG" sz="3600" dirty="0"/>
               <a:t>Applications are usually made up of Views. They provide interaction between user and the app</a:t>
             </a:r>
           </a:p>
           <a:p>
             <a:r>
-              <a:rPr lang="en-SG" sz="3600" dirty="0" smtClean="0"/>
+              <a:rPr lang="en-SG" sz="3600" dirty="0"/>
               <a:t>The basic function of these views is to take inputs from users or present outputs to them</a:t>
             </a:r>
           </a:p>
@@ -12658,13 +12530,6 @@
   <p:transition spd="slow">
     <p:wipe dir="d"/>
   </p:transition>
-  <p:timing>
-    <p:tnLst>
-      <p:par>
-        <p:cTn id="1" dur="indefinite" restart="never" nodeType="tmRoot"/>
-      </p:par>
-    </p:tnLst>
-  </p:timing>
 </p:sld>
 </file>
 
@@ -12709,10 +12574,9 @@
           <a:lstStyle/>
           <a:p>
             <a:r>
-              <a:rPr lang="en-US" dirty="0" smtClean="0"/>
+              <a:rPr lang="en-US" dirty="0"/>
               <a:t>User Interface View Design</a:t>
             </a:r>
-            <a:endParaRPr lang="en-US" dirty="0"/>
           </a:p>
         </p:txBody>
       </p:sp>
@@ -12742,35 +12606,35 @@
           <a:lstStyle/>
           <a:p>
             <a:r>
-              <a:rPr lang="en-SG" sz="3600" dirty="0" smtClean="0"/>
+              <a:rPr lang="en-SG" sz="3600" dirty="0"/>
               <a:t>For the beginning, a Simple Form will be designed for the UI View using</a:t>
             </a:r>
           </a:p>
           <a:p>
             <a:pPr lvl="1"/>
             <a:r>
-              <a:rPr lang="en-SG" sz="2800" dirty="0" smtClean="0"/>
+              <a:rPr lang="en-SG" sz="2800" dirty="0"/>
               <a:t>LinearLayout</a:t>
             </a:r>
           </a:p>
           <a:p>
             <a:pPr lvl="1"/>
             <a:r>
-              <a:rPr lang="en-SG" sz="2800" dirty="0" smtClean="0"/>
+              <a:rPr lang="en-SG" sz="2800" dirty="0"/>
               <a:t>TextView</a:t>
             </a:r>
           </a:p>
           <a:p>
             <a:pPr lvl="1"/>
             <a:r>
-              <a:rPr lang="en-SG" sz="2800" dirty="0" smtClean="0"/>
+              <a:rPr lang="en-SG" sz="2800" dirty="0"/>
               <a:t>EditText </a:t>
             </a:r>
           </a:p>
           <a:p>
             <a:pPr lvl="1"/>
             <a:r>
-              <a:rPr lang="en-SG" sz="2800" dirty="0" smtClean="0"/>
+              <a:rPr lang="en-SG" sz="2800" dirty="0"/>
               <a:t>Button</a:t>
             </a:r>
           </a:p>
@@ -12778,7 +12642,7 @@
             <a:pPr>
               <a:buNone/>
             </a:pPr>
-            <a:endParaRPr lang="en-SG" sz="3200" dirty="0" smtClean="0"/>
+            <a:endParaRPr lang="en-SG" sz="3200" dirty="0"/>
           </a:p>
         </p:txBody>
       </p:sp>
@@ -12954,6 +12818,47 @@
           </a:ln>
         </p:spPr>
       </p:pic>
+      <p:cxnSp>
+        <p:nvCxnSpPr>
+          <p:cNvPr id="9" name="Straight Arrow Connector 8">
+            <a:extLst>
+              <a:ext uri="{FF2B5EF4-FFF2-40B4-BE49-F238E27FC236}">
+                <a16:creationId xmlns:a16="http://schemas.microsoft.com/office/drawing/2014/main" id="{40825825-B4E6-47A1-A7AF-B91D816FD3E2}"/>
+              </a:ext>
+            </a:extLst>
+          </p:cNvPr>
+          <p:cNvCxnSpPr>
+            <a:cxnSpLocks/>
+          </p:cNvCxnSpPr>
+          <p:nvPr/>
+        </p:nvCxnSpPr>
+        <p:spPr>
+          <a:xfrm flipV="1">
+            <a:off x="2743200" y="4343400"/>
+            <a:ext cx="3276600" cy="152400"/>
+          </a:xfrm>
+          <a:prstGeom prst="straightConnector1">
+            <a:avLst/>
+          </a:prstGeom>
+          <a:ln>
+            <a:tailEnd type="arrow"/>
+          </a:ln>
+        </p:spPr>
+        <p:style>
+          <a:lnRef idx="1">
+            <a:schemeClr val="accent1"/>
+          </a:lnRef>
+          <a:fillRef idx="0">
+            <a:schemeClr val="accent1"/>
+          </a:fillRef>
+          <a:effectRef idx="0">
+            <a:schemeClr val="accent1"/>
+          </a:effectRef>
+          <a:fontRef idx="minor">
+            <a:schemeClr val="tx1"/>
+          </a:fontRef>
+        </p:style>
+      </p:cxnSp>
     </p:spTree>
     <p:custDataLst>
       <p:tags r:id="rId1"/>
@@ -12970,13 +12875,6 @@
   <p:transition spd="slow">
     <p:wipe dir="d"/>
   </p:transition>
-  <p:timing>
-    <p:tnLst>
-      <p:par>
-        <p:cTn id="1" dur="indefinite" restart="never" nodeType="tmRoot"/>
-      </p:par>
-    </p:tnLst>
-  </p:timing>
 </p:sld>
 </file>
 
@@ -13021,10 +12919,9 @@
           <a:lstStyle/>
           <a:p>
             <a:r>
-              <a:rPr lang="en-US" dirty="0" smtClean="0"/>
+              <a:rPr lang="en-US" dirty="0"/>
               <a:t>User Interface View Design</a:t>
             </a:r>
-            <a:endParaRPr lang="en-US" dirty="0"/>
           </a:p>
         </p:txBody>
       </p:sp>
@@ -13054,7 +12951,7 @@
           <a:lstStyle/>
           <a:p>
             <a:r>
-              <a:rPr lang="en-SG" sz="3600" dirty="0" smtClean="0"/>
+              <a:rPr lang="en-SG" sz="3600" dirty="0"/>
               <a:t>Simple Form</a:t>
             </a:r>
           </a:p>
@@ -13064,7 +12961,7 @@
               <a:buAutoNum type="arabicPeriod"/>
             </a:pPr>
             <a:r>
-              <a:rPr lang="en-SG" sz="3200" dirty="0" smtClean="0"/>
+              <a:rPr lang="en-SG" sz="3200" dirty="0"/>
               <a:t>Set the layout to hold the view design</a:t>
             </a:r>
           </a:p>
@@ -13074,43 +12971,43 @@
               <a:buAutoNum type="arabicPeriod"/>
             </a:pPr>
             <a:r>
-              <a:rPr lang="en-SG" sz="3200" dirty="0" smtClean="0"/>
+              <a:rPr lang="en-SG" sz="3200" dirty="0"/>
               <a:t>Place in necessary widgets</a:t>
             </a:r>
           </a:p>
           <a:p>
             <a:pPr marL="1371600" lvl="2" indent="-514350"/>
             <a:r>
-              <a:rPr lang="en-SG" sz="2800" dirty="0" err="1" smtClean="0"/>
+              <a:rPr lang="en-SG" sz="2800" dirty="0" err="1"/>
               <a:t>TextView</a:t>
             </a:r>
             <a:r>
-              <a:rPr lang="en-SG" sz="2800" dirty="0" smtClean="0"/>
+              <a:rPr lang="en-SG" sz="2800" dirty="0"/>
               <a:t> – to display label to user</a:t>
             </a:r>
           </a:p>
           <a:p>
             <a:pPr marL="1371600" lvl="2" indent="-514350"/>
             <a:r>
-              <a:rPr lang="en-SG" sz="2800" dirty="0" err="1" smtClean="0"/>
+              <a:rPr lang="en-SG" sz="2800" dirty="0" err="1"/>
               <a:t>EditText</a:t>
             </a:r>
             <a:r>
-              <a:rPr lang="en-SG" sz="2800" dirty="0" smtClean="0"/>
+              <a:rPr lang="en-SG" sz="2800" dirty="0"/>
               <a:t> – to read data from user</a:t>
             </a:r>
           </a:p>
           <a:p>
             <a:pPr marL="1371600" lvl="2" indent="-514350"/>
             <a:r>
-              <a:rPr lang="en-SG" sz="2800" dirty="0" smtClean="0"/>
+              <a:rPr lang="en-SG" sz="2800" dirty="0"/>
               <a:t>Button – to get user’s request</a:t>
             </a:r>
-            <a:endParaRPr lang="en-SG" sz="3200" dirty="0" smtClean="0"/>
+            <a:endParaRPr lang="en-SG" sz="3200" dirty="0"/>
           </a:p>
           <a:p>
             <a:pPr lvl="1"/>
-            <a:endParaRPr lang="en-SG" sz="3200" dirty="0" smtClean="0"/>
+            <a:endParaRPr lang="en-SG" sz="3200" dirty="0"/>
           </a:p>
         </p:txBody>
       </p:sp>
@@ -13162,13 +13059,6 @@
   <p:transition spd="slow">
     <p:wipe dir="d"/>
   </p:transition>
-  <p:timing>
-    <p:tnLst>
-      <p:par>
-        <p:cTn id="1" dur="indefinite" restart="never" nodeType="tmRoot"/>
-      </p:par>
-    </p:tnLst>
-  </p:timing>
 </p:sld>
 </file>
 
@@ -13237,10 +13127,9 @@
           <a:lstStyle/>
           <a:p>
             <a:r>
-              <a:rPr lang="en-US" dirty="0" smtClean="0"/>
+              <a:rPr lang="en-US" dirty="0"/>
               <a:t>User Interface View Design</a:t>
             </a:r>
-            <a:endParaRPr lang="en-US" dirty="0"/>
           </a:p>
         </p:txBody>
       </p:sp>
@@ -13266,7 +13155,7 @@
           </a:bodyPr>
           <a:lstStyle/>
           <a:p>
-            <a:endParaRPr lang="en-US" sz="1200" dirty="0" smtClean="0"/>
+            <a:endParaRPr lang="en-US" sz="1200" dirty="0"/>
           </a:p>
         </p:txBody>
       </p:sp>
@@ -13418,13 +13307,6 @@
   <p:transition spd="slow">
     <p:wipe dir="d"/>
   </p:transition>
-  <p:timing>
-    <p:tnLst>
-      <p:par>
-        <p:cTn id="1" dur="indefinite" restart="never" nodeType="tmRoot"/>
-      </p:par>
-    </p:tnLst>
-  </p:timing>
 </p:sld>
 </file>
 
@@ -13493,10 +13375,9 @@
           <a:lstStyle/>
           <a:p>
             <a:r>
-              <a:rPr lang="en-US" dirty="0" smtClean="0"/>
+              <a:rPr lang="en-US" dirty="0"/>
               <a:t>User Interface View Design</a:t>
             </a:r>
-            <a:endParaRPr lang="en-US" dirty="0"/>
           </a:p>
         </p:txBody>
       </p:sp>
@@ -13522,7 +13403,7 @@
           </a:bodyPr>
           <a:lstStyle/>
           <a:p>
-            <a:endParaRPr lang="en-US" sz="1200" dirty="0" smtClean="0"/>
+            <a:endParaRPr lang="en-US" sz="1200" dirty="0"/>
           </a:p>
         </p:txBody>
       </p:sp>
@@ -13784,13 +13665,6 @@
   <p:transition spd="slow">
     <p:wipe dir="d"/>
   </p:transition>
-  <p:timing>
-    <p:tnLst>
-      <p:par>
-        <p:cTn id="1" dur="indefinite" restart="never" nodeType="tmRoot"/>
-      </p:par>
-    </p:tnLst>
-  </p:timing>
 </p:sld>
 </file>
 
@@ -13832,10 +13706,9 @@
           <a:lstStyle/>
           <a:p>
             <a:r>
-              <a:rPr lang="en-US" dirty="0" smtClean="0"/>
+              <a:rPr lang="en-US" dirty="0"/>
               <a:t>Today’s Overview </a:t>
             </a:r>
-            <a:endParaRPr lang="en-US" dirty="0"/>
           </a:p>
         </p:txBody>
       </p:sp>
@@ -13962,7 +13835,7 @@
                 <a:buChar char="••"/>
               </a:pPr>
               <a:r>
-                <a:rPr lang="en-US" sz="3200" kern="1200" dirty="0" smtClean="0">
+                <a:rPr lang="en-US" sz="3200" kern="1200" dirty="0">
                   <a:effectLst>
                     <a:outerShdw blurRad="38100" dist="38100" dir="2700000" algn="tl">
                       <a:srgbClr val="000000">
@@ -13973,15 +13846,6 @@
                 </a:rPr>
                 <a:t>Model-View-Controller</a:t>
               </a:r>
-              <a:endParaRPr lang="en-US" sz="3200" kern="1200" dirty="0">
-                <a:effectLst>
-                  <a:outerShdw blurRad="38100" dist="38100" dir="2700000" algn="tl">
-                    <a:srgbClr val="000000">
-                      <a:alpha val="43137"/>
-                    </a:srgbClr>
-                  </a:outerShdw>
-                </a:effectLst>
-              </a:endParaRPr>
             </a:p>
           </p:txBody>
         </p:sp>
@@ -14092,10 +13956,9 @@
                 </a:spcAft>
               </a:pPr>
               <a:r>
-                <a:rPr lang="en-US" sz="4400" kern="1200" dirty="0" smtClean="0"/>
+                <a:rPr lang="en-US" sz="4400" kern="1200" dirty="0"/>
                 <a:t>1</a:t>
               </a:r>
-              <a:endParaRPr lang="en-US" sz="4400" kern="1200" dirty="0"/>
             </a:p>
           </p:txBody>
         </p:sp>
@@ -14223,7 +14086,7 @@
                 <a:buChar char="••"/>
               </a:pPr>
               <a:r>
-                <a:rPr lang="en-US" sz="3200" kern="1200" dirty="0" smtClean="0">
+                <a:rPr lang="en-US" sz="3200" kern="1200" dirty="0">
                   <a:effectLst>
                     <a:outerShdw blurRad="38100" dist="38100" dir="2700000" algn="tl">
                       <a:srgbClr val="000000">
@@ -14234,15 +14097,6 @@
                 </a:rPr>
                 <a:t>Practical 1 Walk Through</a:t>
               </a:r>
-              <a:endParaRPr lang="en-US" sz="3200" kern="1200" dirty="0">
-                <a:effectLst>
-                  <a:outerShdw blurRad="38100" dist="38100" dir="2700000" algn="tl">
-                    <a:srgbClr val="000000">
-                      <a:alpha val="43137"/>
-                    </a:srgbClr>
-                  </a:outerShdw>
-                </a:effectLst>
-              </a:endParaRPr>
             </a:p>
           </p:txBody>
         </p:sp>
@@ -14353,7 +14207,7 @@
                 </a:spcAft>
               </a:pPr>
               <a:r>
-                <a:rPr lang="en-US" sz="4400" kern="1200" smtClean="0"/>
+                <a:rPr lang="en-US" sz="4400" kern="1200"/>
                 <a:t>2</a:t>
               </a:r>
               <a:endParaRPr lang="en-US" sz="4400" kern="1200" dirty="0"/>
@@ -14374,13 +14228,6 @@
   <p:transition>
     <p:fade/>
   </p:transition>
-  <p:timing>
-    <p:tnLst>
-      <p:par>
-        <p:cTn id="1" dur="indefinite" restart="never" nodeType="tmRoot"/>
-      </p:par>
-    </p:tnLst>
-  </p:timing>
 </p:sld>
 </file>
 
@@ -14473,7 +14320,7 @@
               <a:tabLst/>
             </a:pPr>
             <a:r>
-              <a:rPr kumimoji="0" lang="en-US" altLang="en-US" sz="1400" b="0" i="0" u="none" strike="noStrike" cap="none" normalizeH="0" baseline="0" dirty="0" smtClean="0">
+              <a:rPr kumimoji="0" lang="en-US" altLang="en-US" sz="1400" b="0" i="0" u="none" strike="noStrike" cap="none" normalizeH="0" baseline="0" dirty="0">
                 <a:ln>
                   <a:noFill/>
                 </a:ln>
@@ -14487,7 +14334,7 @@
               <a:t>	&lt;</a:t>
             </a:r>
             <a:r>
-              <a:rPr kumimoji="0" lang="en-US" altLang="en-US" sz="1400" b="1" i="0" u="none" strike="noStrike" cap="none" normalizeH="0" baseline="0" dirty="0" err="1" smtClean="0">
+              <a:rPr kumimoji="0" lang="en-US" altLang="en-US" sz="1400" b="1" i="0" u="none" strike="noStrike" cap="none" normalizeH="0" baseline="0" dirty="0" err="1">
                 <a:ln>
                   <a:noFill/>
                 </a:ln>
@@ -14500,22 +14347,8 @@
               </a:rPr>
               <a:t>TextView</a:t>
             </a:r>
-            <a:r>
-              <a:rPr kumimoji="0" lang="en-US" altLang="en-US" sz="1400" b="1" i="0" u="none" strike="noStrike" cap="none" normalizeH="0" baseline="0" dirty="0" smtClean="0">
-                <a:ln>
-                  <a:noFill/>
-                </a:ln>
-                <a:solidFill>
-                  <a:srgbClr val="000080"/>
-                </a:solidFill>
-                <a:effectLst/>
-                <a:latin typeface="Courier New" panose="02070309020205020404" pitchFamily="49" charset="0"/>
-                <a:cs typeface="Courier New" panose="02070309020205020404" pitchFamily="49" charset="0"/>
-              </a:rPr>
-              <a:t/>
-            </a:r>
             <a:br>
-              <a:rPr kumimoji="0" lang="en-US" altLang="en-US" sz="1400" b="1" i="0" u="none" strike="noStrike" cap="none" normalizeH="0" baseline="0" dirty="0" smtClean="0">
+              <a:rPr kumimoji="0" lang="en-US" altLang="en-US" sz="1400" b="1" i="0" u="none" strike="noStrike" cap="none" normalizeH="0" baseline="0" dirty="0">
                 <a:ln>
                   <a:noFill/>
                 </a:ln>
@@ -14528,7 +14361,7 @@
               </a:rPr>
             </a:br>
             <a:r>
-              <a:rPr kumimoji="0" lang="en-US" altLang="en-US" sz="1400" b="1" i="0" u="none" strike="noStrike" cap="none" normalizeH="0" baseline="0" dirty="0" smtClean="0">
+              <a:rPr kumimoji="0" lang="en-US" altLang="en-US" sz="1400" b="1" i="0" u="none" strike="noStrike" cap="none" normalizeH="0" baseline="0" dirty="0">
                 <a:ln>
                   <a:noFill/>
                 </a:ln>
@@ -14542,7 +14375,7 @@
               <a:t>            </a:t>
             </a:r>
             <a:r>
-              <a:rPr kumimoji="0" lang="en-US" altLang="en-US" sz="1400" b="1" i="0" u="none" strike="noStrike" cap="none" normalizeH="0" baseline="0" dirty="0" err="1" smtClean="0">
+              <a:rPr kumimoji="0" lang="en-US" altLang="en-US" sz="1400" b="1" i="0" u="none" strike="noStrike" cap="none" normalizeH="0" baseline="0" dirty="0" err="1">
                 <a:ln>
                   <a:noFill/>
                 </a:ln>
@@ -14556,7 +14389,7 @@
               <a:t>android</a:t>
             </a:r>
             <a:r>
-              <a:rPr kumimoji="0" lang="en-US" altLang="en-US" sz="1400" b="1" i="0" u="none" strike="noStrike" cap="none" normalizeH="0" baseline="0" dirty="0" err="1" smtClean="0">
+              <a:rPr kumimoji="0" lang="en-US" altLang="en-US" sz="1400" b="1" i="0" u="none" strike="noStrike" cap="none" normalizeH="0" baseline="0" dirty="0" err="1">
                 <a:ln>
                   <a:noFill/>
                 </a:ln>
@@ -14570,7 +14403,7 @@
               <a:t>:layout_width</a:t>
             </a:r>
             <a:r>
-              <a:rPr kumimoji="0" lang="en-US" altLang="en-US" sz="1400" b="1" i="0" u="none" strike="noStrike" cap="none" normalizeH="0" baseline="0" dirty="0" smtClean="0">
+              <a:rPr kumimoji="0" lang="en-US" altLang="en-US" sz="1400" b="1" i="0" u="none" strike="noStrike" cap="none" normalizeH="0" baseline="0" dirty="0">
                 <a:ln>
                   <a:noFill/>
                 </a:ln>
@@ -14584,7 +14417,7 @@
               <a:t>=</a:t>
             </a:r>
             <a:r>
-              <a:rPr kumimoji="0" lang="en-US" altLang="en-US" sz="1400" b="1" i="0" u="none" strike="noStrike" cap="none" normalizeH="0" baseline="0" dirty="0" smtClean="0">
+              <a:rPr kumimoji="0" lang="en-US" altLang="en-US" sz="1400" b="1" i="0" u="none" strike="noStrike" cap="none" normalizeH="0" baseline="0" dirty="0">
                 <a:ln>
                   <a:noFill/>
                 </a:ln>
@@ -14598,7 +14431,7 @@
               <a:t>"</a:t>
             </a:r>
             <a:r>
-              <a:rPr kumimoji="0" lang="en-US" altLang="en-US" sz="1400" b="1" i="0" u="none" strike="noStrike" cap="none" normalizeH="0" baseline="0" dirty="0" err="1" smtClean="0">
+              <a:rPr kumimoji="0" lang="en-US" altLang="en-US" sz="1400" b="1" i="0" u="none" strike="noStrike" cap="none" normalizeH="0" baseline="0" dirty="0" err="1">
                 <a:ln>
                   <a:noFill/>
                 </a:ln>
@@ -14612,7 +14445,7 @@
               <a:t>match_parent</a:t>
             </a:r>
             <a:r>
-              <a:rPr kumimoji="0" lang="en-US" altLang="en-US" sz="1400" b="1" i="0" u="none" strike="noStrike" cap="none" normalizeH="0" baseline="0" dirty="0" smtClean="0">
+              <a:rPr kumimoji="0" lang="en-US" altLang="en-US" sz="1400" b="1" i="0" u="none" strike="noStrike" cap="none" normalizeH="0" baseline="0" dirty="0">
                 <a:ln>
                   <a:noFill/>
                 </a:ln>
@@ -14626,7 +14459,7 @@
               <a:t>"</a:t>
             </a:r>
             <a:br>
-              <a:rPr kumimoji="0" lang="en-US" altLang="en-US" sz="1400" b="1" i="0" u="none" strike="noStrike" cap="none" normalizeH="0" baseline="0" dirty="0" smtClean="0">
+              <a:rPr kumimoji="0" lang="en-US" altLang="en-US" sz="1400" b="1" i="0" u="none" strike="noStrike" cap="none" normalizeH="0" baseline="0" dirty="0">
                 <a:ln>
                   <a:noFill/>
                 </a:ln>
@@ -14639,7 +14472,7 @@
               </a:rPr>
             </a:br>
             <a:r>
-              <a:rPr kumimoji="0" lang="en-US" altLang="en-US" sz="1400" b="1" i="0" u="none" strike="noStrike" cap="none" normalizeH="0" baseline="0" dirty="0" smtClean="0">
+              <a:rPr kumimoji="0" lang="en-US" altLang="en-US" sz="1400" b="1" i="0" u="none" strike="noStrike" cap="none" normalizeH="0" baseline="0" dirty="0">
                 <a:ln>
                   <a:noFill/>
                 </a:ln>
@@ -14653,7 +14486,7 @@
               <a:t>            </a:t>
             </a:r>
             <a:r>
-              <a:rPr kumimoji="0" lang="en-US" altLang="en-US" sz="1400" b="1" i="0" u="none" strike="noStrike" cap="none" normalizeH="0" baseline="0" dirty="0" err="1" smtClean="0">
+              <a:rPr kumimoji="0" lang="en-US" altLang="en-US" sz="1400" b="1" i="0" u="none" strike="noStrike" cap="none" normalizeH="0" baseline="0" dirty="0" err="1">
                 <a:ln>
                   <a:noFill/>
                 </a:ln>
@@ -14667,7 +14500,7 @@
               <a:t>android</a:t>
             </a:r>
             <a:r>
-              <a:rPr kumimoji="0" lang="en-US" altLang="en-US" sz="1400" b="1" i="0" u="none" strike="noStrike" cap="none" normalizeH="0" baseline="0" dirty="0" err="1" smtClean="0">
+              <a:rPr kumimoji="0" lang="en-US" altLang="en-US" sz="1400" b="1" i="0" u="none" strike="noStrike" cap="none" normalizeH="0" baseline="0" dirty="0" err="1">
                 <a:ln>
                   <a:noFill/>
                 </a:ln>
@@ -14681,7 +14514,7 @@
               <a:t>:layout_height</a:t>
             </a:r>
             <a:r>
-              <a:rPr kumimoji="0" lang="en-US" altLang="en-US" sz="1400" b="1" i="0" u="none" strike="noStrike" cap="none" normalizeH="0" baseline="0" dirty="0" smtClean="0">
+              <a:rPr kumimoji="0" lang="en-US" altLang="en-US" sz="1400" b="1" i="0" u="none" strike="noStrike" cap="none" normalizeH="0" baseline="0" dirty="0">
                 <a:ln>
                   <a:noFill/>
                 </a:ln>
@@ -14695,7 +14528,7 @@
               <a:t>=</a:t>
             </a:r>
             <a:r>
-              <a:rPr kumimoji="0" lang="en-US" altLang="en-US" sz="1400" b="1" i="0" u="none" strike="noStrike" cap="none" normalizeH="0" baseline="0" dirty="0" smtClean="0">
+              <a:rPr kumimoji="0" lang="en-US" altLang="en-US" sz="1400" b="1" i="0" u="none" strike="noStrike" cap="none" normalizeH="0" baseline="0" dirty="0">
                 <a:ln>
                   <a:noFill/>
                 </a:ln>
@@ -14709,7 +14542,7 @@
               <a:t>"</a:t>
             </a:r>
             <a:r>
-              <a:rPr kumimoji="0" lang="en-US" altLang="en-US" sz="1400" b="1" i="0" u="none" strike="noStrike" cap="none" normalizeH="0" baseline="0" dirty="0" err="1" smtClean="0">
+              <a:rPr kumimoji="0" lang="en-US" altLang="en-US" sz="1400" b="1" i="0" u="none" strike="noStrike" cap="none" normalizeH="0" baseline="0" dirty="0" err="1">
                 <a:ln>
                   <a:noFill/>
                 </a:ln>
@@ -14723,7 +14556,7 @@
               <a:t>wrap_content</a:t>
             </a:r>
             <a:r>
-              <a:rPr kumimoji="0" lang="en-US" altLang="en-US" sz="1400" b="1" i="0" u="none" strike="noStrike" cap="none" normalizeH="0" baseline="0" dirty="0" smtClean="0">
+              <a:rPr kumimoji="0" lang="en-US" altLang="en-US" sz="1400" b="1" i="0" u="none" strike="noStrike" cap="none" normalizeH="0" baseline="0" dirty="0">
                 <a:ln>
                   <a:noFill/>
                 </a:ln>
@@ -14737,7 +14570,7 @@
               <a:t>"</a:t>
             </a:r>
             <a:br>
-              <a:rPr kumimoji="0" lang="en-US" altLang="en-US" sz="1400" b="1" i="0" u="none" strike="noStrike" cap="none" normalizeH="0" baseline="0" dirty="0" smtClean="0">
+              <a:rPr kumimoji="0" lang="en-US" altLang="en-US" sz="1400" b="1" i="0" u="none" strike="noStrike" cap="none" normalizeH="0" baseline="0" dirty="0">
                 <a:ln>
                   <a:noFill/>
                 </a:ln>
@@ -14750,7 +14583,7 @@
               </a:rPr>
             </a:br>
             <a:r>
-              <a:rPr kumimoji="0" lang="en-US" altLang="en-US" sz="1400" b="1" i="0" u="none" strike="noStrike" cap="none" normalizeH="0" baseline="0" dirty="0" smtClean="0">
+              <a:rPr kumimoji="0" lang="en-US" altLang="en-US" sz="1400" b="1" i="0" u="none" strike="noStrike" cap="none" normalizeH="0" baseline="0" dirty="0">
                 <a:ln>
                   <a:noFill/>
                 </a:ln>
@@ -14764,7 +14597,7 @@
               <a:t>            </a:t>
             </a:r>
             <a:r>
-              <a:rPr kumimoji="0" lang="en-US" altLang="en-US" sz="1400" b="1" i="0" u="none" strike="noStrike" cap="none" normalizeH="0" baseline="0" dirty="0" err="1" smtClean="0">
+              <a:rPr kumimoji="0" lang="en-US" altLang="en-US" sz="1400" b="1" i="0" u="none" strike="noStrike" cap="none" normalizeH="0" baseline="0" dirty="0" err="1">
                 <a:ln>
                   <a:noFill/>
                 </a:ln>
@@ -14778,7 +14611,7 @@
               <a:t>android</a:t>
             </a:r>
             <a:r>
-              <a:rPr kumimoji="0" lang="en-US" altLang="en-US" sz="1400" b="1" i="0" u="none" strike="noStrike" cap="none" normalizeH="0" baseline="0" dirty="0" err="1" smtClean="0">
+              <a:rPr kumimoji="0" lang="en-US" altLang="en-US" sz="1400" b="1" i="0" u="none" strike="noStrike" cap="none" normalizeH="0" baseline="0" dirty="0" err="1">
                 <a:ln>
                   <a:noFill/>
                 </a:ln>
@@ -14792,7 +14625,7 @@
               <a:t>:text</a:t>
             </a:r>
             <a:r>
-              <a:rPr kumimoji="0" lang="en-US" altLang="en-US" sz="1400" b="1" i="0" u="none" strike="noStrike" cap="none" normalizeH="0" baseline="0" dirty="0" smtClean="0">
+              <a:rPr kumimoji="0" lang="en-US" altLang="en-US" sz="1400" b="1" i="0" u="none" strike="noStrike" cap="none" normalizeH="0" baseline="0" dirty="0">
                 <a:ln>
                   <a:noFill/>
                 </a:ln>
@@ -14806,7 +14639,7 @@
               <a:t>=</a:t>
             </a:r>
             <a:r>
-              <a:rPr kumimoji="0" lang="en-US" altLang="en-US" sz="1400" b="1" i="0" u="none" strike="noStrike" cap="none" normalizeH="0" baseline="0" dirty="0" smtClean="0">
+              <a:rPr kumimoji="0" lang="en-US" altLang="en-US" sz="1400" b="1" i="0" u="none" strike="noStrike" cap="none" normalizeH="0" baseline="0" dirty="0">
                 <a:ln>
                   <a:noFill/>
                 </a:ln>
@@ -14820,7 +14653,7 @@
               <a:t>"Address" </a:t>
             </a:r>
             <a:r>
-              <a:rPr kumimoji="0" lang="en-US" altLang="en-US" sz="1400" b="0" i="0" u="none" strike="noStrike" cap="none" normalizeH="0" baseline="0" dirty="0" smtClean="0">
+              <a:rPr kumimoji="0" lang="en-US" altLang="en-US" sz="1400" b="0" i="0" u="none" strike="noStrike" cap="none" normalizeH="0" baseline="0" dirty="0">
                 <a:ln>
                   <a:noFill/>
                 </a:ln>
@@ -14834,7 +14667,7 @@
               <a:t>/&gt;</a:t>
             </a:r>
             <a:br>
-              <a:rPr kumimoji="0" lang="en-US" altLang="en-US" sz="1400" b="0" i="0" u="none" strike="noStrike" cap="none" normalizeH="0" baseline="0" dirty="0" smtClean="0">
+              <a:rPr kumimoji="0" lang="en-US" altLang="en-US" sz="1400" b="0" i="0" u="none" strike="noStrike" cap="none" normalizeH="0" baseline="0" dirty="0">
                 <a:ln>
                   <a:noFill/>
                 </a:ln>
@@ -14846,22 +14679,8 @@
                 <a:cs typeface="Courier New" panose="02070309020205020404" pitchFamily="49" charset="0"/>
               </a:rPr>
             </a:br>
-            <a:r>
-              <a:rPr kumimoji="0" lang="en-US" altLang="en-US" sz="1400" b="0" i="0" u="none" strike="noStrike" cap="none" normalizeH="0" baseline="0" dirty="0" smtClean="0">
-                <a:ln>
-                  <a:noFill/>
-                </a:ln>
-                <a:solidFill>
-                  <a:srgbClr val="000000"/>
-                </a:solidFill>
-                <a:effectLst/>
-                <a:latin typeface="Courier New" panose="02070309020205020404" pitchFamily="49" charset="0"/>
-                <a:cs typeface="Courier New" panose="02070309020205020404" pitchFamily="49" charset="0"/>
-              </a:rPr>
-              <a:t/>
-            </a:r>
             <a:br>
-              <a:rPr kumimoji="0" lang="en-US" altLang="en-US" sz="1400" b="0" i="0" u="none" strike="noStrike" cap="none" normalizeH="0" baseline="0" dirty="0" smtClean="0">
+              <a:rPr kumimoji="0" lang="en-US" altLang="en-US" sz="1400" b="0" i="0" u="none" strike="noStrike" cap="none" normalizeH="0" baseline="0" dirty="0">
                 <a:ln>
                   <a:noFill/>
                 </a:ln>
@@ -14874,7 +14693,7 @@
               </a:rPr>
             </a:br>
             <a:r>
-              <a:rPr kumimoji="0" lang="en-US" altLang="en-US" sz="1400" b="0" i="0" u="none" strike="noStrike" cap="none" normalizeH="0" baseline="0" dirty="0" smtClean="0">
+              <a:rPr kumimoji="0" lang="en-US" altLang="en-US" sz="1400" b="0" i="0" u="none" strike="noStrike" cap="none" normalizeH="0" baseline="0" dirty="0">
                 <a:ln>
                   <a:noFill/>
                 </a:ln>
@@ -14888,7 +14707,7 @@
               <a:t>        &lt;</a:t>
             </a:r>
             <a:r>
-              <a:rPr kumimoji="0" lang="en-US" altLang="en-US" sz="1400" b="1" i="0" u="none" strike="noStrike" cap="none" normalizeH="0" baseline="0" dirty="0" err="1" smtClean="0">
+              <a:rPr kumimoji="0" lang="en-US" altLang="en-US" sz="1400" b="1" i="0" u="none" strike="noStrike" cap="none" normalizeH="0" baseline="0" dirty="0" err="1">
                 <a:ln>
                   <a:noFill/>
                 </a:ln>
@@ -14901,22 +14720,8 @@
               </a:rPr>
               <a:t>EditText</a:t>
             </a:r>
-            <a:r>
-              <a:rPr kumimoji="0" lang="en-US" altLang="en-US" sz="1400" b="1" i="0" u="none" strike="noStrike" cap="none" normalizeH="0" baseline="0" dirty="0" smtClean="0">
-                <a:ln>
-                  <a:noFill/>
-                </a:ln>
-                <a:solidFill>
-                  <a:srgbClr val="000080"/>
-                </a:solidFill>
-                <a:effectLst/>
-                <a:latin typeface="Courier New" panose="02070309020205020404" pitchFamily="49" charset="0"/>
-                <a:cs typeface="Courier New" panose="02070309020205020404" pitchFamily="49" charset="0"/>
-              </a:rPr>
-              <a:t/>
-            </a:r>
             <a:br>
-              <a:rPr kumimoji="0" lang="en-US" altLang="en-US" sz="1400" b="1" i="0" u="none" strike="noStrike" cap="none" normalizeH="0" baseline="0" dirty="0" smtClean="0">
+              <a:rPr kumimoji="0" lang="en-US" altLang="en-US" sz="1400" b="1" i="0" u="none" strike="noStrike" cap="none" normalizeH="0" baseline="0" dirty="0">
                 <a:ln>
                   <a:noFill/>
                 </a:ln>
@@ -14929,7 +14734,7 @@
               </a:rPr>
             </a:br>
             <a:r>
-              <a:rPr kumimoji="0" lang="en-US" altLang="en-US" sz="1400" b="1" i="0" u="none" strike="noStrike" cap="none" normalizeH="0" baseline="0" dirty="0" smtClean="0">
+              <a:rPr kumimoji="0" lang="en-US" altLang="en-US" sz="1400" b="1" i="0" u="none" strike="noStrike" cap="none" normalizeH="0" baseline="0" dirty="0">
                 <a:ln>
                   <a:noFill/>
                 </a:ln>
@@ -14943,7 +14748,7 @@
               <a:t>            </a:t>
             </a:r>
             <a:r>
-              <a:rPr kumimoji="0" lang="en-US" altLang="en-US" sz="1400" b="1" i="0" u="none" strike="noStrike" cap="none" normalizeH="0" baseline="0" dirty="0" err="1" smtClean="0">
+              <a:rPr kumimoji="0" lang="en-US" altLang="en-US" sz="1400" b="1" i="0" u="none" strike="noStrike" cap="none" normalizeH="0" baseline="0" dirty="0" err="1">
                 <a:ln>
                   <a:noFill/>
                 </a:ln>
@@ -14957,7 +14762,7 @@
               <a:t>android</a:t>
             </a:r>
             <a:r>
-              <a:rPr kumimoji="0" lang="en-US" altLang="en-US" sz="1400" b="1" i="0" u="none" strike="noStrike" cap="none" normalizeH="0" baseline="0" dirty="0" err="1" smtClean="0">
+              <a:rPr kumimoji="0" lang="en-US" altLang="en-US" sz="1400" b="1" i="0" u="none" strike="noStrike" cap="none" normalizeH="0" baseline="0" dirty="0" err="1">
                 <a:ln>
                   <a:noFill/>
                 </a:ln>
@@ -14971,7 +14776,7 @@
               <a:t>:id</a:t>
             </a:r>
             <a:r>
-              <a:rPr kumimoji="0" lang="en-US" altLang="en-US" sz="1400" b="1" i="0" u="none" strike="noStrike" cap="none" normalizeH="0" baseline="0" dirty="0" smtClean="0">
+              <a:rPr kumimoji="0" lang="en-US" altLang="en-US" sz="1400" b="1" i="0" u="none" strike="noStrike" cap="none" normalizeH="0" baseline="0" dirty="0">
                 <a:ln>
                   <a:noFill/>
                 </a:ln>
@@ -14985,7 +14790,7 @@
               <a:t>=</a:t>
             </a:r>
             <a:r>
-              <a:rPr kumimoji="0" lang="en-US" altLang="en-US" sz="1400" b="1" i="0" u="none" strike="noStrike" cap="none" normalizeH="0" baseline="0" dirty="0" smtClean="0">
+              <a:rPr kumimoji="0" lang="en-US" altLang="en-US" sz="1400" b="1" i="0" u="none" strike="noStrike" cap="none" normalizeH="0" baseline="0" dirty="0">
                 <a:ln>
                   <a:noFill/>
                 </a:ln>
@@ -14999,7 +14804,7 @@
               <a:t>"@+id/</a:t>
             </a:r>
             <a:r>
-              <a:rPr kumimoji="0" lang="en-US" altLang="en-US" sz="1400" b="1" i="0" u="none" strike="noStrike" cap="none" normalizeH="0" baseline="0" dirty="0" err="1" smtClean="0">
+              <a:rPr kumimoji="0" lang="en-US" altLang="en-US" sz="1400" b="1" i="0" u="none" strike="noStrike" cap="none" normalizeH="0" baseline="0" dirty="0" err="1">
                 <a:ln>
                   <a:noFill/>
                 </a:ln>
@@ -15013,7 +14818,7 @@
               <a:t>restaurant_address</a:t>
             </a:r>
             <a:r>
-              <a:rPr kumimoji="0" lang="en-US" altLang="en-US" sz="1400" b="1" i="0" u="none" strike="noStrike" cap="none" normalizeH="0" baseline="0" dirty="0" smtClean="0">
+              <a:rPr kumimoji="0" lang="en-US" altLang="en-US" sz="1400" b="1" i="0" u="none" strike="noStrike" cap="none" normalizeH="0" baseline="0" dirty="0">
                 <a:ln>
                   <a:noFill/>
                 </a:ln>
@@ -15027,7 +14832,7 @@
               <a:t>"</a:t>
             </a:r>
             <a:br>
-              <a:rPr kumimoji="0" lang="en-US" altLang="en-US" sz="1400" b="1" i="0" u="none" strike="noStrike" cap="none" normalizeH="0" baseline="0" dirty="0" smtClean="0">
+              <a:rPr kumimoji="0" lang="en-US" altLang="en-US" sz="1400" b="1" i="0" u="none" strike="noStrike" cap="none" normalizeH="0" baseline="0" dirty="0">
                 <a:ln>
                   <a:noFill/>
                 </a:ln>
@@ -15040,7 +14845,7 @@
               </a:rPr>
             </a:br>
             <a:r>
-              <a:rPr kumimoji="0" lang="en-US" altLang="en-US" sz="1400" b="1" i="0" u="none" strike="noStrike" cap="none" normalizeH="0" baseline="0" dirty="0" smtClean="0">
+              <a:rPr kumimoji="0" lang="en-US" altLang="en-US" sz="1400" b="1" i="0" u="none" strike="noStrike" cap="none" normalizeH="0" baseline="0" dirty="0">
                 <a:ln>
                   <a:noFill/>
                 </a:ln>
@@ -15054,7 +14859,7 @@
               <a:t>            </a:t>
             </a:r>
             <a:r>
-              <a:rPr kumimoji="0" lang="en-US" altLang="en-US" sz="1400" b="1" i="0" u="none" strike="noStrike" cap="none" normalizeH="0" baseline="0" dirty="0" err="1" smtClean="0">
+              <a:rPr kumimoji="0" lang="en-US" altLang="en-US" sz="1400" b="1" i="0" u="none" strike="noStrike" cap="none" normalizeH="0" baseline="0" dirty="0" err="1">
                 <a:ln>
                   <a:noFill/>
                 </a:ln>
@@ -15068,7 +14873,7 @@
               <a:t>android</a:t>
             </a:r>
             <a:r>
-              <a:rPr kumimoji="0" lang="en-US" altLang="en-US" sz="1400" b="1" i="0" u="none" strike="noStrike" cap="none" normalizeH="0" baseline="0" dirty="0" err="1" smtClean="0">
+              <a:rPr kumimoji="0" lang="en-US" altLang="en-US" sz="1400" b="1" i="0" u="none" strike="noStrike" cap="none" normalizeH="0" baseline="0" dirty="0" err="1">
                 <a:ln>
                   <a:noFill/>
                 </a:ln>
@@ -15082,7 +14887,7 @@
               <a:t>:layout_width</a:t>
             </a:r>
             <a:r>
-              <a:rPr kumimoji="0" lang="en-US" altLang="en-US" sz="1400" b="1" i="0" u="none" strike="noStrike" cap="none" normalizeH="0" baseline="0" dirty="0" smtClean="0">
+              <a:rPr kumimoji="0" lang="en-US" altLang="en-US" sz="1400" b="1" i="0" u="none" strike="noStrike" cap="none" normalizeH="0" baseline="0" dirty="0">
                 <a:ln>
                   <a:noFill/>
                 </a:ln>
@@ -15096,7 +14901,7 @@
               <a:t>=</a:t>
             </a:r>
             <a:r>
-              <a:rPr kumimoji="0" lang="en-US" altLang="en-US" sz="1400" b="1" i="0" u="none" strike="noStrike" cap="none" normalizeH="0" baseline="0" dirty="0" smtClean="0">
+              <a:rPr kumimoji="0" lang="en-US" altLang="en-US" sz="1400" b="1" i="0" u="none" strike="noStrike" cap="none" normalizeH="0" baseline="0" dirty="0">
                 <a:ln>
                   <a:noFill/>
                 </a:ln>
@@ -15110,7 +14915,7 @@
               <a:t>"</a:t>
             </a:r>
             <a:r>
-              <a:rPr kumimoji="0" lang="en-US" altLang="en-US" sz="1400" b="1" i="0" u="none" strike="noStrike" cap="none" normalizeH="0" baseline="0" dirty="0" err="1" smtClean="0">
+              <a:rPr kumimoji="0" lang="en-US" altLang="en-US" sz="1400" b="1" i="0" u="none" strike="noStrike" cap="none" normalizeH="0" baseline="0" dirty="0" err="1">
                 <a:ln>
                   <a:noFill/>
                 </a:ln>
@@ -15124,7 +14929,7 @@
               <a:t>match_parent</a:t>
             </a:r>
             <a:r>
-              <a:rPr kumimoji="0" lang="en-US" altLang="en-US" sz="1400" b="1" i="0" u="none" strike="noStrike" cap="none" normalizeH="0" baseline="0" dirty="0" smtClean="0">
+              <a:rPr kumimoji="0" lang="en-US" altLang="en-US" sz="1400" b="1" i="0" u="none" strike="noStrike" cap="none" normalizeH="0" baseline="0" dirty="0">
                 <a:ln>
                   <a:noFill/>
                 </a:ln>
@@ -15138,7 +14943,7 @@
               <a:t>"</a:t>
             </a:r>
             <a:br>
-              <a:rPr kumimoji="0" lang="en-US" altLang="en-US" sz="1400" b="1" i="0" u="none" strike="noStrike" cap="none" normalizeH="0" baseline="0" dirty="0" smtClean="0">
+              <a:rPr kumimoji="0" lang="en-US" altLang="en-US" sz="1400" b="1" i="0" u="none" strike="noStrike" cap="none" normalizeH="0" baseline="0" dirty="0">
                 <a:ln>
                   <a:noFill/>
                 </a:ln>
@@ -15151,7 +14956,7 @@
               </a:rPr>
             </a:br>
             <a:r>
-              <a:rPr kumimoji="0" lang="en-US" altLang="en-US" sz="1400" b="1" i="0" u="none" strike="noStrike" cap="none" normalizeH="0" baseline="0" dirty="0" smtClean="0">
+              <a:rPr kumimoji="0" lang="en-US" altLang="en-US" sz="1400" b="1" i="0" u="none" strike="noStrike" cap="none" normalizeH="0" baseline="0" dirty="0">
                 <a:ln>
                   <a:noFill/>
                 </a:ln>
@@ -15165,7 +14970,7 @@
               <a:t>            </a:t>
             </a:r>
             <a:r>
-              <a:rPr kumimoji="0" lang="en-US" altLang="en-US" sz="1400" b="1" i="0" u="none" strike="noStrike" cap="none" normalizeH="0" baseline="0" dirty="0" err="1" smtClean="0">
+              <a:rPr kumimoji="0" lang="en-US" altLang="en-US" sz="1400" b="1" i="0" u="none" strike="noStrike" cap="none" normalizeH="0" baseline="0" dirty="0" err="1">
                 <a:ln>
                   <a:noFill/>
                 </a:ln>
@@ -15179,7 +14984,7 @@
               <a:t>android</a:t>
             </a:r>
             <a:r>
-              <a:rPr kumimoji="0" lang="en-US" altLang="en-US" sz="1400" b="1" i="0" u="none" strike="noStrike" cap="none" normalizeH="0" baseline="0" dirty="0" err="1" smtClean="0">
+              <a:rPr kumimoji="0" lang="en-US" altLang="en-US" sz="1400" b="1" i="0" u="none" strike="noStrike" cap="none" normalizeH="0" baseline="0" dirty="0" err="1">
                 <a:ln>
                   <a:noFill/>
                 </a:ln>
@@ -15193,7 +14998,7 @@
               <a:t>:layout_height</a:t>
             </a:r>
             <a:r>
-              <a:rPr kumimoji="0" lang="en-US" altLang="en-US" sz="1400" b="1" i="0" u="none" strike="noStrike" cap="none" normalizeH="0" baseline="0" dirty="0" smtClean="0">
+              <a:rPr kumimoji="0" lang="en-US" altLang="en-US" sz="1400" b="1" i="0" u="none" strike="noStrike" cap="none" normalizeH="0" baseline="0" dirty="0">
                 <a:ln>
                   <a:noFill/>
                 </a:ln>
@@ -15207,7 +15012,7 @@
               <a:t>=</a:t>
             </a:r>
             <a:r>
-              <a:rPr kumimoji="0" lang="en-US" altLang="en-US" sz="1400" b="1" i="0" u="none" strike="noStrike" cap="none" normalizeH="0" baseline="0" dirty="0" smtClean="0">
+              <a:rPr kumimoji="0" lang="en-US" altLang="en-US" sz="1400" b="1" i="0" u="none" strike="noStrike" cap="none" normalizeH="0" baseline="0" dirty="0">
                 <a:ln>
                   <a:noFill/>
                 </a:ln>
@@ -15221,7 +15026,7 @@
               <a:t>"</a:t>
             </a:r>
             <a:r>
-              <a:rPr kumimoji="0" lang="en-US" altLang="en-US" sz="1400" b="1" i="0" u="none" strike="noStrike" cap="none" normalizeH="0" baseline="0" dirty="0" err="1" smtClean="0">
+              <a:rPr kumimoji="0" lang="en-US" altLang="en-US" sz="1400" b="1" i="0" u="none" strike="noStrike" cap="none" normalizeH="0" baseline="0" dirty="0" err="1">
                 <a:ln>
                   <a:noFill/>
                 </a:ln>
@@ -15235,7 +15040,7 @@
               <a:t>wrap_content</a:t>
             </a:r>
             <a:r>
-              <a:rPr kumimoji="0" lang="en-US" altLang="en-US" sz="1400" b="1" i="0" u="none" strike="noStrike" cap="none" normalizeH="0" baseline="0" dirty="0" smtClean="0">
+              <a:rPr kumimoji="0" lang="en-US" altLang="en-US" sz="1400" b="1" i="0" u="none" strike="noStrike" cap="none" normalizeH="0" baseline="0" dirty="0">
                 <a:ln>
                   <a:noFill/>
                 </a:ln>
@@ -15249,7 +15054,7 @@
               <a:t>"</a:t>
             </a:r>
             <a:br>
-              <a:rPr kumimoji="0" lang="en-US" altLang="en-US" sz="1400" b="1" i="0" u="none" strike="noStrike" cap="none" normalizeH="0" baseline="0" dirty="0" smtClean="0">
+              <a:rPr kumimoji="0" lang="en-US" altLang="en-US" sz="1400" b="1" i="0" u="none" strike="noStrike" cap="none" normalizeH="0" baseline="0" dirty="0">
                 <a:ln>
                   <a:noFill/>
                 </a:ln>
@@ -15262,7 +15067,7 @@
               </a:rPr>
             </a:br>
             <a:r>
-              <a:rPr kumimoji="0" lang="en-US" altLang="en-US" sz="1400" b="1" i="0" u="none" strike="noStrike" cap="none" normalizeH="0" baseline="0" dirty="0" smtClean="0">
+              <a:rPr kumimoji="0" lang="en-US" altLang="en-US" sz="1400" b="1" i="0" u="none" strike="noStrike" cap="none" normalizeH="0" baseline="0" dirty="0">
                 <a:ln>
                   <a:noFill/>
                 </a:ln>
@@ -15276,7 +15081,7 @@
               <a:t>            </a:t>
             </a:r>
             <a:r>
-              <a:rPr kumimoji="0" lang="en-US" altLang="en-US" sz="1400" b="1" i="0" u="none" strike="noStrike" cap="none" normalizeH="0" baseline="0" dirty="0" err="1" smtClean="0">
+              <a:rPr kumimoji="0" lang="en-US" altLang="en-US" sz="1400" b="1" i="0" u="none" strike="noStrike" cap="none" normalizeH="0" baseline="0" dirty="0" err="1">
                 <a:ln>
                   <a:noFill/>
                 </a:ln>
@@ -15290,7 +15095,7 @@
               <a:t>android</a:t>
             </a:r>
             <a:r>
-              <a:rPr kumimoji="0" lang="en-US" altLang="en-US" sz="1400" b="1" i="0" u="none" strike="noStrike" cap="none" normalizeH="0" baseline="0" dirty="0" err="1" smtClean="0">
+              <a:rPr kumimoji="0" lang="en-US" altLang="en-US" sz="1400" b="1" i="0" u="none" strike="noStrike" cap="none" normalizeH="0" baseline="0" dirty="0" err="1">
                 <a:ln>
                   <a:noFill/>
                 </a:ln>
@@ -15304,7 +15109,7 @@
               <a:t>:ems</a:t>
             </a:r>
             <a:r>
-              <a:rPr kumimoji="0" lang="en-US" altLang="en-US" sz="1400" b="1" i="0" u="none" strike="noStrike" cap="none" normalizeH="0" baseline="0" dirty="0" smtClean="0">
+              <a:rPr kumimoji="0" lang="en-US" altLang="en-US" sz="1400" b="1" i="0" u="none" strike="noStrike" cap="none" normalizeH="0" baseline="0" dirty="0">
                 <a:ln>
                   <a:noFill/>
                 </a:ln>
@@ -15318,7 +15123,7 @@
               <a:t>=</a:t>
             </a:r>
             <a:r>
-              <a:rPr kumimoji="0" lang="en-US" altLang="en-US" sz="1400" b="1" i="0" u="none" strike="noStrike" cap="none" normalizeH="0" baseline="0" dirty="0" smtClean="0">
+              <a:rPr kumimoji="0" lang="en-US" altLang="en-US" sz="1400" b="1" i="0" u="none" strike="noStrike" cap="none" normalizeH="0" baseline="0" dirty="0">
                 <a:ln>
                   <a:noFill/>
                 </a:ln>
@@ -15332,7 +15137,7 @@
               <a:t>"10"</a:t>
             </a:r>
             <a:br>
-              <a:rPr kumimoji="0" lang="en-US" altLang="en-US" sz="1400" b="1" i="0" u="none" strike="noStrike" cap="none" normalizeH="0" baseline="0" dirty="0" smtClean="0">
+              <a:rPr kumimoji="0" lang="en-US" altLang="en-US" sz="1400" b="1" i="0" u="none" strike="noStrike" cap="none" normalizeH="0" baseline="0" dirty="0">
                 <a:ln>
                   <a:noFill/>
                 </a:ln>
@@ -15345,7 +15150,7 @@
               </a:rPr>
             </a:br>
             <a:r>
-              <a:rPr kumimoji="0" lang="en-US" altLang="en-US" sz="1400" b="1" i="0" u="none" strike="noStrike" cap="none" normalizeH="0" baseline="0" dirty="0" smtClean="0">
+              <a:rPr kumimoji="0" lang="en-US" altLang="en-US" sz="1400" b="1" i="0" u="none" strike="noStrike" cap="none" normalizeH="0" baseline="0" dirty="0">
                 <a:ln>
                   <a:noFill/>
                 </a:ln>
@@ -15359,7 +15164,7 @@
               <a:t>            </a:t>
             </a:r>
             <a:r>
-              <a:rPr kumimoji="0" lang="en-US" altLang="en-US" sz="1400" b="1" i="0" u="none" strike="noStrike" cap="none" normalizeH="0" baseline="0" dirty="0" err="1" smtClean="0">
+              <a:rPr kumimoji="0" lang="en-US" altLang="en-US" sz="1400" b="1" i="0" u="none" strike="noStrike" cap="none" normalizeH="0" baseline="0" dirty="0" err="1">
                 <a:ln>
                   <a:noFill/>
                 </a:ln>
@@ -15373,7 +15178,7 @@
               <a:t>android</a:t>
             </a:r>
             <a:r>
-              <a:rPr kumimoji="0" lang="en-US" altLang="en-US" sz="1400" b="1" i="0" u="none" strike="noStrike" cap="none" normalizeH="0" baseline="0" dirty="0" err="1" smtClean="0">
+              <a:rPr kumimoji="0" lang="en-US" altLang="en-US" sz="1400" b="1" i="0" u="none" strike="noStrike" cap="none" normalizeH="0" baseline="0" dirty="0" err="1">
                 <a:ln>
                   <a:noFill/>
                 </a:ln>
@@ -15387,7 +15192,7 @@
               <a:t>:inputType</a:t>
             </a:r>
             <a:r>
-              <a:rPr kumimoji="0" lang="en-US" altLang="en-US" sz="1400" b="1" i="0" u="none" strike="noStrike" cap="none" normalizeH="0" baseline="0" dirty="0" smtClean="0">
+              <a:rPr kumimoji="0" lang="en-US" altLang="en-US" sz="1400" b="1" i="0" u="none" strike="noStrike" cap="none" normalizeH="0" baseline="0" dirty="0">
                 <a:ln>
                   <a:noFill/>
                 </a:ln>
@@ -15401,7 +15206,7 @@
               <a:t>=</a:t>
             </a:r>
             <a:r>
-              <a:rPr kumimoji="0" lang="en-US" altLang="en-US" sz="1400" b="1" i="0" u="none" strike="noStrike" cap="none" normalizeH="0" baseline="0" dirty="0" smtClean="0">
+              <a:rPr kumimoji="0" lang="en-US" altLang="en-US" sz="1400" b="1" i="0" u="none" strike="noStrike" cap="none" normalizeH="0" baseline="0" dirty="0">
                 <a:ln>
                   <a:noFill/>
                 </a:ln>
@@ -15415,7 +15220,7 @@
               <a:t>"</a:t>
             </a:r>
             <a:r>
-              <a:rPr kumimoji="0" lang="en-US" altLang="en-US" sz="1400" b="1" i="0" u="none" strike="noStrike" cap="none" normalizeH="0" baseline="0" dirty="0" err="1" smtClean="0">
+              <a:rPr kumimoji="0" lang="en-US" altLang="en-US" sz="1400" b="1" i="0" u="none" strike="noStrike" cap="none" normalizeH="0" baseline="0" dirty="0" err="1">
                 <a:ln>
                   <a:noFill/>
                 </a:ln>
@@ -15429,7 +15234,7 @@
               <a:t>textPersonName</a:t>
             </a:r>
             <a:r>
-              <a:rPr kumimoji="0" lang="en-US" altLang="en-US" sz="1400" b="1" i="0" u="none" strike="noStrike" cap="none" normalizeH="0" baseline="0" dirty="0" smtClean="0">
+              <a:rPr kumimoji="0" lang="en-US" altLang="en-US" sz="1400" b="1" i="0" u="none" strike="noStrike" cap="none" normalizeH="0" baseline="0" dirty="0">
                 <a:ln>
                   <a:noFill/>
                 </a:ln>
@@ -15443,7 +15248,7 @@
               <a:t>" </a:t>
             </a:r>
             <a:r>
-              <a:rPr kumimoji="0" lang="en-US" altLang="en-US" sz="1400" b="0" i="0" u="none" strike="noStrike" cap="none" normalizeH="0" baseline="0" dirty="0" smtClean="0">
+              <a:rPr kumimoji="0" lang="en-US" altLang="en-US" sz="1400" b="0" i="0" u="none" strike="noStrike" cap="none" normalizeH="0" baseline="0" dirty="0">
                 <a:ln>
                   <a:noFill/>
                 </a:ln>
@@ -15457,7 +15262,7 @@
               <a:t>/&gt;</a:t>
             </a:r>
             <a:br>
-              <a:rPr kumimoji="0" lang="en-US" altLang="en-US" sz="1400" b="0" i="0" u="none" strike="noStrike" cap="none" normalizeH="0" baseline="0" dirty="0" smtClean="0">
+              <a:rPr kumimoji="0" lang="en-US" altLang="en-US" sz="1400" b="0" i="0" u="none" strike="noStrike" cap="none" normalizeH="0" baseline="0" dirty="0">
                 <a:ln>
                   <a:noFill/>
                 </a:ln>
@@ -15469,22 +15274,8 @@
                 <a:cs typeface="Courier New" panose="02070309020205020404" pitchFamily="49" charset="0"/>
               </a:rPr>
             </a:br>
-            <a:r>
-              <a:rPr kumimoji="0" lang="en-US" altLang="en-US" sz="1400" b="0" i="0" u="none" strike="noStrike" cap="none" normalizeH="0" baseline="0" dirty="0" smtClean="0">
-                <a:ln>
-                  <a:noFill/>
-                </a:ln>
-                <a:solidFill>
-                  <a:srgbClr val="000000"/>
-                </a:solidFill>
-                <a:effectLst/>
-                <a:latin typeface="Courier New" panose="02070309020205020404" pitchFamily="49" charset="0"/>
-                <a:cs typeface="Courier New" panose="02070309020205020404" pitchFamily="49" charset="0"/>
-              </a:rPr>
-              <a:t/>
-            </a:r>
             <a:br>
-              <a:rPr kumimoji="0" lang="en-US" altLang="en-US" sz="1400" b="0" i="0" u="none" strike="noStrike" cap="none" normalizeH="0" baseline="0" dirty="0" smtClean="0">
+              <a:rPr kumimoji="0" lang="en-US" altLang="en-US" sz="1400" b="0" i="0" u="none" strike="noStrike" cap="none" normalizeH="0" baseline="0" dirty="0">
                 <a:ln>
                   <a:noFill/>
                 </a:ln>
@@ -15497,7 +15288,7 @@
               </a:rPr>
             </a:br>
             <a:r>
-              <a:rPr kumimoji="0" lang="en-US" altLang="en-US" sz="1400" b="0" i="0" u="none" strike="noStrike" cap="none" normalizeH="0" baseline="0" dirty="0" smtClean="0">
+              <a:rPr kumimoji="0" lang="en-US" altLang="en-US" sz="1400" b="0" i="0" u="none" strike="noStrike" cap="none" normalizeH="0" baseline="0" dirty="0">
                 <a:ln>
                   <a:noFill/>
                 </a:ln>
@@ -15511,7 +15302,7 @@
               <a:t>        &lt;</a:t>
             </a:r>
             <a:r>
-              <a:rPr kumimoji="0" lang="en-US" altLang="en-US" sz="1400" b="1" i="0" u="none" strike="noStrike" cap="none" normalizeH="0" baseline="0" dirty="0" smtClean="0">
+              <a:rPr kumimoji="0" lang="en-US" altLang="en-US" sz="1400" b="1" i="0" u="none" strike="noStrike" cap="none" normalizeH="0" baseline="0" dirty="0">
                 <a:ln>
                   <a:noFill/>
                 </a:ln>
@@ -15525,7 +15316,7 @@
               <a:t>Button</a:t>
             </a:r>
             <a:br>
-              <a:rPr kumimoji="0" lang="en-US" altLang="en-US" sz="1400" b="1" i="0" u="none" strike="noStrike" cap="none" normalizeH="0" baseline="0" dirty="0" smtClean="0">
+              <a:rPr kumimoji="0" lang="en-US" altLang="en-US" sz="1400" b="1" i="0" u="none" strike="noStrike" cap="none" normalizeH="0" baseline="0" dirty="0">
                 <a:ln>
                   <a:noFill/>
                 </a:ln>
@@ -15538,7 +15329,7 @@
               </a:rPr>
             </a:br>
             <a:r>
-              <a:rPr kumimoji="0" lang="en-US" altLang="en-US" sz="1400" b="1" i="0" u="none" strike="noStrike" cap="none" normalizeH="0" baseline="0" dirty="0" smtClean="0">
+              <a:rPr kumimoji="0" lang="en-US" altLang="en-US" sz="1400" b="1" i="0" u="none" strike="noStrike" cap="none" normalizeH="0" baseline="0" dirty="0">
                 <a:ln>
                   <a:noFill/>
                 </a:ln>
@@ -15552,7 +15343,7 @@
               <a:t>            </a:t>
             </a:r>
             <a:r>
-              <a:rPr kumimoji="0" lang="en-US" altLang="en-US" sz="1400" b="1" i="0" u="none" strike="noStrike" cap="none" normalizeH="0" baseline="0" dirty="0" err="1" smtClean="0">
+              <a:rPr kumimoji="0" lang="en-US" altLang="en-US" sz="1400" b="1" i="0" u="none" strike="noStrike" cap="none" normalizeH="0" baseline="0" dirty="0" err="1">
                 <a:ln>
                   <a:noFill/>
                 </a:ln>
@@ -15566,7 +15357,7 @@
               <a:t>android</a:t>
             </a:r>
             <a:r>
-              <a:rPr kumimoji="0" lang="en-US" altLang="en-US" sz="1400" b="1" i="0" u="none" strike="noStrike" cap="none" normalizeH="0" baseline="0" dirty="0" err="1" smtClean="0">
+              <a:rPr kumimoji="0" lang="en-US" altLang="en-US" sz="1400" b="1" i="0" u="none" strike="noStrike" cap="none" normalizeH="0" baseline="0" dirty="0" err="1">
                 <a:ln>
                   <a:noFill/>
                 </a:ln>
@@ -15580,7 +15371,7 @@
               <a:t>:id</a:t>
             </a:r>
             <a:r>
-              <a:rPr kumimoji="0" lang="en-US" altLang="en-US" sz="1400" b="1" i="0" u="none" strike="noStrike" cap="none" normalizeH="0" baseline="0" dirty="0" smtClean="0">
+              <a:rPr kumimoji="0" lang="en-US" altLang="en-US" sz="1400" b="1" i="0" u="none" strike="noStrike" cap="none" normalizeH="0" baseline="0" dirty="0">
                 <a:ln>
                   <a:noFill/>
                 </a:ln>
@@ -15594,7 +15385,7 @@
               <a:t>=</a:t>
             </a:r>
             <a:r>
-              <a:rPr kumimoji="0" lang="en-US" altLang="en-US" sz="1400" b="1" i="0" u="none" strike="noStrike" cap="none" normalizeH="0" baseline="0" dirty="0" smtClean="0">
+              <a:rPr kumimoji="0" lang="en-US" altLang="en-US" sz="1400" b="1" i="0" u="none" strike="noStrike" cap="none" normalizeH="0" baseline="0" dirty="0">
                 <a:ln>
                   <a:noFill/>
                 </a:ln>
@@ -15608,7 +15399,7 @@
               <a:t>"@+id/</a:t>
             </a:r>
             <a:r>
-              <a:rPr kumimoji="0" lang="en-US" altLang="en-US" sz="1400" b="1" i="0" u="none" strike="noStrike" cap="none" normalizeH="0" baseline="0" dirty="0" err="1" smtClean="0">
+              <a:rPr kumimoji="0" lang="en-US" altLang="en-US" sz="1400" b="1" i="0" u="none" strike="noStrike" cap="none" normalizeH="0" baseline="0" dirty="0" err="1">
                 <a:ln>
                   <a:noFill/>
                 </a:ln>
@@ -15622,7 +15413,7 @@
               <a:t>button_save</a:t>
             </a:r>
             <a:r>
-              <a:rPr kumimoji="0" lang="en-US" altLang="en-US" sz="1400" b="1" i="0" u="none" strike="noStrike" cap="none" normalizeH="0" baseline="0" dirty="0" smtClean="0">
+              <a:rPr kumimoji="0" lang="en-US" altLang="en-US" sz="1400" b="1" i="0" u="none" strike="noStrike" cap="none" normalizeH="0" baseline="0" dirty="0">
                 <a:ln>
                   <a:noFill/>
                 </a:ln>
@@ -15636,7 +15427,7 @@
               <a:t>"</a:t>
             </a:r>
             <a:br>
-              <a:rPr kumimoji="0" lang="en-US" altLang="en-US" sz="1400" b="1" i="0" u="none" strike="noStrike" cap="none" normalizeH="0" baseline="0" dirty="0" smtClean="0">
+              <a:rPr kumimoji="0" lang="en-US" altLang="en-US" sz="1400" b="1" i="0" u="none" strike="noStrike" cap="none" normalizeH="0" baseline="0" dirty="0">
                 <a:ln>
                   <a:noFill/>
                 </a:ln>
@@ -15649,7 +15440,7 @@
               </a:rPr>
             </a:br>
             <a:r>
-              <a:rPr kumimoji="0" lang="en-US" altLang="en-US" sz="1400" b="1" i="0" u="none" strike="noStrike" cap="none" normalizeH="0" baseline="0" dirty="0" smtClean="0">
+              <a:rPr kumimoji="0" lang="en-US" altLang="en-US" sz="1400" b="1" i="0" u="none" strike="noStrike" cap="none" normalizeH="0" baseline="0" dirty="0">
                 <a:ln>
                   <a:noFill/>
                 </a:ln>
@@ -15663,7 +15454,7 @@
               <a:t>            </a:t>
             </a:r>
             <a:r>
-              <a:rPr kumimoji="0" lang="en-US" altLang="en-US" sz="1400" b="1" i="0" u="none" strike="noStrike" cap="none" normalizeH="0" baseline="0" dirty="0" err="1" smtClean="0">
+              <a:rPr kumimoji="0" lang="en-US" altLang="en-US" sz="1400" b="1" i="0" u="none" strike="noStrike" cap="none" normalizeH="0" baseline="0" dirty="0" err="1">
                 <a:ln>
                   <a:noFill/>
                 </a:ln>
@@ -15677,7 +15468,7 @@
               <a:t>android</a:t>
             </a:r>
             <a:r>
-              <a:rPr kumimoji="0" lang="en-US" altLang="en-US" sz="1400" b="1" i="0" u="none" strike="noStrike" cap="none" normalizeH="0" baseline="0" dirty="0" err="1" smtClean="0">
+              <a:rPr kumimoji="0" lang="en-US" altLang="en-US" sz="1400" b="1" i="0" u="none" strike="noStrike" cap="none" normalizeH="0" baseline="0" dirty="0" err="1">
                 <a:ln>
                   <a:noFill/>
                 </a:ln>
@@ -15691,7 +15482,7 @@
               <a:t>:layout_width</a:t>
             </a:r>
             <a:r>
-              <a:rPr kumimoji="0" lang="en-US" altLang="en-US" sz="1400" b="1" i="0" u="none" strike="noStrike" cap="none" normalizeH="0" baseline="0" dirty="0" smtClean="0">
+              <a:rPr kumimoji="0" lang="en-US" altLang="en-US" sz="1400" b="1" i="0" u="none" strike="noStrike" cap="none" normalizeH="0" baseline="0" dirty="0">
                 <a:ln>
                   <a:noFill/>
                 </a:ln>
@@ -15705,7 +15496,7 @@
               <a:t>=</a:t>
             </a:r>
             <a:r>
-              <a:rPr kumimoji="0" lang="en-US" altLang="en-US" sz="1400" b="1" i="0" u="none" strike="noStrike" cap="none" normalizeH="0" baseline="0" dirty="0" smtClean="0">
+              <a:rPr kumimoji="0" lang="en-US" altLang="en-US" sz="1400" b="1" i="0" u="none" strike="noStrike" cap="none" normalizeH="0" baseline="0" dirty="0">
                 <a:ln>
                   <a:noFill/>
                 </a:ln>
@@ -15719,7 +15510,7 @@
               <a:t>"</a:t>
             </a:r>
             <a:r>
-              <a:rPr kumimoji="0" lang="en-US" altLang="en-US" sz="1400" b="1" i="0" u="none" strike="noStrike" cap="none" normalizeH="0" baseline="0" dirty="0" err="1" smtClean="0">
+              <a:rPr kumimoji="0" lang="en-US" altLang="en-US" sz="1400" b="1" i="0" u="none" strike="noStrike" cap="none" normalizeH="0" baseline="0" dirty="0" err="1">
                 <a:ln>
                   <a:noFill/>
                 </a:ln>
@@ -15733,7 +15524,7 @@
               <a:t>match_parent</a:t>
             </a:r>
             <a:r>
-              <a:rPr kumimoji="0" lang="en-US" altLang="en-US" sz="1400" b="1" i="0" u="none" strike="noStrike" cap="none" normalizeH="0" baseline="0" dirty="0" smtClean="0">
+              <a:rPr kumimoji="0" lang="en-US" altLang="en-US" sz="1400" b="1" i="0" u="none" strike="noStrike" cap="none" normalizeH="0" baseline="0" dirty="0">
                 <a:ln>
                   <a:noFill/>
                 </a:ln>
@@ -15747,7 +15538,7 @@
               <a:t>"</a:t>
             </a:r>
             <a:br>
-              <a:rPr kumimoji="0" lang="en-US" altLang="en-US" sz="1400" b="1" i="0" u="none" strike="noStrike" cap="none" normalizeH="0" baseline="0" dirty="0" smtClean="0">
+              <a:rPr kumimoji="0" lang="en-US" altLang="en-US" sz="1400" b="1" i="0" u="none" strike="noStrike" cap="none" normalizeH="0" baseline="0" dirty="0">
                 <a:ln>
                   <a:noFill/>
                 </a:ln>
@@ -15760,7 +15551,7 @@
               </a:rPr>
             </a:br>
             <a:r>
-              <a:rPr kumimoji="0" lang="en-US" altLang="en-US" sz="1400" b="1" i="0" u="none" strike="noStrike" cap="none" normalizeH="0" baseline="0" dirty="0" smtClean="0">
+              <a:rPr kumimoji="0" lang="en-US" altLang="en-US" sz="1400" b="1" i="0" u="none" strike="noStrike" cap="none" normalizeH="0" baseline="0" dirty="0">
                 <a:ln>
                   <a:noFill/>
                 </a:ln>
@@ -15774,7 +15565,7 @@
               <a:t>            </a:t>
             </a:r>
             <a:r>
-              <a:rPr kumimoji="0" lang="en-US" altLang="en-US" sz="1400" b="1" i="0" u="none" strike="noStrike" cap="none" normalizeH="0" baseline="0" dirty="0" err="1" smtClean="0">
+              <a:rPr kumimoji="0" lang="en-US" altLang="en-US" sz="1400" b="1" i="0" u="none" strike="noStrike" cap="none" normalizeH="0" baseline="0" dirty="0" err="1">
                 <a:ln>
                   <a:noFill/>
                 </a:ln>
@@ -15788,7 +15579,7 @@
               <a:t>android</a:t>
             </a:r>
             <a:r>
-              <a:rPr kumimoji="0" lang="en-US" altLang="en-US" sz="1400" b="1" i="0" u="none" strike="noStrike" cap="none" normalizeH="0" baseline="0" dirty="0" err="1" smtClean="0">
+              <a:rPr kumimoji="0" lang="en-US" altLang="en-US" sz="1400" b="1" i="0" u="none" strike="noStrike" cap="none" normalizeH="0" baseline="0" dirty="0" err="1">
                 <a:ln>
                   <a:noFill/>
                 </a:ln>
@@ -15802,7 +15593,7 @@
               <a:t>:layout_height</a:t>
             </a:r>
             <a:r>
-              <a:rPr kumimoji="0" lang="en-US" altLang="en-US" sz="1400" b="1" i="0" u="none" strike="noStrike" cap="none" normalizeH="0" baseline="0" dirty="0" smtClean="0">
+              <a:rPr kumimoji="0" lang="en-US" altLang="en-US" sz="1400" b="1" i="0" u="none" strike="noStrike" cap="none" normalizeH="0" baseline="0" dirty="0">
                 <a:ln>
                   <a:noFill/>
                 </a:ln>
@@ -15816,7 +15607,7 @@
               <a:t>=</a:t>
             </a:r>
             <a:r>
-              <a:rPr kumimoji="0" lang="en-US" altLang="en-US" sz="1400" b="1" i="0" u="none" strike="noStrike" cap="none" normalizeH="0" baseline="0" dirty="0" smtClean="0">
+              <a:rPr kumimoji="0" lang="en-US" altLang="en-US" sz="1400" b="1" i="0" u="none" strike="noStrike" cap="none" normalizeH="0" baseline="0" dirty="0">
                 <a:ln>
                   <a:noFill/>
                 </a:ln>
@@ -15830,7 +15621,7 @@
               <a:t>"</a:t>
             </a:r>
             <a:r>
-              <a:rPr kumimoji="0" lang="en-US" altLang="en-US" sz="1400" b="1" i="0" u="none" strike="noStrike" cap="none" normalizeH="0" baseline="0" dirty="0" err="1" smtClean="0">
+              <a:rPr kumimoji="0" lang="en-US" altLang="en-US" sz="1400" b="1" i="0" u="none" strike="noStrike" cap="none" normalizeH="0" baseline="0" dirty="0" err="1">
                 <a:ln>
                   <a:noFill/>
                 </a:ln>
@@ -15844,7 +15635,7 @@
               <a:t>wrap_content</a:t>
             </a:r>
             <a:r>
-              <a:rPr kumimoji="0" lang="en-US" altLang="en-US" sz="1400" b="1" i="0" u="none" strike="noStrike" cap="none" normalizeH="0" baseline="0" dirty="0" smtClean="0">
+              <a:rPr kumimoji="0" lang="en-US" altLang="en-US" sz="1400" b="1" i="0" u="none" strike="noStrike" cap="none" normalizeH="0" baseline="0" dirty="0">
                 <a:ln>
                   <a:noFill/>
                 </a:ln>
@@ -15858,7 +15649,7 @@
               <a:t>"</a:t>
             </a:r>
             <a:br>
-              <a:rPr kumimoji="0" lang="en-US" altLang="en-US" sz="1400" b="1" i="0" u="none" strike="noStrike" cap="none" normalizeH="0" baseline="0" dirty="0" smtClean="0">
+              <a:rPr kumimoji="0" lang="en-US" altLang="en-US" sz="1400" b="1" i="0" u="none" strike="noStrike" cap="none" normalizeH="0" baseline="0" dirty="0">
                 <a:ln>
                   <a:noFill/>
                 </a:ln>
@@ -15871,7 +15662,7 @@
               </a:rPr>
             </a:br>
             <a:r>
-              <a:rPr kumimoji="0" lang="en-US" altLang="en-US" sz="1400" b="1" i="0" u="none" strike="noStrike" cap="none" normalizeH="0" baseline="0" dirty="0" smtClean="0">
+              <a:rPr kumimoji="0" lang="en-US" altLang="en-US" sz="1400" b="1" i="0" u="none" strike="noStrike" cap="none" normalizeH="0" baseline="0" dirty="0">
                 <a:ln>
                   <a:noFill/>
                 </a:ln>
@@ -15885,7 +15676,7 @@
               <a:t>            </a:t>
             </a:r>
             <a:r>
-              <a:rPr kumimoji="0" lang="en-US" altLang="en-US" sz="1400" b="1" i="0" u="none" strike="noStrike" cap="none" normalizeH="0" baseline="0" dirty="0" err="1" smtClean="0">
+              <a:rPr kumimoji="0" lang="en-US" altLang="en-US" sz="1400" b="1" i="0" u="none" strike="noStrike" cap="none" normalizeH="0" baseline="0" dirty="0" err="1">
                 <a:ln>
                   <a:noFill/>
                 </a:ln>
@@ -15899,7 +15690,7 @@
               <a:t>android</a:t>
             </a:r>
             <a:r>
-              <a:rPr kumimoji="0" lang="en-US" altLang="en-US" sz="1400" b="1" i="0" u="none" strike="noStrike" cap="none" normalizeH="0" baseline="0" dirty="0" err="1" smtClean="0">
+              <a:rPr kumimoji="0" lang="en-US" altLang="en-US" sz="1400" b="1" i="0" u="none" strike="noStrike" cap="none" normalizeH="0" baseline="0" dirty="0" err="1">
                 <a:ln>
                   <a:noFill/>
                 </a:ln>
@@ -15913,7 +15704,7 @@
               <a:t>:text</a:t>
             </a:r>
             <a:r>
-              <a:rPr kumimoji="0" lang="en-US" altLang="en-US" sz="1400" b="1" i="0" u="none" strike="noStrike" cap="none" normalizeH="0" baseline="0" dirty="0" smtClean="0">
+              <a:rPr kumimoji="0" lang="en-US" altLang="en-US" sz="1400" b="1" i="0" u="none" strike="noStrike" cap="none" normalizeH="0" baseline="0" dirty="0">
                 <a:ln>
                   <a:noFill/>
                 </a:ln>
@@ -15927,7 +15718,7 @@
               <a:t>=</a:t>
             </a:r>
             <a:r>
-              <a:rPr kumimoji="0" lang="en-US" altLang="en-US" sz="1400" b="1" i="0" u="none" strike="noStrike" cap="none" normalizeH="0" baseline="0" dirty="0" smtClean="0">
+              <a:rPr kumimoji="0" lang="en-US" altLang="en-US" sz="1400" b="1" i="0" u="none" strike="noStrike" cap="none" normalizeH="0" baseline="0" dirty="0">
                 <a:ln>
                   <a:noFill/>
                 </a:ln>
@@ -15941,7 +15732,7 @@
               <a:t>“Save" </a:t>
             </a:r>
             <a:r>
-              <a:rPr kumimoji="0" lang="en-US" altLang="en-US" sz="1400" b="0" i="0" u="none" strike="noStrike" cap="none" normalizeH="0" baseline="0" dirty="0" smtClean="0">
+              <a:rPr kumimoji="0" lang="en-US" altLang="en-US" sz="1400" b="0" i="0" u="none" strike="noStrike" cap="none" normalizeH="0" baseline="0" dirty="0">
                 <a:ln>
                   <a:noFill/>
                 </a:ln>
@@ -15955,7 +15746,7 @@
               <a:t>/&gt;</a:t>
             </a:r>
             <a:br>
-              <a:rPr kumimoji="0" lang="en-US" altLang="en-US" sz="1400" b="0" i="0" u="none" strike="noStrike" cap="none" normalizeH="0" baseline="0" dirty="0" smtClean="0">
+              <a:rPr kumimoji="0" lang="en-US" altLang="en-US" sz="1400" b="0" i="0" u="none" strike="noStrike" cap="none" normalizeH="0" baseline="0" dirty="0">
                 <a:ln>
                   <a:noFill/>
                 </a:ln>
@@ -15968,7 +15759,7 @@
               </a:rPr>
             </a:br>
             <a:r>
-              <a:rPr kumimoji="0" lang="en-US" altLang="en-US" sz="1400" b="0" i="0" u="none" strike="noStrike" cap="none" normalizeH="0" baseline="0" dirty="0" smtClean="0">
+              <a:rPr kumimoji="0" lang="en-US" altLang="en-US" sz="1400" b="0" i="0" u="none" strike="noStrike" cap="none" normalizeH="0" baseline="0" dirty="0">
                 <a:ln>
                   <a:noFill/>
                 </a:ln>
@@ -15982,7 +15773,7 @@
               <a:t>    &lt;/</a:t>
             </a:r>
             <a:r>
-              <a:rPr kumimoji="0" lang="en-US" altLang="en-US" sz="1400" b="1" i="0" u="none" strike="noStrike" cap="none" normalizeH="0" baseline="0" dirty="0" err="1" smtClean="0">
+              <a:rPr kumimoji="0" lang="en-US" altLang="en-US" sz="1400" b="1" i="0" u="none" strike="noStrike" cap="none" normalizeH="0" baseline="0" dirty="0" err="1">
                 <a:ln>
                   <a:noFill/>
                 </a:ln>
@@ -15996,7 +15787,7 @@
               <a:t>LinearLayout</a:t>
             </a:r>
             <a:r>
-              <a:rPr kumimoji="0" lang="en-US" altLang="en-US" sz="1400" b="0" i="0" u="none" strike="noStrike" cap="none" normalizeH="0" baseline="0" dirty="0" smtClean="0">
+              <a:rPr kumimoji="0" lang="en-US" altLang="en-US" sz="1400" b="0" i="0" u="none" strike="noStrike" cap="none" normalizeH="0" baseline="0" dirty="0">
                 <a:ln>
                   <a:noFill/>
                 </a:ln>
@@ -16010,7 +15801,7 @@
               <a:t>&gt;</a:t>
             </a:r>
             <a:br>
-              <a:rPr kumimoji="0" lang="en-US" altLang="en-US" sz="1400" b="0" i="0" u="none" strike="noStrike" cap="none" normalizeH="0" baseline="0" dirty="0" smtClean="0">
+              <a:rPr kumimoji="0" lang="en-US" altLang="en-US" sz="1400" b="0" i="0" u="none" strike="noStrike" cap="none" normalizeH="0" baseline="0" dirty="0">
                 <a:ln>
                   <a:noFill/>
                 </a:ln>
@@ -16022,22 +15813,8 @@
                 <a:cs typeface="Courier New" panose="02070309020205020404" pitchFamily="49" charset="0"/>
               </a:rPr>
             </a:br>
-            <a:r>
-              <a:rPr kumimoji="0" lang="en-US" altLang="en-US" sz="1400" b="0" i="0" u="none" strike="noStrike" cap="none" normalizeH="0" baseline="0" dirty="0" smtClean="0">
-                <a:ln>
-                  <a:noFill/>
-                </a:ln>
-                <a:solidFill>
-                  <a:srgbClr val="000000"/>
-                </a:solidFill>
-                <a:effectLst/>
-                <a:latin typeface="Courier New" panose="02070309020205020404" pitchFamily="49" charset="0"/>
-                <a:cs typeface="Courier New" panose="02070309020205020404" pitchFamily="49" charset="0"/>
-              </a:rPr>
-              <a:t/>
-            </a:r>
             <a:br>
-              <a:rPr kumimoji="0" lang="en-US" altLang="en-US" sz="1400" b="0" i="0" u="none" strike="noStrike" cap="none" normalizeH="0" baseline="0" dirty="0" smtClean="0">
+              <a:rPr kumimoji="0" lang="en-US" altLang="en-US" sz="1400" b="0" i="0" u="none" strike="noStrike" cap="none" normalizeH="0" baseline="0" dirty="0">
                 <a:ln>
                   <a:noFill/>
                 </a:ln>
@@ -16050,7 +15827,7 @@
               </a:rPr>
             </a:br>
             <a:r>
-              <a:rPr kumimoji="0" lang="en-US" altLang="en-US" sz="1400" b="0" i="0" u="none" strike="noStrike" cap="none" normalizeH="0" baseline="0" dirty="0" smtClean="0">
+              <a:rPr kumimoji="0" lang="en-US" altLang="en-US" sz="1400" b="0" i="0" u="none" strike="noStrike" cap="none" normalizeH="0" baseline="0" dirty="0">
                 <a:ln>
                   <a:noFill/>
                 </a:ln>
@@ -16064,7 +15841,7 @@
               <a:t>&lt;/</a:t>
             </a:r>
             <a:r>
-              <a:rPr kumimoji="0" lang="en-US" altLang="en-US" sz="1400" b="1" i="0" u="none" strike="noStrike" cap="none" normalizeH="0" baseline="0" dirty="0" err="1" smtClean="0">
+              <a:rPr kumimoji="0" lang="en-US" altLang="en-US" sz="1400" b="1" i="0" u="none" strike="noStrike" cap="none" normalizeH="0" baseline="0" dirty="0" err="1">
                 <a:ln>
                   <a:noFill/>
                 </a:ln>
@@ -16078,7 +15855,7 @@
               <a:t>android.support.constraint.ConstraintLayout</a:t>
             </a:r>
             <a:r>
-              <a:rPr kumimoji="0" lang="en-US" altLang="en-US" sz="1400" b="0" i="0" u="none" strike="noStrike" cap="none" normalizeH="0" baseline="0" dirty="0" smtClean="0">
+              <a:rPr kumimoji="0" lang="en-US" altLang="en-US" sz="1400" b="0" i="0" u="none" strike="noStrike" cap="none" normalizeH="0" baseline="0" dirty="0">
                 <a:ln>
                   <a:noFill/>
                 </a:ln>
@@ -16091,7 +15868,7 @@
               </a:rPr>
               <a:t>&gt;</a:t>
             </a:r>
-            <a:endParaRPr kumimoji="0" lang="en-US" altLang="en-US" sz="1400" b="0" i="0" u="none" strike="noStrike" cap="none" normalizeH="0" baseline="0" dirty="0" smtClean="0">
+            <a:endParaRPr kumimoji="0" lang="en-US" altLang="en-US" sz="1400" b="0" i="0" u="none" strike="noStrike" cap="none" normalizeH="0" baseline="0" dirty="0">
               <a:ln>
                 <a:noFill/>
               </a:ln>
@@ -16128,10 +15905,9 @@
           <a:lstStyle/>
           <a:p>
             <a:r>
-              <a:rPr lang="en-US" dirty="0" smtClean="0"/>
+              <a:rPr lang="en-US" dirty="0"/>
               <a:t>User Interface View Design</a:t>
             </a:r>
-            <a:endParaRPr lang="en-US" dirty="0"/>
           </a:p>
         </p:txBody>
       </p:sp>
@@ -16369,13 +16145,6 @@
   <p:transition spd="slow">
     <p:wipe dir="d"/>
   </p:transition>
-  <p:timing>
-    <p:tnLst>
-      <p:par>
-        <p:cTn id="1" dur="indefinite" restart="never" nodeType="tmRoot"/>
-      </p:par>
-    </p:tnLst>
-  </p:timing>
 </p:sld>
 </file>
 
@@ -16422,10 +16191,9 @@
           <a:lstStyle/>
           <a:p>
             <a:r>
-              <a:rPr lang="en-US" dirty="0" smtClean="0"/>
+              <a:rPr lang="en-US" dirty="0"/>
               <a:t>UI View Design</a:t>
             </a:r>
-            <a:endParaRPr lang="en-US" dirty="0"/>
           </a:p>
         </p:txBody>
       </p:sp>
@@ -16458,14 +16226,14 @@
               <a:buNone/>
             </a:pPr>
             <a:r>
-              <a:rPr lang="en-SG" sz="3600" dirty="0" err="1" smtClean="0">
+              <a:rPr lang="en-SG" sz="3600" dirty="0" err="1">
                 <a:solidFill>
                   <a:srgbClr val="4F81BD"/>
                 </a:solidFill>
               </a:rPr>
               <a:t>ConstraintLayout</a:t>
             </a:r>
-            <a:endParaRPr lang="en-SG" sz="3600" dirty="0" smtClean="0">
+            <a:endParaRPr lang="en-SG" sz="3600" dirty="0">
               <a:solidFill>
                 <a:srgbClr val="4F81BD"/>
               </a:solidFill>
@@ -16473,17 +16241,17 @@
           </a:p>
           <a:p>
             <a:r>
-              <a:rPr lang="en-US" sz="3200" i="1" dirty="0" err="1" smtClean="0"/>
+              <a:rPr lang="en-US" sz="3200" i="1" dirty="0" err="1"/>
               <a:t>xmlns:android</a:t>
             </a:r>
             <a:r>
-              <a:rPr lang="en-US" sz="3200" dirty="0" smtClean="0"/>
+              <a:rPr lang="en-US" sz="3200" dirty="0"/>
               <a:t> attribute define the XML name space to be refer to</a:t>
             </a:r>
           </a:p>
           <a:p>
             <a:r>
-              <a:rPr lang="en-US" sz="3200" dirty="0" smtClean="0"/>
+              <a:rPr lang="en-US" sz="3200" dirty="0"/>
               <a:t>XML Namespaces provide a method to avoid element name conflicts</a:t>
             </a:r>
           </a:p>
@@ -16529,13 +16297,6 @@
   <p:transition spd="slow">
     <p:wipe dir="d"/>
   </p:transition>
-  <p:timing>
-    <p:tnLst>
-      <p:par>
-        <p:cTn id="1" dur="indefinite" restart="never" nodeType="tmRoot"/>
-      </p:par>
-    </p:tnLst>
-  </p:timing>
 </p:sld>
 </file>
 
@@ -16580,10 +16341,9 @@
           <a:lstStyle/>
           <a:p>
             <a:r>
-              <a:rPr lang="en-US" dirty="0" smtClean="0"/>
+              <a:rPr lang="en-US" dirty="0"/>
               <a:t>UI View Design</a:t>
             </a:r>
-            <a:endParaRPr lang="en-US" dirty="0"/>
           </a:p>
         </p:txBody>
       </p:sp>
@@ -16616,14 +16376,14 @@
               <a:buNone/>
             </a:pPr>
             <a:r>
-              <a:rPr lang="en-SG" sz="3500" dirty="0" err="1" smtClean="0">
+              <a:rPr lang="en-SG" sz="3500" dirty="0" err="1">
                 <a:solidFill>
                   <a:srgbClr val="4F81BD"/>
                 </a:solidFill>
               </a:rPr>
               <a:t>ConstraintLayout</a:t>
             </a:r>
-            <a:endParaRPr lang="en-SG" sz="3500" dirty="0" smtClean="0">
+            <a:endParaRPr lang="en-SG" sz="3500" dirty="0">
               <a:solidFill>
                 <a:srgbClr val="4F81BD"/>
               </a:solidFill>
@@ -16631,7 +16391,7 @@
           </a:p>
           <a:p>
             <a:r>
-              <a:rPr lang="en-US" sz="3000" i="1" dirty="0" err="1" smtClean="0">
+              <a:rPr lang="en-US" sz="3000" i="1" dirty="0" err="1">
                 <a:solidFill>
                   <a:schemeClr val="accent2">
                     <a:lumMod val="75000"/>
@@ -16641,11 +16401,11 @@
               <a:t>android:layout_width</a:t>
             </a:r>
             <a:r>
-              <a:rPr lang="en-US" sz="3000" dirty="0" smtClean="0"/>
+              <a:rPr lang="en-US" sz="3000" dirty="0"/>
               <a:t> and </a:t>
             </a:r>
             <a:r>
-              <a:rPr lang="en-US" sz="3000" i="1" dirty="0" err="1" smtClean="0">
+              <a:rPr lang="en-US" sz="3000" i="1" dirty="0" err="1">
                 <a:solidFill>
                   <a:schemeClr val="accent2">
                     <a:lumMod val="75000"/>
@@ -16655,13 +16415,13 @@
               <a:t>android:layout_height</a:t>
             </a:r>
             <a:r>
-              <a:rPr lang="en-US" sz="3000" dirty="0" smtClean="0"/>
+              <a:rPr lang="en-US" sz="3000" dirty="0"/>
               <a:t> set the layout to as big as its parent</a:t>
             </a:r>
           </a:p>
           <a:p>
             <a:r>
-              <a:rPr lang="en-US" sz="3000" i="1" dirty="0" err="1" smtClean="0">
+              <a:rPr lang="en-US" sz="3000" i="1" dirty="0" err="1">
                 <a:solidFill>
                   <a:srgbClr val="002060"/>
                 </a:solidFill>
@@ -16669,13 +16429,13 @@
               <a:t>match_parent</a:t>
             </a:r>
             <a:r>
-              <a:rPr lang="en-US" sz="3000" dirty="0" smtClean="0"/>
+              <a:rPr lang="en-US" sz="3000" dirty="0"/>
               <a:t> is used from API Level ≥ 8 </a:t>
             </a:r>
           </a:p>
           <a:p>
             <a:r>
-              <a:rPr lang="en-US" sz="3000" i="1" dirty="0" err="1" smtClean="0">
+              <a:rPr lang="en-US" sz="3000" i="1" dirty="0" err="1">
                 <a:solidFill>
                   <a:srgbClr val="002060"/>
                 </a:solidFill>
@@ -16683,7 +16443,7 @@
               <a:t>fill_parent</a:t>
             </a:r>
             <a:r>
-              <a:rPr lang="en-US" sz="3000" dirty="0" smtClean="0">
+              <a:rPr lang="en-US" sz="3000" dirty="0">
                 <a:solidFill>
                   <a:srgbClr val="002060"/>
                 </a:solidFill>
@@ -16691,7 +16451,7 @@
               <a:t> </a:t>
             </a:r>
             <a:r>
-              <a:rPr lang="en-US" sz="3000" dirty="0" smtClean="0"/>
+              <a:rPr lang="en-US" sz="3000" dirty="0"/>
               <a:t>is used from API Level &lt; 8</a:t>
             </a:r>
           </a:p>
@@ -16737,13 +16497,6 @@
   <p:transition spd="slow">
     <p:wipe dir="d"/>
   </p:transition>
-  <p:timing>
-    <p:tnLst>
-      <p:par>
-        <p:cTn id="1" dur="indefinite" restart="never" nodeType="tmRoot"/>
-      </p:par>
-    </p:tnLst>
-  </p:timing>
 </p:sld>
 </file>
 
@@ -16788,10 +16541,9 @@
           <a:lstStyle/>
           <a:p>
             <a:r>
-              <a:rPr lang="en-US" dirty="0" smtClean="0"/>
+              <a:rPr lang="en-US" dirty="0"/>
               <a:t>UI View Design</a:t>
             </a:r>
-            <a:endParaRPr lang="en-US" dirty="0"/>
           </a:p>
         </p:txBody>
       </p:sp>
@@ -16824,14 +16576,14 @@
               <a:buNone/>
             </a:pPr>
             <a:r>
-              <a:rPr lang="en-SG" sz="3600" dirty="0" err="1" smtClean="0">
+              <a:rPr lang="en-SG" sz="3600" dirty="0" err="1">
                 <a:solidFill>
                   <a:srgbClr val="4F81BD"/>
                 </a:solidFill>
               </a:rPr>
               <a:t>ConstraintLayout</a:t>
             </a:r>
-            <a:endParaRPr lang="en-SG" sz="3600" dirty="0" smtClean="0">
+            <a:endParaRPr lang="en-SG" sz="3600" dirty="0">
               <a:solidFill>
                 <a:srgbClr val="4F81BD"/>
               </a:solidFill>
@@ -16839,27 +16591,27 @@
           </a:p>
           <a:p>
             <a:r>
-              <a:rPr lang="en-US" sz="3200" dirty="0" smtClean="0">
+              <a:rPr lang="en-US" sz="3200" dirty="0">
                 <a:hlinkClick r:id="rId6"/>
               </a:rPr>
               <a:t>More about </a:t>
             </a:r>
             <a:r>
-              <a:rPr lang="en-US" sz="3200" dirty="0" err="1" smtClean="0">
+              <a:rPr lang="en-US" sz="3200" dirty="0" err="1">
                 <a:hlinkClick r:id="rId6"/>
               </a:rPr>
               <a:t>ConstraintLayout</a:t>
             </a:r>
             <a:r>
-              <a:rPr lang="en-US" sz="3200" dirty="0" smtClean="0">
+              <a:rPr lang="en-US" sz="3200" dirty="0">
                 <a:hlinkClick r:id="rId6"/>
               </a:rPr>
               <a:t> </a:t>
             </a:r>
-            <a:endParaRPr lang="en-US" sz="3200" dirty="0" smtClean="0"/>
-          </a:p>
-          <a:p>
-            <a:endParaRPr lang="en-SG" sz="3600" dirty="0" smtClean="0"/>
+            <a:endParaRPr lang="en-US" sz="3200" dirty="0"/>
+          </a:p>
+          <a:p>
+            <a:endParaRPr lang="en-SG" sz="3600" dirty="0"/>
           </a:p>
         </p:txBody>
       </p:sp>
@@ -16903,13 +16655,6 @@
   <p:transition spd="slow">
     <p:wipe dir="d"/>
   </p:transition>
-  <p:timing>
-    <p:tnLst>
-      <p:par>
-        <p:cTn id="1" dur="indefinite" restart="never" nodeType="tmRoot"/>
-      </p:par>
-    </p:tnLst>
-  </p:timing>
 </p:sld>
 </file>
 
@@ -16956,10 +16701,9 @@
           <a:lstStyle/>
           <a:p>
             <a:r>
-              <a:rPr lang="en-US" dirty="0" smtClean="0"/>
+              <a:rPr lang="en-US" dirty="0"/>
               <a:t>UI View Design</a:t>
             </a:r>
-            <a:endParaRPr lang="en-US" dirty="0"/>
           </a:p>
         </p:txBody>
       </p:sp>
@@ -16992,14 +16736,14 @@
               <a:buNone/>
             </a:pPr>
             <a:r>
-              <a:rPr lang="en-SG" sz="3500" dirty="0" err="1" smtClean="0">
+              <a:rPr lang="en-SG" sz="3500" dirty="0" err="1">
                 <a:solidFill>
                   <a:srgbClr val="4F81BD"/>
                 </a:solidFill>
               </a:rPr>
               <a:t>LinearLayout</a:t>
             </a:r>
-            <a:endParaRPr lang="en-SG" sz="3500" dirty="0" smtClean="0">
+            <a:endParaRPr lang="en-SG" sz="3500" dirty="0">
               <a:solidFill>
                 <a:srgbClr val="4F81BD"/>
               </a:solidFill>
@@ -17007,7 +16751,7 @@
           </a:p>
           <a:p>
             <a:r>
-              <a:rPr lang="en-US" sz="3000" i="1" dirty="0" err="1" smtClean="0">
+              <a:rPr lang="en-US" sz="3000" i="1" dirty="0" err="1">
                 <a:solidFill>
                   <a:schemeClr val="accent2">
                     <a:lumMod val="75000"/>
@@ -17017,17 +16761,13 @@
               <a:t>android:layout_width</a:t>
             </a:r>
             <a:r>
-              <a:rPr lang="en-US" sz="3000" dirty="0" smtClean="0"/>
-              <a:t> </a:t>
-            </a:r>
-            <a:r>
               <a:rPr lang="en-US" sz="3000" dirty="0"/>
-              <a:t>set the layout to as big as its parent</a:t>
-            </a:r>
-          </a:p>
-          <a:p>
-            <a:r>
-              <a:rPr lang="en-US" sz="3000" i="1" dirty="0" err="1" smtClean="0">
+              <a:t> set the layout to as big as its parent</a:t>
+            </a:r>
+          </a:p>
+          <a:p>
+            <a:r>
+              <a:rPr lang="en-US" sz="3000" i="1" dirty="0" err="1">
                 <a:solidFill>
                   <a:schemeClr val="accent2">
                     <a:lumMod val="75000"/>
@@ -17037,13 +16777,13 @@
               <a:t>android:layout_height</a:t>
             </a:r>
             <a:r>
-              <a:rPr lang="en-US" sz="3000" dirty="0" smtClean="0"/>
+              <a:rPr lang="en-US" sz="3000" dirty="0"/>
               <a:t> set the layout to as big as its content</a:t>
             </a:r>
           </a:p>
           <a:p>
             <a:r>
-              <a:rPr lang="en-SG" sz="3000" i="1" dirty="0" err="1" smtClean="0">
+              <a:rPr lang="en-SG" sz="3000" i="1" dirty="0" err="1">
                 <a:solidFill>
                   <a:schemeClr val="accent2">
                     <a:lumMod val="75000"/>
@@ -17053,11 +16793,11 @@
               <a:t>android:orientation</a:t>
             </a:r>
             <a:r>
-              <a:rPr lang="en-SG" sz="3000" i="1" dirty="0" smtClean="0"/>
+              <a:rPr lang="en-SG" sz="3000" i="1" dirty="0"/>
               <a:t>=“</a:t>
             </a:r>
             <a:r>
-              <a:rPr lang="en-SG" sz="3000" i="1" dirty="0" smtClean="0">
+              <a:rPr lang="en-SG" sz="3000" i="1" dirty="0">
                 <a:solidFill>
                   <a:srgbClr val="002060"/>
                 </a:solidFill>
@@ -17065,22 +16805,22 @@
               <a:t>vertical</a:t>
             </a:r>
             <a:r>
-              <a:rPr lang="en-SG" sz="3000" i="1" dirty="0" smtClean="0"/>
+              <a:rPr lang="en-SG" sz="3000" i="1" dirty="0"/>
               <a:t>” </a:t>
             </a:r>
             <a:r>
-              <a:rPr lang="en-SG" sz="3000" dirty="0" smtClean="0"/>
+              <a:rPr lang="en-SG" sz="3000" dirty="0"/>
               <a:t>sets the </a:t>
             </a:r>
             <a:r>
-              <a:rPr lang="en-SG" sz="3000" dirty="0" err="1" smtClean="0"/>
+              <a:rPr lang="en-SG" sz="3000" dirty="0" err="1"/>
               <a:t>LinearLayout</a:t>
             </a:r>
             <a:r>
-              <a:rPr lang="en-SG" sz="3000" dirty="0" smtClean="0"/>
+              <a:rPr lang="en-SG" sz="3000" dirty="0"/>
               <a:t> to single column </a:t>
             </a:r>
-            <a:endParaRPr lang="en-US" sz="3000" dirty="0" smtClean="0"/>
+            <a:endParaRPr lang="en-US" sz="3000" dirty="0"/>
           </a:p>
         </p:txBody>
       </p:sp>
@@ -17124,13 +16864,6 @@
   <p:transition spd="slow">
     <p:wipe dir="d"/>
   </p:transition>
-  <p:timing>
-    <p:tnLst>
-      <p:par>
-        <p:cTn id="1" dur="indefinite" restart="never" nodeType="tmRoot"/>
-      </p:par>
-    </p:tnLst>
-  </p:timing>
 </p:sld>
 </file>
 
@@ -17175,10 +16908,9 @@
           <a:lstStyle/>
           <a:p>
             <a:r>
-              <a:rPr lang="en-US" dirty="0" smtClean="0"/>
+              <a:rPr lang="en-US" dirty="0"/>
               <a:t>UI View Design</a:t>
             </a:r>
-            <a:endParaRPr lang="en-US" dirty="0"/>
           </a:p>
         </p:txBody>
       </p:sp>
@@ -17211,14 +16943,14 @@
               <a:buNone/>
             </a:pPr>
             <a:r>
-              <a:rPr lang="en-SG" sz="3600" dirty="0" err="1" smtClean="0">
+              <a:rPr lang="en-SG" sz="3600" dirty="0" err="1">
                 <a:solidFill>
                   <a:srgbClr val="4F81BD"/>
                 </a:solidFill>
               </a:rPr>
               <a:t>LinearLayout</a:t>
             </a:r>
-            <a:endParaRPr lang="en-SG" sz="3600" dirty="0" smtClean="0">
+            <a:endParaRPr lang="en-SG" sz="3600" dirty="0">
               <a:solidFill>
                 <a:srgbClr val="4F81BD"/>
               </a:solidFill>
@@ -17226,27 +16958,27 @@
           </a:p>
           <a:p>
             <a:r>
-              <a:rPr lang="en-US" sz="3200" dirty="0" smtClean="0">
+              <a:rPr lang="en-US" sz="3200" dirty="0">
                 <a:hlinkClick r:id="rId6"/>
               </a:rPr>
               <a:t>More about </a:t>
             </a:r>
             <a:r>
-              <a:rPr lang="en-US" sz="3200" dirty="0" err="1" smtClean="0">
+              <a:rPr lang="en-US" sz="3200" dirty="0" err="1">
                 <a:hlinkClick r:id="rId6"/>
               </a:rPr>
               <a:t>LinearLayout</a:t>
             </a:r>
             <a:r>
-              <a:rPr lang="en-US" sz="3200" dirty="0" smtClean="0">
+              <a:rPr lang="en-US" sz="3200" dirty="0">
                 <a:hlinkClick r:id="rId6"/>
               </a:rPr>
               <a:t> </a:t>
             </a:r>
-            <a:endParaRPr lang="en-US" sz="3200" dirty="0" smtClean="0"/>
-          </a:p>
-          <a:p>
-            <a:endParaRPr lang="en-SG" sz="3600" dirty="0" smtClean="0"/>
+            <a:endParaRPr lang="en-US" sz="3200" dirty="0"/>
+          </a:p>
+          <a:p>
+            <a:endParaRPr lang="en-SG" sz="3600" dirty="0"/>
           </a:p>
         </p:txBody>
       </p:sp>
@@ -17298,13 +17030,6 @@
   <p:transition spd="slow">
     <p:wipe dir="d"/>
   </p:transition>
-  <p:timing>
-    <p:tnLst>
-      <p:par>
-        <p:cTn id="1" dur="indefinite" restart="never" nodeType="tmRoot"/>
-      </p:par>
-    </p:tnLst>
-  </p:timing>
 </p:sld>
 </file>
 
@@ -17349,10 +17074,9 @@
           <a:lstStyle/>
           <a:p>
             <a:r>
-              <a:rPr lang="en-US" dirty="0" smtClean="0"/>
+              <a:rPr lang="en-US" dirty="0"/>
               <a:t>UI View Design</a:t>
             </a:r>
-            <a:endParaRPr lang="en-US" dirty="0"/>
           </a:p>
         </p:txBody>
       </p:sp>
@@ -17385,7 +17109,7 @@
               <a:buNone/>
             </a:pPr>
             <a:r>
-              <a:rPr lang="en-SG" sz="3600" dirty="0" smtClean="0">
+              <a:rPr lang="en-SG" sz="3600" dirty="0">
                 <a:solidFill>
                   <a:srgbClr val="4F81BD"/>
                 </a:solidFill>
@@ -17395,25 +17119,17 @@
           </a:p>
           <a:p>
             <a:r>
-              <a:rPr lang="en-US" sz="3200" dirty="0" smtClean="0"/>
-              <a:t>To display </a:t>
-            </a:r>
-            <a:r>
               <a:rPr lang="en-US" sz="3200" dirty="0"/>
-              <a:t>text to the user and optionally allows them to edit </a:t>
-            </a:r>
-            <a:r>
-              <a:rPr lang="en-US" sz="3200" dirty="0" smtClean="0"/>
-              <a:t>it</a:t>
-            </a:r>
-          </a:p>
-          <a:p>
-            <a:r>
-              <a:rPr lang="en-US" sz="3200" dirty="0" smtClean="0"/>
+              <a:t>To display text to the user and optionally allows them to edit it</a:t>
+            </a:r>
+          </a:p>
+          <a:p>
+            <a:r>
+              <a:rPr lang="en-US" sz="3200" dirty="0"/>
               <a:t>Setting a View's size to </a:t>
             </a:r>
             <a:r>
-              <a:rPr lang="en-US" sz="3200" i="1" dirty="0" err="1" smtClean="0">
+              <a:rPr lang="en-US" sz="3200" i="1" dirty="0" err="1">
                 <a:solidFill>
                   <a:srgbClr val="002060"/>
                 </a:solidFill>
@@ -17421,13 +17137,13 @@
               <a:t>wrap_content</a:t>
             </a:r>
             <a:r>
-              <a:rPr lang="en-US" sz="3200" dirty="0" smtClean="0"/>
+              <a:rPr lang="en-US" sz="3200" dirty="0"/>
               <a:t> will force it to expand only far enough to contain the values (or child controls) it contains</a:t>
             </a:r>
           </a:p>
           <a:p>
             <a:r>
-              <a:rPr lang="en-US" sz="3200" i="1" dirty="0" err="1" smtClean="0">
+              <a:rPr lang="en-US" sz="3200" i="1" dirty="0" err="1">
                 <a:solidFill>
                   <a:schemeClr val="accent2">
                     <a:lumMod val="75000"/>
@@ -17437,7 +17153,7 @@
               <a:t>android:text</a:t>
             </a:r>
             <a:r>
-              <a:rPr lang="en-US" sz="3200" dirty="0" smtClean="0">
+              <a:rPr lang="en-US" sz="3200" dirty="0">
                 <a:solidFill>
                   <a:schemeClr val="accent2">
                     <a:lumMod val="75000"/>
@@ -17447,7 +17163,7 @@
               <a:t> </a:t>
             </a:r>
             <a:r>
-              <a:rPr lang="en-US" sz="3200" dirty="0" smtClean="0"/>
+              <a:rPr lang="en-US" sz="3200" dirty="0"/>
               <a:t>sets the label displayed</a:t>
             </a:r>
           </a:p>
@@ -17564,13 +17280,6 @@
   <p:transition spd="slow">
     <p:wipe dir="d"/>
   </p:transition>
-  <p:timing>
-    <p:tnLst>
-      <p:par>
-        <p:cTn id="1" dur="indefinite" restart="never" nodeType="tmRoot"/>
-      </p:par>
-    </p:tnLst>
-  </p:timing>
 </p:sld>
 </file>
 
@@ -17615,10 +17324,9 @@
           <a:lstStyle/>
           <a:p>
             <a:r>
-              <a:rPr lang="en-US" dirty="0" smtClean="0"/>
+              <a:rPr lang="en-US" dirty="0"/>
               <a:t>UI View Design</a:t>
             </a:r>
-            <a:endParaRPr lang="en-US" dirty="0"/>
           </a:p>
         </p:txBody>
       </p:sp>
@@ -17651,7 +17359,7 @@
               <a:buNone/>
             </a:pPr>
             <a:r>
-              <a:rPr lang="en-SG" sz="3600" dirty="0" smtClean="0">
+              <a:rPr lang="en-SG" sz="3600" dirty="0">
                 <a:solidFill>
                   <a:srgbClr val="4F81BD"/>
                 </a:solidFill>
@@ -17661,24 +17369,24 @@
           </a:p>
           <a:p>
             <a:r>
-              <a:rPr lang="en-US" sz="3200" dirty="0" smtClean="0">
+              <a:rPr lang="en-US" sz="3200" dirty="0">
                 <a:hlinkClick r:id="rId6"/>
               </a:rPr>
               <a:t>More about </a:t>
             </a:r>
             <a:r>
-              <a:rPr lang="en-US" sz="3200" dirty="0" err="1" smtClean="0">
+              <a:rPr lang="en-US" sz="3200" dirty="0" err="1">
                 <a:hlinkClick r:id="rId6"/>
               </a:rPr>
               <a:t>TextView</a:t>
             </a:r>
             <a:r>
-              <a:rPr lang="en-US" sz="3200" dirty="0" smtClean="0">
+              <a:rPr lang="en-US" sz="3200" dirty="0">
                 <a:hlinkClick r:id="rId6"/>
               </a:rPr>
               <a:t> widget</a:t>
             </a:r>
-            <a:endParaRPr lang="en-SG" sz="3200" dirty="0" smtClean="0"/>
+            <a:endParaRPr lang="en-SG" sz="3200" dirty="0"/>
           </a:p>
         </p:txBody>
       </p:sp>
@@ -17730,13 +17438,6 @@
   <p:transition spd="slow">
     <p:wipe dir="d"/>
   </p:transition>
-  <p:timing>
-    <p:tnLst>
-      <p:par>
-        <p:cTn id="1" dur="indefinite" restart="never" nodeType="tmRoot"/>
-      </p:par>
-    </p:tnLst>
-  </p:timing>
 </p:sld>
 </file>
 
@@ -17783,10 +17484,9 @@
           <a:lstStyle/>
           <a:p>
             <a:r>
-              <a:rPr lang="en-US" dirty="0" smtClean="0"/>
+              <a:rPr lang="en-US" dirty="0"/>
               <a:t>UI View Design</a:t>
             </a:r>
-            <a:endParaRPr lang="en-US" dirty="0"/>
           </a:p>
         </p:txBody>
       </p:sp>
@@ -17819,14 +17519,14 @@
               <a:buNone/>
             </a:pPr>
             <a:r>
-              <a:rPr lang="en-SG" sz="3600" dirty="0" err="1" smtClean="0">
+              <a:rPr lang="en-SG" sz="3600" dirty="0" err="1">
                 <a:solidFill>
                   <a:srgbClr val="4F81BD"/>
                 </a:solidFill>
               </a:rPr>
               <a:t>EditText</a:t>
             </a:r>
-            <a:endParaRPr lang="en-SG" sz="3600" dirty="0" smtClean="0">
+            <a:endParaRPr lang="en-SG" sz="3600" dirty="0">
               <a:solidFill>
                 <a:srgbClr val="4F81BD"/>
               </a:solidFill>
@@ -17834,15 +17534,15 @@
           </a:p>
           <a:p>
             <a:r>
-              <a:rPr lang="en-SG" sz="3200" i="1" dirty="0" err="1" smtClean="0"/>
+              <a:rPr lang="en-SG" sz="3200" i="1" dirty="0" err="1"/>
               <a:t>android:id</a:t>
             </a:r>
             <a:r>
-              <a:rPr lang="en-SG" sz="3200" i="1" dirty="0" smtClean="0"/>
+              <a:rPr lang="en-SG" sz="3200" i="1" dirty="0"/>
               <a:t> =“</a:t>
             </a:r>
             <a:r>
-              <a:rPr lang="en-SG" sz="3200" i="1" dirty="0" smtClean="0">
+              <a:rPr lang="en-SG" sz="3200" i="1" dirty="0">
                 <a:solidFill>
                   <a:srgbClr val="002060"/>
                 </a:solidFill>
@@ -17850,7 +17550,7 @@
               <a:t>@+id/</a:t>
             </a:r>
             <a:r>
-              <a:rPr lang="en-SG" sz="3200" i="1" dirty="0" err="1" smtClean="0">
+              <a:rPr lang="en-SG" sz="3200" i="1" dirty="0" err="1">
                 <a:solidFill>
                   <a:srgbClr val="002060"/>
                 </a:solidFill>
@@ -17858,15 +17558,15 @@
               <a:t>restaurant_name</a:t>
             </a:r>
             <a:r>
-              <a:rPr lang="en-SG" sz="3200" i="1" dirty="0" smtClean="0"/>
+              <a:rPr lang="en-SG" sz="3200" i="1" dirty="0"/>
               <a:t>” </a:t>
             </a:r>
             <a:r>
-              <a:rPr lang="en-SG" sz="3200" dirty="0" smtClean="0"/>
+              <a:rPr lang="en-SG" sz="3200" dirty="0"/>
               <a:t>creates an id named </a:t>
             </a:r>
             <a:r>
-              <a:rPr lang="en-SG" sz="3200" i="1" dirty="0" err="1" smtClean="0">
+              <a:rPr lang="en-SG" sz="3200" i="1" dirty="0" err="1">
                 <a:solidFill>
                   <a:srgbClr val="002060"/>
                 </a:solidFill>
@@ -17874,16 +17574,16 @@
               <a:t>restaurant_name</a:t>
             </a:r>
             <a:r>
-              <a:rPr lang="en-SG" sz="3200" dirty="0" smtClean="0"/>
+              <a:rPr lang="en-SG" sz="3200" dirty="0"/>
               <a:t> for the widget in the namespace of the app</a:t>
             </a:r>
           </a:p>
           <a:p>
             <a:r>
-              <a:rPr lang="en-SG" sz="3200" dirty="0" smtClean="0"/>
+              <a:rPr lang="en-SG" sz="3200" dirty="0"/>
               <a:t>This will allow the app to access to it through its id</a:t>
             </a:r>
-            <a:endParaRPr lang="en-SG" dirty="0" smtClean="0"/>
+            <a:endParaRPr lang="en-SG" dirty="0"/>
           </a:p>
         </p:txBody>
       </p:sp>
@@ -17998,13 +17698,6 @@
   <p:transition spd="slow">
     <p:wipe dir="d"/>
   </p:transition>
-  <p:timing>
-    <p:tnLst>
-      <p:par>
-        <p:cTn id="1" dur="indefinite" restart="never" nodeType="tmRoot"/>
-      </p:par>
-    </p:tnLst>
-  </p:timing>
 </p:sld>
 </file>
 
@@ -18049,10 +17742,9 @@
           <a:lstStyle/>
           <a:p>
             <a:r>
-              <a:rPr lang="en-US" dirty="0" smtClean="0"/>
+              <a:rPr lang="en-US" dirty="0"/>
               <a:t>UI View Design</a:t>
             </a:r>
-            <a:endParaRPr lang="en-US" dirty="0"/>
           </a:p>
         </p:txBody>
       </p:sp>
@@ -18085,14 +17777,14 @@
               <a:buNone/>
             </a:pPr>
             <a:r>
-              <a:rPr lang="en-SG" sz="3600" dirty="0" err="1" smtClean="0">
+              <a:rPr lang="en-SG" sz="3600" dirty="0" err="1">
                 <a:solidFill>
                   <a:srgbClr val="4F81BD"/>
                 </a:solidFill>
               </a:rPr>
               <a:t>EditText</a:t>
             </a:r>
-            <a:endParaRPr lang="en-SG" sz="3600" dirty="0" smtClean="0">
+            <a:endParaRPr lang="en-SG" sz="3600" dirty="0">
               <a:solidFill>
                 <a:srgbClr val="4F81BD"/>
               </a:solidFill>
@@ -18100,48 +17792,44 @@
           </a:p>
           <a:p>
             <a:r>
-              <a:rPr lang="en-SG" dirty="0" err="1" smtClean="0"/>
+              <a:rPr lang="en-SG" dirty="0" err="1"/>
               <a:t>android:ems</a:t>
             </a:r>
             <a:r>
-              <a:rPr lang="en-SG" dirty="0" smtClean="0"/>
+              <a:rPr lang="en-SG" dirty="0"/>
               <a:t>=“10” sets to 10 </a:t>
             </a:r>
             <a:r>
-              <a:rPr lang="en-SG" dirty="0" err="1" smtClean="0"/>
+              <a:rPr lang="en-SG" dirty="0" err="1"/>
               <a:t>em</a:t>
             </a:r>
             <a:r>
-              <a:rPr lang="en-SG" dirty="0" smtClean="0"/>
+              <a:rPr lang="en-SG" dirty="0"/>
               <a:t> units (optional)</a:t>
             </a:r>
-            <a:r>
-              <a:rPr lang="en-SG" sz="3200" dirty="0" smtClean="0"/>
-              <a:t/>
-            </a:r>
             <a:br>
-              <a:rPr lang="en-SG" sz="3200" dirty="0" smtClean="0"/>
+              <a:rPr lang="en-SG" sz="3200" dirty="0"/>
             </a:br>
             <a:r>
-              <a:rPr lang="en-SG" sz="2000" dirty="0" smtClean="0"/>
+              <a:rPr lang="en-SG" sz="2000" dirty="0"/>
               <a:t>(Refer to </a:t>
             </a:r>
             <a:r>
-              <a:rPr lang="en-SG" sz="2000" dirty="0" smtClean="0">
+              <a:rPr lang="en-SG" sz="2000" dirty="0">
                 <a:hlinkClick r:id="rId6"/>
               </a:rPr>
               <a:t>http://www.intertech.com/Blog/post/Android-Widget-Size.aspx</a:t>
             </a:r>
             <a:r>
-              <a:rPr lang="en-SG" sz="2000" dirty="0" smtClean="0"/>
+              <a:rPr lang="en-SG" sz="2000" dirty="0"/>
               <a:t> for more detail about </a:t>
             </a:r>
             <a:r>
-              <a:rPr lang="en-SG" sz="2000" dirty="0" err="1" smtClean="0"/>
+              <a:rPr lang="en-SG" sz="2000" dirty="0" err="1"/>
               <a:t>em</a:t>
             </a:r>
             <a:r>
-              <a:rPr lang="en-SG" sz="2000" dirty="0" smtClean="0"/>
+              <a:rPr lang="en-SG" sz="2000" dirty="0"/>
               <a:t>)</a:t>
             </a:r>
           </a:p>
@@ -18258,13 +17946,6 @@
   <p:transition spd="slow">
     <p:wipe dir="d"/>
   </p:transition>
-  <p:timing>
-    <p:tnLst>
-      <p:par>
-        <p:cTn id="1" dur="indefinite" restart="never" nodeType="tmRoot"/>
-      </p:par>
-    </p:tnLst>
-  </p:timing>
 </p:sld>
 </file>
 
@@ -18308,10 +17989,9 @@
           <a:lstStyle/>
           <a:p>
             <a:r>
-              <a:rPr lang="en-US" sz="7200" dirty="0" smtClean="0"/>
+              <a:rPr lang="en-US" sz="7200" dirty="0"/>
               <a:t>Model View Controller (MVC)</a:t>
             </a:r>
-            <a:endParaRPr lang="en-US" sz="7200" dirty="0"/>
           </a:p>
         </p:txBody>
       </p:sp>
@@ -18353,13 +18033,6 @@
   <p:transition spd="slow">
     <p:fade/>
   </p:transition>
-  <p:timing>
-    <p:tnLst>
-      <p:par>
-        <p:cTn id="1" dur="indefinite" restart="never" nodeType="tmRoot"/>
-      </p:par>
-    </p:tnLst>
-  </p:timing>
 </p:sld>
 </file>
 
@@ -18404,10 +18077,9 @@
           <a:lstStyle/>
           <a:p>
             <a:r>
-              <a:rPr lang="en-US" dirty="0" smtClean="0"/>
+              <a:rPr lang="en-US" dirty="0"/>
               <a:t>UI View Design</a:t>
             </a:r>
-            <a:endParaRPr lang="en-US" dirty="0"/>
           </a:p>
         </p:txBody>
       </p:sp>
@@ -18440,14 +18112,14 @@
               <a:buNone/>
             </a:pPr>
             <a:r>
-              <a:rPr lang="en-SG" sz="3600" dirty="0" err="1" smtClean="0">
+              <a:rPr lang="en-SG" sz="3600" dirty="0" err="1">
                 <a:solidFill>
                   <a:srgbClr val="4F81BD"/>
                 </a:solidFill>
               </a:rPr>
               <a:t>EditText</a:t>
             </a:r>
-            <a:endParaRPr lang="en-SG" sz="3600" dirty="0" smtClean="0">
+            <a:endParaRPr lang="en-SG" sz="3600" dirty="0">
               <a:solidFill>
                 <a:srgbClr val="4F81BD"/>
               </a:solidFill>
@@ -18455,24 +18127,24 @@
           </a:p>
           <a:p>
             <a:r>
-              <a:rPr lang="en-SG" sz="3200" dirty="0" smtClean="0">
+              <a:rPr lang="en-SG" sz="3200" dirty="0">
                 <a:hlinkClick r:id="rId6"/>
               </a:rPr>
               <a:t>More about </a:t>
             </a:r>
             <a:r>
-              <a:rPr lang="en-SG" sz="3200" dirty="0" err="1" smtClean="0">
+              <a:rPr lang="en-SG" sz="3200" dirty="0" err="1">
                 <a:hlinkClick r:id="rId6"/>
               </a:rPr>
               <a:t>EditText</a:t>
             </a:r>
             <a:r>
-              <a:rPr lang="en-SG" sz="3200" dirty="0" smtClean="0">
+              <a:rPr lang="en-SG" sz="3200" dirty="0">
                 <a:hlinkClick r:id="rId6"/>
               </a:rPr>
               <a:t> widget</a:t>
             </a:r>
-            <a:endParaRPr lang="en-SG" dirty="0" smtClean="0"/>
+            <a:endParaRPr lang="en-SG" dirty="0"/>
           </a:p>
         </p:txBody>
       </p:sp>
@@ -18524,13 +18196,6 @@
   <p:transition spd="slow">
     <p:wipe dir="d"/>
   </p:transition>
-  <p:timing>
-    <p:tnLst>
-      <p:par>
-        <p:cTn id="1" dur="indefinite" restart="never" nodeType="tmRoot"/>
-      </p:par>
-    </p:tnLst>
-  </p:timing>
 </p:sld>
 </file>
 
@@ -18575,10 +18240,9 @@
           <a:lstStyle/>
           <a:p>
             <a:r>
-              <a:rPr lang="en-US" dirty="0" smtClean="0"/>
+              <a:rPr lang="en-US" dirty="0"/>
               <a:t>UI View Design</a:t>
             </a:r>
-            <a:endParaRPr lang="en-US" dirty="0"/>
           </a:p>
         </p:txBody>
       </p:sp>
@@ -18611,7 +18275,7 @@
               <a:buNone/>
             </a:pPr>
             <a:r>
-              <a:rPr lang="en-SG" sz="3600" dirty="0" smtClean="0">
+              <a:rPr lang="en-SG" sz="3600" dirty="0">
                 <a:solidFill>
                   <a:srgbClr val="4F81BD"/>
                 </a:solidFill>
@@ -18621,21 +18285,21 @@
           </a:p>
           <a:p>
             <a:r>
-              <a:rPr lang="en-US" sz="3200" dirty="0" smtClean="0"/>
+              <a:rPr lang="en-US" sz="3200" dirty="0"/>
               <a:t>Represents a push-button widget. Push-buttons can be pressed, or clicked, by the user to perform an action </a:t>
             </a:r>
           </a:p>
           <a:p>
             <a:r>
-              <a:rPr lang="en-SG" sz="3200" i="1" dirty="0" err="1" smtClean="0"/>
+              <a:rPr lang="en-SG" sz="3200" i="1" dirty="0" err="1"/>
               <a:t>android:id</a:t>
             </a:r>
             <a:r>
-              <a:rPr lang="en-SG" sz="3200" i="1" dirty="0" smtClean="0"/>
+              <a:rPr lang="en-SG" sz="3200" i="1" dirty="0"/>
               <a:t> =“</a:t>
             </a:r>
             <a:r>
-              <a:rPr lang="en-SG" sz="3200" i="1" dirty="0" smtClean="0">
+              <a:rPr lang="en-SG" sz="3200" i="1" dirty="0">
                 <a:solidFill>
                   <a:srgbClr val="002060"/>
                 </a:solidFill>
@@ -18643,7 +18307,7 @@
               <a:t>@+id/</a:t>
             </a:r>
             <a:r>
-              <a:rPr lang="en-SG" sz="3200" i="1" dirty="0" err="1" smtClean="0">
+              <a:rPr lang="en-SG" sz="3200" i="1" dirty="0" err="1">
                 <a:solidFill>
                   <a:srgbClr val="002060"/>
                 </a:solidFill>
@@ -18651,15 +18315,15 @@
               <a:t>button_save</a:t>
             </a:r>
             <a:r>
-              <a:rPr lang="en-SG" sz="3200" i="1" dirty="0" smtClean="0"/>
+              <a:rPr lang="en-SG" sz="3200" i="1" dirty="0"/>
               <a:t>” </a:t>
             </a:r>
             <a:r>
-              <a:rPr lang="en-SG" sz="3200" dirty="0" smtClean="0"/>
+              <a:rPr lang="en-SG" sz="3200" dirty="0"/>
               <a:t>creates an id named </a:t>
             </a:r>
             <a:r>
-              <a:rPr lang="en-SG" sz="3200" i="1" dirty="0" err="1" smtClean="0">
+              <a:rPr lang="en-SG" sz="3200" i="1" dirty="0" err="1">
                 <a:solidFill>
                   <a:srgbClr val="002060"/>
                 </a:solidFill>
@@ -18667,12 +18331,12 @@
               <a:t>button_save</a:t>
             </a:r>
             <a:r>
-              <a:rPr lang="en-SG" sz="3200" dirty="0" smtClean="0"/>
+              <a:rPr lang="en-SG" sz="3200" dirty="0"/>
               <a:t> in the namespace of the app</a:t>
             </a:r>
           </a:p>
           <a:p>
-            <a:endParaRPr lang="en-SG" sz="3200" dirty="0" smtClean="0"/>
+            <a:endParaRPr lang="en-SG" sz="3200" dirty="0"/>
           </a:p>
         </p:txBody>
       </p:sp>
@@ -18787,13 +18451,6 @@
   <p:transition spd="slow">
     <p:wipe dir="d"/>
   </p:transition>
-  <p:timing>
-    <p:tnLst>
-      <p:par>
-        <p:cTn id="1" dur="indefinite" restart="never" nodeType="tmRoot"/>
-      </p:par>
-    </p:tnLst>
-  </p:timing>
 </p:sld>
 </file>
 
@@ -18838,10 +18495,9 @@
           <a:lstStyle/>
           <a:p>
             <a:r>
-              <a:rPr lang="en-US" dirty="0" smtClean="0"/>
+              <a:rPr lang="en-US" dirty="0"/>
               <a:t>UI View Design</a:t>
             </a:r>
-            <a:endParaRPr lang="en-US" dirty="0"/>
           </a:p>
         </p:txBody>
       </p:sp>
@@ -18874,7 +18530,7 @@
               <a:buNone/>
             </a:pPr>
             <a:r>
-              <a:rPr lang="en-SG" sz="3600" dirty="0" smtClean="0">
+              <a:rPr lang="en-SG" sz="3600" dirty="0">
                 <a:solidFill>
                   <a:srgbClr val="4F81BD"/>
                 </a:solidFill>
@@ -18884,19 +18540,19 @@
           </a:p>
           <a:p>
             <a:r>
-              <a:rPr lang="en-US" sz="3200" dirty="0" smtClean="0">
+              <a:rPr lang="en-US" sz="3200" dirty="0">
                 <a:hlinkClick r:id="rId6"/>
               </a:rPr>
               <a:t>More about Button widget</a:t>
             </a:r>
             <a:r>
-              <a:rPr lang="en-US" sz="3200" dirty="0" smtClean="0"/>
+              <a:rPr lang="en-US" sz="3200" dirty="0"/>
               <a:t> </a:t>
             </a:r>
-            <a:endParaRPr lang="en-SG" sz="3200" dirty="0" smtClean="0"/>
-          </a:p>
-          <a:p>
-            <a:endParaRPr lang="en-SG" sz="3200" dirty="0" smtClean="0"/>
+            <a:endParaRPr lang="en-SG" sz="3200" dirty="0"/>
+          </a:p>
+          <a:p>
+            <a:endParaRPr lang="en-SG" sz="3200" dirty="0"/>
           </a:p>
         </p:txBody>
       </p:sp>
@@ -18948,13 +18604,6 @@
   <p:transition spd="slow">
     <p:wipe dir="d"/>
   </p:transition>
-  <p:timing>
-    <p:tnLst>
-      <p:par>
-        <p:cTn id="1" dur="indefinite" restart="never" nodeType="tmRoot"/>
-      </p:par>
-    </p:tnLst>
-  </p:timing>
 </p:sld>
 </file>
 
@@ -18998,11 +18647,11 @@
           <a:lstStyle/>
           <a:p>
             <a:r>
-              <a:rPr lang="en-US" sz="7200" dirty="0" smtClean="0"/>
+              <a:rPr lang="en-US" sz="7200" dirty="0"/>
               <a:t>Practical 1 – </a:t>
             </a:r>
             <a:r>
-              <a:rPr lang="en-US" sz="7200" smtClean="0"/>
+              <a:rPr lang="en-US" sz="7200"/>
               <a:t>Fancier UI View</a:t>
             </a:r>
             <a:endParaRPr lang="en-US" sz="7200" dirty="0"/>
@@ -19052,13 +18701,6 @@
   <p:transition spd="slow">
     <p:fade/>
   </p:transition>
-  <p:timing>
-    <p:tnLst>
-      <p:par>
-        <p:cTn id="1" dur="indefinite" restart="never" nodeType="tmRoot"/>
-      </p:par>
-    </p:tnLst>
-  </p:timing>
 </p:sld>
 </file>
 
@@ -19103,10 +18745,9 @@
           <a:lstStyle/>
           <a:p>
             <a:r>
-              <a:rPr lang="en-US" dirty="0" smtClean="0"/>
+              <a:rPr lang="en-US" dirty="0"/>
               <a:t>User Interface View Design</a:t>
             </a:r>
-            <a:endParaRPr lang="en-US" dirty="0"/>
           </a:p>
         </p:txBody>
       </p:sp>
@@ -19136,23 +18777,23 @@
           <a:lstStyle/>
           <a:p>
             <a:r>
-              <a:rPr lang="en-SG" sz="3600" dirty="0" smtClean="0"/>
+              <a:rPr lang="en-SG" sz="3600" dirty="0"/>
               <a:t>Instead of using </a:t>
             </a:r>
             <a:r>
-              <a:rPr lang="en-SG" sz="3600" dirty="0" err="1" smtClean="0"/>
+              <a:rPr lang="en-SG" sz="3600" dirty="0" err="1"/>
               <a:t>LinearLayout</a:t>
             </a:r>
             <a:r>
-              <a:rPr lang="en-SG" sz="3600" dirty="0" smtClean="0"/>
+              <a:rPr lang="en-SG" sz="3600" dirty="0"/>
               <a:t> with single column, </a:t>
             </a:r>
             <a:r>
-              <a:rPr lang="en-SG" sz="3600" dirty="0" err="1" smtClean="0"/>
+              <a:rPr lang="en-SG" sz="3600" dirty="0" err="1"/>
               <a:t>TableLayout</a:t>
             </a:r>
             <a:r>
-              <a:rPr lang="en-SG" sz="3600" dirty="0" smtClean="0"/>
+              <a:rPr lang="en-SG" sz="3600" dirty="0"/>
               <a:t> is used to improve the view design by arranging widgets in columns for optimization</a:t>
             </a:r>
           </a:p>
@@ -19198,13 +18839,6 @@
   <p:transition spd="slow">
     <p:wipe dir="d"/>
   </p:transition>
-  <p:timing>
-    <p:tnLst>
-      <p:par>
-        <p:cTn id="1" dur="indefinite" restart="never" nodeType="tmRoot"/>
-      </p:par>
-    </p:tnLst>
-  </p:timing>
 </p:sld>
 </file>
 
@@ -19273,10 +18907,9 @@
           <a:lstStyle/>
           <a:p>
             <a:r>
-              <a:rPr lang="en-US" dirty="0" smtClean="0"/>
+              <a:rPr lang="en-US" dirty="0"/>
               <a:t>User Interface View Design</a:t>
             </a:r>
-            <a:endParaRPr lang="en-US" dirty="0"/>
           </a:p>
         </p:txBody>
       </p:sp>
@@ -19309,49 +18942,49 @@
               <a:buNone/>
             </a:pPr>
             <a:r>
-              <a:rPr lang="en-SG" sz="3600" dirty="0" smtClean="0"/>
+              <a:rPr lang="en-SG" sz="3600" dirty="0"/>
               <a:t>The new form includes</a:t>
             </a:r>
           </a:p>
           <a:p>
             <a:r>
-              <a:rPr lang="en-SG" sz="3200" dirty="0" err="1" smtClean="0"/>
+              <a:rPr lang="en-SG" sz="3200" dirty="0" err="1"/>
               <a:t>TableLayout</a:t>
             </a:r>
             <a:r>
-              <a:rPr lang="en-SG" sz="3200" dirty="0" smtClean="0"/>
+              <a:rPr lang="en-SG" sz="3200" dirty="0"/>
               <a:t> &amp; </a:t>
             </a:r>
             <a:r>
-              <a:rPr lang="en-SG" sz="3200" dirty="0" err="1" smtClean="0"/>
+              <a:rPr lang="en-SG" sz="3200" dirty="0" err="1"/>
               <a:t>TableRow</a:t>
             </a:r>
             <a:r>
-              <a:rPr lang="en-SG" sz="3200" dirty="0" smtClean="0"/>
+              <a:rPr lang="en-SG" sz="3200" dirty="0"/>
               <a:t> – to arrange widgets in columns</a:t>
             </a:r>
           </a:p>
           <a:p>
             <a:r>
-              <a:rPr lang="en-SG" sz="3200" dirty="0" err="1" smtClean="0"/>
+              <a:rPr lang="en-SG" sz="3200" dirty="0" err="1"/>
               <a:t>RadioGroup</a:t>
             </a:r>
             <a:r>
-              <a:rPr lang="en-SG" sz="3200" dirty="0" smtClean="0"/>
+              <a:rPr lang="en-SG" sz="3200" dirty="0"/>
               <a:t> &amp; </a:t>
             </a:r>
             <a:r>
-              <a:rPr lang="en-SG" sz="3200" dirty="0" err="1" smtClean="0"/>
+              <a:rPr lang="en-SG" sz="3200" dirty="0" err="1"/>
               <a:t>RadioButton</a:t>
             </a:r>
             <a:r>
-              <a:rPr lang="en-SG" sz="3200" dirty="0" smtClean="0"/>
+              <a:rPr lang="en-SG" sz="3200" dirty="0"/>
               <a:t> – for restaurant type selection</a:t>
             </a:r>
           </a:p>
           <a:p>
             <a:r>
-              <a:rPr lang="en-SG" sz="3200" dirty="0" smtClean="0"/>
+              <a:rPr lang="en-SG" sz="3200" dirty="0"/>
               <a:t>ListView – to keep the restaurant records</a:t>
             </a:r>
           </a:p>
@@ -19496,13 +19129,6 @@
   <p:transition spd="slow">
     <p:wipe dir="d"/>
   </p:transition>
-  <p:timing>
-    <p:tnLst>
-      <p:par>
-        <p:cTn id="1" dur="indefinite" restart="never" nodeType="tmRoot"/>
-      </p:par>
-    </p:tnLst>
-  </p:timing>
 </p:sld>
 </file>
 
@@ -19571,10 +19197,9 @@
           <a:lstStyle/>
           <a:p>
             <a:r>
-              <a:rPr lang="en-US" dirty="0" smtClean="0"/>
+              <a:rPr lang="en-US" dirty="0"/>
               <a:t>User Interface View Design</a:t>
             </a:r>
-            <a:endParaRPr lang="en-US" dirty="0"/>
           </a:p>
         </p:txBody>
       </p:sp>
@@ -19607,14 +19232,14 @@
               <a:buNone/>
             </a:pPr>
             <a:r>
-              <a:rPr lang="en-SG" sz="3900" dirty="0" err="1" smtClean="0">
+              <a:rPr lang="en-SG" sz="3900" dirty="0" err="1">
                 <a:solidFill>
                   <a:schemeClr val="tx2"/>
                 </a:solidFill>
               </a:rPr>
               <a:t>TableLayout</a:t>
             </a:r>
-            <a:endParaRPr lang="en-SG" sz="3900" dirty="0" smtClean="0">
+            <a:endParaRPr lang="en-SG" sz="3900" dirty="0">
               <a:solidFill>
                 <a:schemeClr val="tx2"/>
               </a:solidFill>
@@ -19622,18 +19247,18 @@
           </a:p>
           <a:p>
             <a:r>
-              <a:rPr lang="en-US" sz="3200" dirty="0" smtClean="0"/>
+              <a:rPr lang="en-US" sz="3200" dirty="0"/>
               <a:t>A layout that arranges its children into rows and columns and it consists of a number of </a:t>
             </a:r>
             <a:r>
-              <a:rPr lang="en-US" sz="3200" dirty="0" err="1" smtClean="0"/>
+              <a:rPr lang="en-US" sz="3200" dirty="0" err="1"/>
               <a:t>TableRow</a:t>
             </a:r>
             <a:r>
-              <a:rPr lang="en-US" sz="3200" dirty="0" smtClean="0"/>
+              <a:rPr lang="en-US" sz="3200" dirty="0"/>
               <a:t> objects</a:t>
             </a:r>
-            <a:endParaRPr lang="en-SG" sz="3200" dirty="0" smtClean="0"/>
+            <a:endParaRPr lang="en-SG" sz="3200" dirty="0"/>
           </a:p>
         </p:txBody>
       </p:sp>
@@ -19653,13 +19278,6 @@
   <p:transition spd="slow">
     <p:wipe dir="d"/>
   </p:transition>
-  <p:timing>
-    <p:tnLst>
-      <p:par>
-        <p:cTn id="1" dur="indefinite" restart="never" nodeType="tmRoot"/>
-      </p:par>
-    </p:tnLst>
-  </p:timing>
 </p:sld>
 </file>
 
@@ -19709,14 +19327,14 @@
               <a:buNone/>
             </a:pPr>
             <a:r>
-              <a:rPr lang="en-SG" sz="3900" dirty="0" err="1" smtClean="0">
+              <a:rPr lang="en-SG" sz="3900" dirty="0" err="1">
                 <a:solidFill>
                   <a:schemeClr val="tx2"/>
                 </a:solidFill>
               </a:rPr>
               <a:t>TableLayout</a:t>
             </a:r>
-            <a:endParaRPr lang="en-SG" sz="3900" dirty="0" smtClean="0">
+            <a:endParaRPr lang="en-SG" sz="3900" dirty="0">
               <a:solidFill>
                 <a:schemeClr val="tx2"/>
               </a:solidFill>
@@ -19724,26 +19342,26 @@
           </a:p>
           <a:p>
             <a:r>
-              <a:rPr lang="en-US" sz="3200" i="1" dirty="0" err="1" smtClean="0"/>
+              <a:rPr lang="en-US" sz="3200" i="1" dirty="0" err="1"/>
               <a:t>android:stretchColumn</a:t>
             </a:r>
             <a:r>
-              <a:rPr lang="en-US" sz="3200" i="1" dirty="0" smtClean="0"/>
+              <a:rPr lang="en-US" sz="3200" i="1" dirty="0"/>
               <a:t>=“1” </a:t>
             </a:r>
             <a:r>
-              <a:rPr lang="en-US" sz="3200" dirty="0" smtClean="0"/>
+              <a:rPr lang="en-US" sz="3200" dirty="0"/>
               <a:t>stretches the </a:t>
             </a:r>
             <a:r>
-              <a:rPr lang="en-US" sz="3200" dirty="0" err="1" smtClean="0"/>
+              <a:rPr lang="en-US" sz="3200" dirty="0" err="1"/>
               <a:t>EditText</a:t>
             </a:r>
             <a:r>
-              <a:rPr lang="en-US" sz="3200" dirty="0" smtClean="0"/>
+              <a:rPr lang="en-US" sz="3200" dirty="0"/>
               <a:t> widget which is at column 1 to occupy the screen</a:t>
             </a:r>
-            <a:endParaRPr lang="en-SG" sz="3200" dirty="0" smtClean="0"/>
+            <a:endParaRPr lang="en-SG" sz="3200" dirty="0"/>
           </a:p>
         </p:txBody>
       </p:sp>
@@ -19811,10 +19429,9 @@
           <a:lstStyle/>
           <a:p>
             <a:r>
-              <a:rPr lang="en-US" dirty="0" smtClean="0"/>
+              <a:rPr lang="en-US" dirty="0"/>
               <a:t>User Interface View Design</a:t>
             </a:r>
-            <a:endParaRPr lang="en-US" dirty="0"/>
           </a:p>
         </p:txBody>
       </p:sp>
@@ -20000,13 +19617,6 @@
   <p:transition spd="slow">
     <p:wipe dir="d"/>
   </p:transition>
-  <p:timing>
-    <p:tnLst>
-      <p:par>
-        <p:cTn id="1" dur="indefinite" restart="never" nodeType="tmRoot"/>
-      </p:par>
-    </p:tnLst>
-  </p:timing>
 </p:sld>
 </file>
 
@@ -20056,14 +19666,14 @@
               <a:buNone/>
             </a:pPr>
             <a:r>
-              <a:rPr lang="en-SG" sz="3900" dirty="0" err="1" smtClean="0">
+              <a:rPr lang="en-SG" sz="3900" dirty="0" err="1">
                 <a:solidFill>
                   <a:schemeClr val="tx2"/>
                 </a:solidFill>
               </a:rPr>
               <a:t>TableLayout</a:t>
             </a:r>
-            <a:endParaRPr lang="en-SG" sz="3900" dirty="0" smtClean="0">
+            <a:endParaRPr lang="en-SG" sz="3900" dirty="0">
               <a:solidFill>
                 <a:schemeClr val="tx2"/>
               </a:solidFill>
@@ -20071,30 +19681,30 @@
           </a:p>
           <a:p>
             <a:r>
-              <a:rPr lang="en-US" sz="3200" dirty="0" smtClean="0">
+              <a:rPr lang="en-US" sz="3200" dirty="0">
                 <a:hlinkClick r:id="rId6"/>
               </a:rPr>
               <a:t>More about </a:t>
             </a:r>
             <a:r>
-              <a:rPr lang="en-US" sz="3200" dirty="0" err="1" smtClean="0">
+              <a:rPr lang="en-US" sz="3200" dirty="0" err="1">
                 <a:hlinkClick r:id="rId6"/>
               </a:rPr>
               <a:t>TableLayout</a:t>
             </a:r>
             <a:r>
-              <a:rPr lang="en-US" sz="3200" dirty="0" smtClean="0">
+              <a:rPr lang="en-US" sz="3200" dirty="0">
                 <a:hlinkClick r:id="rId6"/>
               </a:rPr>
               <a:t> &amp; </a:t>
             </a:r>
             <a:r>
-              <a:rPr lang="en-US" sz="3200" dirty="0" err="1" smtClean="0">
+              <a:rPr lang="en-US" sz="3200" dirty="0" err="1">
                 <a:hlinkClick r:id="rId6"/>
               </a:rPr>
               <a:t>TableRow</a:t>
             </a:r>
-            <a:endParaRPr lang="en-SG" sz="3200" dirty="0" smtClean="0"/>
+            <a:endParaRPr lang="en-SG" sz="3200" dirty="0"/>
           </a:p>
         </p:txBody>
       </p:sp>
@@ -20154,10 +19764,9 @@
           <a:lstStyle/>
           <a:p>
             <a:r>
-              <a:rPr lang="en-US" dirty="0" smtClean="0"/>
+              <a:rPr lang="en-US" dirty="0"/>
               <a:t>User Interface View Design</a:t>
             </a:r>
-            <a:endParaRPr lang="en-US" dirty="0"/>
           </a:p>
         </p:txBody>
       </p:sp>
@@ -20177,13 +19786,6 @@
   <p:transition spd="slow">
     <p:wipe dir="d"/>
   </p:transition>
-  <p:timing>
-    <p:tnLst>
-      <p:par>
-        <p:cTn id="1" dur="indefinite" restart="never" nodeType="tmRoot"/>
-      </p:par>
-    </p:tnLst>
-  </p:timing>
 </p:sld>
 </file>
 
@@ -20281,14 +19883,14 @@
               <a:buNone/>
             </a:pPr>
             <a:r>
-              <a:rPr lang="en-SG" sz="3900" dirty="0" err="1" smtClean="0">
+              <a:rPr lang="en-SG" sz="3900" dirty="0" err="1">
                 <a:solidFill>
                   <a:schemeClr val="tx2"/>
                 </a:solidFill>
               </a:rPr>
               <a:t>RadioGroup</a:t>
             </a:r>
-            <a:endParaRPr lang="en-SG" sz="3900" dirty="0" smtClean="0">
+            <a:endParaRPr lang="en-SG" sz="3900" dirty="0">
               <a:solidFill>
                 <a:schemeClr val="tx2"/>
               </a:solidFill>
@@ -20296,7 +19898,7 @@
           </a:p>
           <a:p>
             <a:r>
-              <a:rPr lang="en-US" sz="3200" dirty="0" smtClean="0"/>
+              <a:rPr lang="en-US" sz="3200" dirty="0"/>
               <a:t>It is used to create a multiple-exclusion scope for a set of radio buttons</a:t>
             </a:r>
           </a:p>
@@ -20326,10 +19928,9 @@
           <a:lstStyle/>
           <a:p>
             <a:r>
-              <a:rPr lang="en-US" dirty="0" smtClean="0"/>
+              <a:rPr lang="en-US" dirty="0"/>
               <a:t>User Interface View Design</a:t>
             </a:r>
-            <a:endParaRPr lang="en-US" dirty="0"/>
           </a:p>
         </p:txBody>
       </p:sp>
@@ -20473,13 +20074,6 @@
   <p:transition spd="slow">
     <p:wipe dir="d"/>
   </p:transition>
-  <p:timing>
-    <p:tnLst>
-      <p:par>
-        <p:cTn id="1" dur="indefinite" restart="never" nodeType="tmRoot"/>
-      </p:par>
-    </p:tnLst>
-  </p:timing>
 </p:sld>
 </file>
 
@@ -20524,10 +20118,9 @@
           <a:lstStyle/>
           <a:p>
             <a:r>
-              <a:rPr lang="en-US" dirty="0" smtClean="0"/>
+              <a:rPr lang="en-US" dirty="0"/>
               <a:t>Model-View-Controller (MVC)</a:t>
             </a:r>
-            <a:endParaRPr lang="en-US" dirty="0"/>
           </a:p>
         </p:txBody>
       </p:sp>
@@ -20557,15 +20150,11 @@
           <a:lstStyle/>
           <a:p>
             <a:r>
-              <a:rPr lang="en-SG" sz="3200" dirty="0" smtClean="0"/>
-              <a:t>MVC </a:t>
-            </a:r>
-            <a:r>
               <a:rPr lang="en-SG" sz="3200" dirty="0"/>
-              <a:t>is </a:t>
-            </a:r>
-            <a:r>
-              <a:rPr lang="en-SG" sz="3200" dirty="0" smtClean="0">
+              <a:t>MVC is </a:t>
+            </a:r>
+            <a:r>
+              <a:rPr lang="en-SG" sz="3200" dirty="0">
                 <a:solidFill>
                   <a:srgbClr val="FF0000"/>
                 </a:solidFill>
@@ -20588,23 +20177,22 @@
               <a:rPr lang="en-SG" sz="3200" dirty="0"/>
               <a:t>into three roles: </a:t>
             </a:r>
-            <a:endParaRPr lang="en-SG" sz="3200" dirty="0" smtClean="0"/>
           </a:p>
           <a:p>
             <a:pPr lvl="1"/>
             <a:r>
-              <a:rPr lang="en-SG" sz="2800" i="1" dirty="0" smtClean="0"/>
+              <a:rPr lang="en-SG" sz="2800" i="1" dirty="0"/>
               <a:t>Model</a:t>
             </a:r>
             <a:r>
-              <a:rPr lang="en-SG" sz="2800" dirty="0" smtClean="0"/>
+              <a:rPr lang="en-SG" sz="2800" dirty="0"/>
               <a:t> </a:t>
             </a:r>
           </a:p>
           <a:p>
             <a:pPr lvl="1"/>
             <a:r>
-              <a:rPr lang="en-SG" sz="2800" i="1" dirty="0" smtClean="0"/>
+              <a:rPr lang="en-SG" sz="2800" i="1" dirty="0"/>
               <a:t>View</a:t>
             </a:r>
             <a:endParaRPr lang="en-SG" sz="2800" dirty="0"/>
@@ -20612,7 +20200,7 @@
           <a:p>
             <a:pPr lvl="1"/>
             <a:r>
-              <a:rPr lang="en-SG" sz="2800" i="1" dirty="0" smtClean="0"/>
+              <a:rPr lang="en-SG" sz="2800" i="1" dirty="0"/>
               <a:t>Controller</a:t>
             </a:r>
           </a:p>
@@ -20654,14 +20242,14 @@
           <a:effectLst/>
           <a:extLst>
             <a:ext uri="{909E8E84-426E-40dd-AFC4-6F175D3DCCD1}">
-              <a14:hiddenFill xmlns:a14="http://schemas.microsoft.com/office/drawing/2010/main" xmlns="">
+              <a14:hiddenFill xmlns="" xmlns:a14="http://schemas.microsoft.com/office/drawing/2010/main">
                 <a:solidFill>
                   <a:schemeClr val="accent1"/>
                 </a:solidFill>
               </a14:hiddenFill>
             </a:ext>
             <a:ext uri="{91240B29-F687-4f45-9708-019B960494DF}">
-              <a14:hiddenLine xmlns:a14="http://schemas.microsoft.com/office/drawing/2010/main" xmlns="" w="9525">
+              <a14:hiddenLine xmlns="" xmlns:a14="http://schemas.microsoft.com/office/drawing/2010/main" w="9525">
                 <a:solidFill>
                   <a:schemeClr val="tx1"/>
                 </a:solidFill>
@@ -20671,7 +20259,7 @@
               </a14:hiddenLine>
             </a:ext>
             <a:ext uri="{AF507438-7753-43e0-B8FC-AC1667EBCBE1}">
-              <a14:hiddenEffects xmlns:a14="http://schemas.microsoft.com/office/drawing/2010/main" xmlns="">
+              <a14:hiddenEffects xmlns="" xmlns:a14="http://schemas.microsoft.com/office/drawing/2010/main">
                 <a:effectLst>
                   <a:outerShdw dist="35921" dir="2700000" algn="ctr" rotWithShape="0">
                     <a:schemeClr val="bg2"/>
@@ -21189,14 +20777,14 @@
               <a:buNone/>
             </a:pPr>
             <a:r>
-              <a:rPr lang="en-SG" sz="3900" dirty="0" err="1" smtClean="0">
+              <a:rPr lang="en-SG" sz="3900" dirty="0" err="1">
                 <a:solidFill>
                   <a:schemeClr val="tx2"/>
                 </a:solidFill>
               </a:rPr>
               <a:t>RadioGroup</a:t>
             </a:r>
-            <a:endParaRPr lang="en-SG" sz="3900" dirty="0" smtClean="0">
+            <a:endParaRPr lang="en-SG" sz="3900" dirty="0">
               <a:solidFill>
                 <a:schemeClr val="tx2"/>
               </a:solidFill>
@@ -21204,24 +20792,24 @@
           </a:p>
           <a:p>
             <a:r>
-              <a:rPr lang="en-US" sz="3200" dirty="0" smtClean="0">
+              <a:rPr lang="en-US" sz="3200" dirty="0">
                 <a:hlinkClick r:id="rId6"/>
               </a:rPr>
               <a:t>More about </a:t>
             </a:r>
             <a:r>
-              <a:rPr lang="en-US" sz="3200" dirty="0" err="1" smtClean="0">
+              <a:rPr lang="en-US" sz="3200" dirty="0" err="1">
                 <a:hlinkClick r:id="rId6"/>
               </a:rPr>
               <a:t>RadioGroup</a:t>
             </a:r>
             <a:r>
-              <a:rPr lang="en-US" sz="3200" dirty="0" smtClean="0">
+              <a:rPr lang="en-US" sz="3200" dirty="0">
                 <a:hlinkClick r:id="rId6"/>
               </a:rPr>
               <a:t> widget</a:t>
             </a:r>
-            <a:endParaRPr lang="en-SG" sz="3200" dirty="0" smtClean="0"/>
+            <a:endParaRPr lang="en-SG" sz="3200" dirty="0"/>
           </a:p>
         </p:txBody>
       </p:sp>
@@ -21281,10 +20869,9 @@
           <a:lstStyle/>
           <a:p>
             <a:r>
-              <a:rPr lang="en-US" dirty="0" smtClean="0"/>
+              <a:rPr lang="en-US" dirty="0"/>
               <a:t>User Interface View Design</a:t>
             </a:r>
-            <a:endParaRPr lang="en-US" dirty="0"/>
           </a:p>
         </p:txBody>
       </p:sp>
@@ -21304,13 +20891,6 @@
   <p:transition spd="slow">
     <p:wipe dir="d"/>
   </p:transition>
-  <p:timing>
-    <p:tnLst>
-      <p:par>
-        <p:cTn id="1" dur="indefinite" restart="never" nodeType="tmRoot"/>
-      </p:par>
-    </p:tnLst>
-  </p:timing>
 </p:sld>
 </file>
 
@@ -21384,14 +20964,14 @@
               <a:buNone/>
             </a:pPr>
             <a:r>
-              <a:rPr lang="en-SG" sz="3900" dirty="0" err="1" smtClean="0">
+              <a:rPr lang="en-SG" sz="3900" dirty="0" err="1">
                 <a:solidFill>
                   <a:schemeClr val="tx2"/>
                 </a:solidFill>
               </a:rPr>
               <a:t>ListView</a:t>
             </a:r>
-            <a:endParaRPr lang="en-SG" sz="3900" dirty="0" smtClean="0">
+            <a:endParaRPr lang="en-SG" sz="3900" dirty="0">
               <a:solidFill>
                 <a:schemeClr val="tx2"/>
               </a:solidFill>
@@ -21399,18 +20979,18 @@
           </a:p>
           <a:p>
             <a:r>
-              <a:rPr lang="en-US" sz="3200" dirty="0" smtClean="0"/>
+              <a:rPr lang="en-US" sz="3200" dirty="0"/>
               <a:t>A view that shows items in a vertically scrolling list. The items come from the </a:t>
             </a:r>
             <a:r>
-              <a:rPr lang="en-US" sz="3200" dirty="0" err="1" smtClean="0"/>
+              <a:rPr lang="en-US" sz="3200" dirty="0" err="1"/>
               <a:t>ListAdapter</a:t>
             </a:r>
             <a:r>
-              <a:rPr lang="en-US" sz="3200" dirty="0" smtClean="0"/>
+              <a:rPr lang="en-US" sz="3200" dirty="0"/>
               <a:t> associated with this view</a:t>
             </a:r>
-            <a:endParaRPr lang="en-SG" sz="3200" dirty="0" smtClean="0"/>
+            <a:endParaRPr lang="en-SG" sz="3200" dirty="0"/>
           </a:p>
         </p:txBody>
       </p:sp>
@@ -21438,10 +21018,9 @@
           <a:lstStyle/>
           <a:p>
             <a:r>
-              <a:rPr lang="en-US" dirty="0" smtClean="0"/>
+              <a:rPr lang="en-US" dirty="0"/>
               <a:t>User Interface View Design</a:t>
             </a:r>
-            <a:endParaRPr lang="en-US" dirty="0"/>
           </a:p>
         </p:txBody>
       </p:sp>
@@ -21609,13 +21188,6 @@
   <p:transition spd="slow">
     <p:wipe dir="d"/>
   </p:transition>
-  <p:timing>
-    <p:tnLst>
-      <p:par>
-        <p:cTn id="1" dur="indefinite" restart="never" nodeType="tmRoot"/>
-      </p:par>
-    </p:tnLst>
-  </p:timing>
 </p:sld>
 </file>
 
@@ -21665,14 +21237,14 @@
               <a:buNone/>
             </a:pPr>
             <a:r>
-              <a:rPr lang="en-SG" sz="3900" dirty="0" err="1" smtClean="0">
+              <a:rPr lang="en-SG" sz="3900" dirty="0" err="1">
                 <a:solidFill>
                   <a:schemeClr val="tx2"/>
                 </a:solidFill>
               </a:rPr>
               <a:t>ListView</a:t>
             </a:r>
-            <a:endParaRPr lang="en-SG" sz="3900" dirty="0" smtClean="0">
+            <a:endParaRPr lang="en-SG" sz="3900" dirty="0">
               <a:solidFill>
                 <a:schemeClr val="tx2"/>
               </a:solidFill>
@@ -21680,18 +21252,18 @@
           </a:p>
           <a:p>
             <a:r>
-              <a:rPr lang="en-US" sz="3200" dirty="0" smtClean="0">
+              <a:rPr lang="en-US" sz="3200" dirty="0">
                 <a:hlinkClick r:id="rId6"/>
               </a:rPr>
               <a:t>More about </a:t>
             </a:r>
             <a:r>
-              <a:rPr lang="en-US" sz="3200" dirty="0" err="1" smtClean="0">
+              <a:rPr lang="en-US" sz="3200" dirty="0" err="1">
                 <a:hlinkClick r:id="rId6"/>
               </a:rPr>
               <a:t>ListView</a:t>
             </a:r>
-            <a:endParaRPr lang="en-SG" sz="3200" dirty="0" smtClean="0"/>
+            <a:endParaRPr lang="en-SG" sz="3200" dirty="0"/>
           </a:p>
         </p:txBody>
       </p:sp>
@@ -21751,10 +21323,9 @@
           <a:lstStyle/>
           <a:p>
             <a:r>
-              <a:rPr lang="en-US" dirty="0" smtClean="0"/>
+              <a:rPr lang="en-US" dirty="0"/>
               <a:t>User Interface View Design</a:t>
             </a:r>
-            <a:endParaRPr lang="en-US" dirty="0"/>
           </a:p>
         </p:txBody>
       </p:sp>
@@ -21774,13 +21345,6 @@
   <p:transition spd="slow">
     <p:wipe dir="d"/>
   </p:transition>
-  <p:timing>
-    <p:tnLst>
-      <p:par>
-        <p:cTn id="1" dur="indefinite" restart="never" nodeType="tmRoot"/>
-      </p:par>
-    </p:tnLst>
-  </p:timing>
 </p:sld>
 </file>
 
@@ -21827,10 +21391,9 @@
           <a:lstStyle/>
           <a:p>
             <a:r>
-              <a:rPr lang="en-US" dirty="0" smtClean="0"/>
+              <a:rPr lang="en-US" dirty="0"/>
               <a:t>Layout Resource</a:t>
             </a:r>
-            <a:endParaRPr lang="en-US" dirty="0"/>
           </a:p>
         </p:txBody>
       </p:sp>
@@ -21860,7 +21423,7 @@
           <a:lstStyle/>
           <a:p>
             <a:r>
-              <a:rPr lang="en-SG" sz="3200" dirty="0" smtClean="0">
+              <a:rPr lang="en-SG" sz="3200" dirty="0">
                 <a:solidFill>
                   <a:schemeClr val="tx2"/>
                 </a:solidFill>
@@ -21873,12 +21436,12 @@
               <a:buNone/>
             </a:pPr>
             <a:r>
-              <a:rPr lang="en-US" dirty="0" smtClean="0">
+              <a:rPr lang="en-US" dirty="0">
                 <a:hlinkClick r:id="rId6"/>
               </a:rPr>
               <a:t>http://developer.android.com/guide/topics/resources/layout-resource.html</a:t>
             </a:r>
-            <a:endParaRPr lang="en-SG" dirty="0" smtClean="0">
+            <a:endParaRPr lang="en-SG" dirty="0">
               <a:solidFill>
                 <a:schemeClr val="tx2"/>
               </a:solidFill>
@@ -21934,13 +21497,6 @@
   <p:transition spd="slow">
     <p:wipe dir="d"/>
   </p:transition>
-  <p:timing>
-    <p:tnLst>
-      <p:par>
-        <p:cTn id="1" dur="indefinite" restart="never" nodeType="tmRoot"/>
-      </p:par>
-    </p:tnLst>
-  </p:timing>
 </p:sld>
 </file>
 
@@ -21984,10 +21540,9 @@
           <a:lstStyle/>
           <a:p>
             <a:r>
-              <a:rPr lang="en-US" sz="7200" dirty="0" smtClean="0"/>
+              <a:rPr lang="en-US" sz="7200" dirty="0"/>
               <a:t>Practical 1 – Model</a:t>
             </a:r>
-            <a:endParaRPr lang="en-US" sz="7200" dirty="0"/>
           </a:p>
         </p:txBody>
       </p:sp>
@@ -22034,13 +21589,6 @@
   <p:transition spd="slow">
     <p:fade/>
   </p:transition>
-  <p:timing>
-    <p:tnLst>
-      <p:par>
-        <p:cTn id="1" dur="indefinite" restart="never" nodeType="tmRoot"/>
-      </p:par>
-    </p:tnLst>
-  </p:timing>
 </p:sld>
 </file>
 
@@ -22087,10 +21635,9 @@
           <a:lstStyle/>
           <a:p>
             <a:r>
-              <a:rPr lang="en-US" dirty="0" smtClean="0"/>
+              <a:rPr lang="en-US" dirty="0"/>
               <a:t>Model</a:t>
             </a:r>
-            <a:endParaRPr lang="en-US" dirty="0"/>
           </a:p>
         </p:txBody>
       </p:sp>
@@ -22125,22 +21672,14 @@
                   <a:srgbClr val="FF0000"/>
                 </a:solidFill>
               </a:rPr>
-              <a:t>U</a:t>
-            </a:r>
-            <a:r>
-              <a:rPr lang="en-SG" sz="3600" dirty="0" smtClean="0">
-                <a:solidFill>
-                  <a:srgbClr val="FF0000"/>
-                </a:solidFill>
-              </a:rPr>
-              <a:t>ser</a:t>
-            </a:r>
-            <a:r>
-              <a:rPr lang="en-SG" sz="3600" dirty="0" smtClean="0"/>
+              <a:t>User</a:t>
+            </a:r>
+            <a:r>
+              <a:rPr lang="en-SG" sz="3600" dirty="0"/>
               <a:t> can </a:t>
             </a:r>
             <a:r>
-              <a:rPr lang="en-SG" sz="3600" dirty="0" smtClean="0">
+              <a:rPr lang="en-SG" sz="3600" dirty="0">
                 <a:solidFill>
                   <a:srgbClr val="FF0000"/>
                 </a:solidFill>
@@ -22148,11 +21687,11 @@
               <a:t>see and input data in </a:t>
             </a:r>
             <a:r>
-              <a:rPr lang="en-SG" sz="3600" dirty="0" smtClean="0"/>
+              <a:rPr lang="en-SG" sz="3600" dirty="0"/>
               <a:t>UI </a:t>
             </a:r>
             <a:r>
-              <a:rPr lang="en-SG" sz="3600" dirty="0" smtClean="0">
+              <a:rPr lang="en-SG" sz="3600" dirty="0">
                 <a:solidFill>
                   <a:srgbClr val="FF0000"/>
                 </a:solidFill>
@@ -22160,11 +21699,11 @@
               <a:t>View</a:t>
             </a:r>
             <a:r>
-              <a:rPr lang="en-SG" sz="3600" dirty="0" smtClean="0"/>
+              <a:rPr lang="en-SG" sz="3600" dirty="0"/>
               <a:t>. As for </a:t>
             </a:r>
             <a:r>
-              <a:rPr lang="en-SG" sz="3600" dirty="0" smtClean="0">
+              <a:rPr lang="en-SG" sz="3600" dirty="0">
                 <a:solidFill>
                   <a:srgbClr val="FF0000"/>
                 </a:solidFill>
@@ -22172,11 +21711,11 @@
               <a:t>program</a:t>
             </a:r>
             <a:r>
-              <a:rPr lang="en-SG" sz="3600" dirty="0" smtClean="0"/>
+              <a:rPr lang="en-SG" sz="3600" dirty="0"/>
               <a:t>, it </a:t>
             </a:r>
             <a:r>
-              <a:rPr lang="en-SG" sz="3600" dirty="0" smtClean="0">
+              <a:rPr lang="en-SG" sz="3600" dirty="0">
                 <a:solidFill>
                   <a:srgbClr val="FF0000"/>
                 </a:solidFill>
@@ -22184,25 +21723,17 @@
               <a:t>cannot “see”</a:t>
             </a:r>
             <a:r>
-              <a:rPr lang="en-SG" sz="3600" dirty="0" smtClean="0"/>
-              <a:t> what human eyes see</a:t>
-            </a:r>
-            <a:r>
               <a:rPr lang="en-SG" sz="3600" dirty="0"/>
-              <a:t> </a:t>
-            </a:r>
-            <a:r>
-              <a:rPr lang="en-SG" sz="3600" dirty="0" smtClean="0"/>
-              <a:t>in View -&gt; it is “blind”!</a:t>
-            </a:r>
-          </a:p>
-          <a:p>
-            <a:r>
-              <a:rPr lang="en-SG" sz="3600" dirty="0" smtClean="0"/>
+              <a:t> what human eyes see in View -&gt; it is “blind”!</a:t>
+            </a:r>
+          </a:p>
+          <a:p>
+            <a:r>
+              <a:rPr lang="en-SG" sz="3600" dirty="0"/>
               <a:t>In order for </a:t>
             </a:r>
             <a:r>
-              <a:rPr lang="en-SG" sz="3600" dirty="0" smtClean="0">
+              <a:rPr lang="en-SG" sz="3600" dirty="0">
                 <a:solidFill>
                   <a:srgbClr val="FF0000"/>
                 </a:solidFill>
@@ -22210,11 +21741,11 @@
               <a:t>program</a:t>
             </a:r>
             <a:r>
-              <a:rPr lang="en-SG" sz="3600" dirty="0" smtClean="0"/>
+              <a:rPr lang="en-SG" sz="3600" dirty="0"/>
               <a:t> to be able to </a:t>
             </a:r>
             <a:r>
-              <a:rPr lang="en-SG" sz="3600" dirty="0" smtClean="0">
+              <a:rPr lang="en-SG" sz="3600" dirty="0">
                 <a:solidFill>
                   <a:srgbClr val="FF0000"/>
                 </a:solidFill>
@@ -22222,11 +21753,11 @@
               <a:t>“see” </a:t>
             </a:r>
             <a:r>
-              <a:rPr lang="en-SG" sz="3600" dirty="0" smtClean="0"/>
+              <a:rPr lang="en-SG" sz="3600" dirty="0"/>
               <a:t>the data on a view, we will need to create a Model with a set of data handling methods (getter and setter) for reading and writing </a:t>
             </a:r>
             <a:r>
-              <a:rPr lang="en-SG" sz="3600" dirty="0" smtClean="0">
+              <a:rPr lang="en-SG" sz="3600" dirty="0">
                 <a:solidFill>
                   <a:srgbClr val="FF0000"/>
                 </a:solidFill>
@@ -22234,7 +21765,7 @@
               <a:t>data into memory</a:t>
             </a:r>
             <a:r>
-              <a:rPr lang="en-SG" sz="3600" dirty="0" smtClean="0"/>
+              <a:rPr lang="en-SG" sz="3600" dirty="0"/>
               <a:t> </a:t>
             </a:r>
           </a:p>
@@ -22256,13 +21787,6 @@
   <p:transition spd="slow">
     <p:wipe dir="d"/>
   </p:transition>
-  <p:timing>
-    <p:tnLst>
-      <p:par>
-        <p:cTn id="1" dur="indefinite" restart="never" nodeType="tmRoot"/>
-      </p:par>
-    </p:tnLst>
-  </p:timing>
 </p:sld>
 </file>
 
@@ -22309,7 +21833,7 @@
           <a:lstStyle/>
           <a:p>
             <a:r>
-              <a:rPr lang="en-SG" sz="3600" dirty="0" smtClean="0"/>
+              <a:rPr lang="en-SG" sz="3600" dirty="0"/>
               <a:t>With the view design ready, we want to add a </a:t>
             </a:r>
             <a:r>
@@ -22318,18 +21842,10 @@
                   <a:srgbClr val="FF0000"/>
                 </a:solidFill>
               </a:rPr>
-              <a:t>M</a:t>
-            </a:r>
-            <a:r>
-              <a:rPr lang="en-SG" sz="3600" dirty="0" smtClean="0">
-                <a:solidFill>
-                  <a:srgbClr val="FF0000"/>
-                </a:solidFill>
-              </a:rPr>
-              <a:t>odel class </a:t>
-            </a:r>
-            <a:r>
-              <a:rPr lang="en-SG" sz="3600" i="1" dirty="0" smtClean="0">
+              <a:t>Model class </a:t>
+            </a:r>
+            <a:r>
+              <a:rPr lang="en-SG" sz="3600" i="1" dirty="0">
                 <a:solidFill>
                   <a:srgbClr val="FF0000"/>
                 </a:solidFill>
@@ -22339,7 +21855,7 @@
               <a:t>Restaurant.java</a:t>
             </a:r>
             <a:r>
-              <a:rPr lang="en-SG" sz="3600" dirty="0" smtClean="0">
+              <a:rPr lang="en-SG" sz="3600" dirty="0">
                 <a:solidFill>
                   <a:srgbClr val="FF0000"/>
                 </a:solidFill>
@@ -22347,11 +21863,11 @@
               <a:t> </a:t>
             </a:r>
             <a:r>
-              <a:rPr lang="en-SG" sz="3600" dirty="0" smtClean="0"/>
+              <a:rPr lang="en-SG" sz="3600" dirty="0"/>
               <a:t>to </a:t>
             </a:r>
             <a:r>
-              <a:rPr lang="en-SG" sz="3600" dirty="0" smtClean="0">
+              <a:rPr lang="en-SG" sz="3600" dirty="0">
                 <a:solidFill>
                   <a:srgbClr val="FF0000"/>
                 </a:solidFill>
@@ -22359,11 +21875,11 @@
               <a:t>hold</a:t>
             </a:r>
             <a:r>
-              <a:rPr lang="en-SG" sz="3600" dirty="0" smtClean="0"/>
+              <a:rPr lang="en-SG" sz="3600" dirty="0"/>
               <a:t> a </a:t>
             </a:r>
             <a:r>
-              <a:rPr lang="en-SG" sz="3600" dirty="0" smtClean="0">
+              <a:rPr lang="en-SG" sz="3600" dirty="0">
                 <a:solidFill>
                   <a:srgbClr val="FF0000"/>
                 </a:solidFill>
@@ -22373,7 +21889,7 @@
           </a:p>
           <a:p>
             <a:r>
-              <a:rPr lang="en-SG" sz="3600" dirty="0" smtClean="0"/>
+              <a:rPr lang="en-SG" sz="3600" dirty="0"/>
               <a:t>A sets of getters and setters will be created to handle data in the model</a:t>
             </a:r>
           </a:p>
@@ -22405,10 +21921,9 @@
           <a:lstStyle/>
           <a:p>
             <a:r>
-              <a:rPr lang="en-US" dirty="0" smtClean="0"/>
+              <a:rPr lang="en-US" dirty="0"/>
               <a:t>Model</a:t>
             </a:r>
-            <a:endParaRPr lang="en-US" dirty="0"/>
           </a:p>
         </p:txBody>
       </p:sp>
@@ -22452,13 +21967,6 @@
   <p:transition spd="slow">
     <p:wipe dir="d"/>
   </p:transition>
-  <p:timing>
-    <p:tnLst>
-      <p:par>
-        <p:cTn id="1" dur="indefinite" restart="never" nodeType="tmRoot"/>
-      </p:par>
-    </p:tnLst>
-  </p:timing>
 </p:sld>
 </file>
 
@@ -22532,7 +22040,7 @@
               <a:buNone/>
             </a:pPr>
             <a:r>
-              <a:rPr lang="en-SG" sz="3600" i="1" dirty="0" smtClean="0">
+              <a:rPr lang="en-SG" sz="3600" i="1" dirty="0">
                 <a:solidFill>
                   <a:schemeClr val="tx2"/>
                 </a:solidFill>
@@ -22542,7 +22050,7 @@
               <a:t>restaurant.java</a:t>
             </a:r>
             <a:r>
-              <a:rPr lang="en-SG" sz="3600" dirty="0" smtClean="0">
+              <a:rPr lang="en-SG" sz="3600" dirty="0">
                 <a:solidFill>
                   <a:schemeClr val="tx2"/>
                 </a:solidFill>
@@ -22552,7 +22060,7 @@
           </a:p>
           <a:p>
             <a:r>
-              <a:rPr lang="en-SG" sz="3600" dirty="0" smtClean="0"/>
+              <a:rPr lang="en-SG" sz="3600" dirty="0"/>
               <a:t>Four local data variables are created to store information in the restaurant model and initialised</a:t>
             </a:r>
           </a:p>
@@ -22584,10 +22092,9 @@
           <a:lstStyle/>
           <a:p>
             <a:r>
-              <a:rPr lang="en-US" dirty="0" smtClean="0"/>
+              <a:rPr lang="en-US" dirty="0"/>
               <a:t>Model</a:t>
             </a:r>
-            <a:endParaRPr lang="en-US" dirty="0"/>
           </a:p>
         </p:txBody>
       </p:sp>
@@ -22631,13 +22138,6 @@
   <p:transition spd="slow">
     <p:wipe dir="d"/>
   </p:transition>
-  <p:timing>
-    <p:tnLst>
-      <p:par>
-        <p:cTn id="1" dur="indefinite" restart="never" nodeType="tmRoot"/>
-      </p:par>
-    </p:tnLst>
-  </p:timing>
 </p:sld>
 </file>
 
@@ -22684,16 +22184,16 @@
           <a:lstStyle/>
           <a:p>
             <a:r>
-              <a:rPr lang="en-SG" sz="3600" dirty="0" smtClean="0"/>
+              <a:rPr lang="en-SG" sz="3600" dirty="0"/>
               <a:t>Methods for writing data into local variables (Setters)</a:t>
             </a:r>
-            <a:endParaRPr lang="en-SG" sz="3200" dirty="0" smtClean="0"/>
+            <a:endParaRPr lang="en-SG" sz="3200" dirty="0"/>
           </a:p>
           <a:p>
             <a:pPr>
               <a:buNone/>
             </a:pPr>
-            <a:endParaRPr lang="en-SG" sz="3600" dirty="0" smtClean="0"/>
+            <a:endParaRPr lang="en-SG" sz="3600" dirty="0"/>
           </a:p>
         </p:txBody>
       </p:sp>
@@ -22723,10 +22223,9 @@
           <a:lstStyle/>
           <a:p>
             <a:r>
-              <a:rPr lang="en-US" dirty="0" smtClean="0"/>
+              <a:rPr lang="en-US" dirty="0"/>
               <a:t>Model</a:t>
             </a:r>
-            <a:endParaRPr lang="en-US" dirty="0"/>
           </a:p>
         </p:txBody>
       </p:sp>
@@ -22857,13 +22356,6 @@
   <p:transition spd="slow">
     <p:wipe dir="d"/>
   </p:transition>
-  <p:timing>
-    <p:tnLst>
-      <p:par>
-        <p:cTn id="1" dur="indefinite" restart="never" nodeType="tmRoot"/>
-      </p:par>
-    </p:tnLst>
-  </p:timing>
 </p:sld>
 </file>
 
@@ -22910,7 +22402,7 @@
           <a:lstStyle/>
           <a:p>
             <a:r>
-              <a:rPr lang="en-SG" sz="3600" dirty="0" smtClean="0"/>
+              <a:rPr lang="en-SG" sz="3600" dirty="0"/>
               <a:t>How does a setter work?</a:t>
             </a:r>
           </a:p>
@@ -22920,11 +22412,11 @@
               <a:buAutoNum type="arabicPeriod"/>
             </a:pPr>
             <a:r>
-              <a:rPr lang="en-SG" sz="3200" dirty="0" smtClean="0"/>
+              <a:rPr lang="en-SG" sz="3200" dirty="0"/>
               <a:t>Model has created a local variable “</a:t>
             </a:r>
             <a:r>
-              <a:rPr lang="en-SG" sz="3200" dirty="0" err="1" smtClean="0">
+              <a:rPr lang="en-SG" sz="3200" dirty="0" err="1">
                 <a:solidFill>
                   <a:srgbClr val="7030A0"/>
                 </a:solidFill>
@@ -22932,11 +22424,11 @@
               <a:t>restaurantName</a:t>
             </a:r>
             <a:r>
-              <a:rPr lang="en-SG" sz="3200" dirty="0" smtClean="0"/>
+              <a:rPr lang="en-SG" sz="3200" dirty="0"/>
               <a:t>” (</a:t>
             </a:r>
             <a:r>
-              <a:rPr lang="en-SG" sz="3200" dirty="0" smtClean="0">
+              <a:rPr lang="en-SG" sz="3200" dirty="0">
                 <a:solidFill>
                   <a:srgbClr val="7030A0"/>
                 </a:solidFill>
@@ -22944,13 +22436,13 @@
               <a:t>PURPLE</a:t>
             </a:r>
             <a:r>
-              <a:rPr lang="en-SG" sz="3200" dirty="0" smtClean="0"/>
+              <a:rPr lang="en-SG" sz="3200" dirty="0"/>
               <a:t> colour) in memory</a:t>
             </a:r>
             <a:br>
-              <a:rPr lang="en-SG" sz="3200" dirty="0" smtClean="0"/>
+              <a:rPr lang="en-SG" sz="3200" dirty="0"/>
             </a:br>
-            <a:endParaRPr lang="en-SG" sz="3200" dirty="0" smtClean="0"/>
+            <a:endParaRPr lang="en-SG" sz="3200" dirty="0"/>
           </a:p>
           <a:p>
             <a:pPr marL="971550" lvl="1" indent="-514350">
@@ -22958,15 +22450,15 @@
               <a:buAutoNum type="arabicPeriod"/>
             </a:pPr>
             <a:r>
-              <a:rPr lang="en-SG" sz="3200" dirty="0" smtClean="0"/>
+              <a:rPr lang="en-SG" sz="3200" dirty="0"/>
               <a:t>Link the local variable to the View widget through “</a:t>
             </a:r>
             <a:r>
-              <a:rPr lang="en-SG" sz="3200" dirty="0" err="1" smtClean="0"/>
+              <a:rPr lang="en-SG" sz="3200" dirty="0" err="1"/>
               <a:t>findViewById</a:t>
             </a:r>
             <a:r>
-              <a:rPr lang="en-SG" sz="3200" dirty="0" smtClean="0"/>
+              <a:rPr lang="en-SG" sz="3200" dirty="0"/>
               <a:t>”</a:t>
             </a:r>
           </a:p>
@@ -22998,10 +22490,9 @@
           <a:lstStyle/>
           <a:p>
             <a:r>
-              <a:rPr lang="en-US" dirty="0" smtClean="0"/>
+              <a:rPr lang="en-US" dirty="0"/>
               <a:t>Model</a:t>
             </a:r>
-            <a:endParaRPr lang="en-US" dirty="0"/>
           </a:p>
         </p:txBody>
       </p:sp>
@@ -23069,13 +22560,6 @@
   <p:transition spd="slow">
     <p:wipe dir="d"/>
   </p:transition>
-  <p:timing>
-    <p:tnLst>
-      <p:par>
-        <p:cTn id="1" dur="indefinite" restart="never" nodeType="tmRoot"/>
-      </p:par>
-    </p:tnLst>
-  </p:timing>
 </p:sld>
 </file>
 
@@ -23120,10 +22604,9 @@
           <a:lstStyle/>
           <a:p>
             <a:r>
-              <a:rPr lang="en-US" dirty="0" smtClean="0"/>
+              <a:rPr lang="en-US" dirty="0"/>
               <a:t>Model-View-Controller (MVC)</a:t>
             </a:r>
-            <a:endParaRPr lang="en-US" dirty="0"/>
           </a:p>
         </p:txBody>
       </p:sp>
@@ -23156,14 +22639,14 @@
               <a:buNone/>
             </a:pPr>
             <a:r>
-              <a:rPr lang="en-US" sz="3600" b="1" dirty="0" smtClean="0">
+              <a:rPr lang="en-US" sz="3600" b="1" dirty="0">
                 <a:solidFill>
                   <a:schemeClr val="tx2"/>
                 </a:solidFill>
               </a:rPr>
               <a:t>Model</a:t>
             </a:r>
-            <a:endParaRPr lang="en-SG" sz="3600" b="1" dirty="0" smtClean="0">
+            <a:endParaRPr lang="en-SG" sz="3600" b="1" dirty="0">
               <a:solidFill>
                 <a:schemeClr val="tx2"/>
               </a:solidFill>
@@ -23212,15 +22695,7 @@
                   <a:srgbClr val="FF0000"/>
                 </a:solidFill>
               </a:rPr>
-              <a:t> </a:t>
-            </a:r>
-            <a:r>
-              <a:rPr lang="en-SG" sz="3200" dirty="0" smtClean="0">
-                <a:solidFill>
-                  <a:srgbClr val="FF0000"/>
-                </a:solidFill>
-              </a:rPr>
-              <a:t>database</a:t>
+              <a:t> database</a:t>
             </a:r>
           </a:p>
         </p:txBody>
@@ -23601,7 +23076,7 @@
           <a:lstStyle/>
           <a:p>
             <a:r>
-              <a:rPr lang="en-SG" sz="3600" dirty="0" smtClean="0"/>
+              <a:rPr lang="en-SG" sz="3600" dirty="0"/>
               <a:t>How does a setter work?</a:t>
             </a:r>
           </a:p>
@@ -23612,29 +23087,25 @@
             </a:pPr>
             <a:r>
               <a:rPr lang="en-SG" sz="3200" dirty="0"/>
-              <a:t>D</a:t>
-            </a:r>
-            <a:r>
-              <a:rPr lang="en-SG" sz="3200" dirty="0" smtClean="0"/>
-              <a:t>ata “</a:t>
-            </a:r>
-            <a:r>
-              <a:rPr lang="en-SG" sz="3200" dirty="0" err="1" smtClean="0"/>
+              <a:t>Data “</a:t>
+            </a:r>
+            <a:r>
+              <a:rPr lang="en-SG" sz="3200" dirty="0" err="1"/>
               <a:t>restaurant_name</a:t>
             </a:r>
             <a:r>
-              <a:rPr lang="en-SG" sz="3200" dirty="0" smtClean="0"/>
+              <a:rPr lang="en-SG" sz="3200" dirty="0"/>
               <a:t>” can be read from the View using </a:t>
             </a:r>
             <a:r>
-              <a:rPr lang="en-SG" sz="3200" i="1" dirty="0" smtClean="0">
+              <a:rPr lang="en-SG" sz="3200" i="1" dirty="0">
                 <a:latin typeface="Times New Roman"/>
                 <a:cs typeface="Times New Roman"/>
               </a:rPr>
               <a:t>getText</a:t>
             </a:r>
             <a:r>
-              <a:rPr lang="en-SG" sz="3200" dirty="0" smtClean="0"/>
+              <a:rPr lang="en-SG" sz="3200" dirty="0"/>
               <a:t> method from EditText widget</a:t>
             </a:r>
           </a:p>
@@ -23663,18 +23134,13 @@
           <a:lstStyle/>
           <a:p>
             <a:r>
-              <a:rPr lang="en-US" sz="2000" dirty="0" smtClean="0">
+              <a:rPr lang="en-US" sz="2000" dirty="0">
                 <a:solidFill>
                   <a:srgbClr val="0000FF"/>
                 </a:solidFill>
               </a:rPr>
               <a:t>View</a:t>
             </a:r>
-            <a:endParaRPr lang="en-US" sz="2000" dirty="0">
-              <a:solidFill>
-                <a:srgbClr val="0000FF"/>
-              </a:solidFill>
-            </a:endParaRPr>
           </a:p>
         </p:txBody>
       </p:sp>
@@ -23704,10 +23170,9 @@
           <a:lstStyle/>
           <a:p>
             <a:r>
-              <a:rPr lang="en-US" dirty="0" smtClean="0"/>
+              <a:rPr lang="en-US" dirty="0"/>
               <a:t>Model</a:t>
             </a:r>
-            <a:endParaRPr lang="en-US" dirty="0"/>
           </a:p>
         </p:txBody>
       </p:sp>
@@ -23764,13 +23229,6 @@
   <p:transition spd="slow">
     <p:wipe dir="d"/>
   </p:transition>
-  <p:timing>
-    <p:tnLst>
-      <p:par>
-        <p:cTn id="1" dur="indefinite" restart="never" nodeType="tmRoot"/>
-      </p:par>
-    </p:tnLst>
-  </p:timing>
 </p:sld>
 </file>
 
@@ -23841,7 +23299,7 @@
           <a:lstStyle/>
           <a:p>
             <a:r>
-              <a:rPr lang="en-SG" sz="3600" dirty="0" smtClean="0"/>
+              <a:rPr lang="en-SG" sz="3600" dirty="0"/>
               <a:t>How does a setter work?</a:t>
             </a:r>
           </a:p>
@@ -23852,15 +23310,7 @@
             </a:pPr>
             <a:r>
               <a:rPr lang="en-SG" sz="3200" dirty="0"/>
-              <a:t>P</a:t>
-            </a:r>
-            <a:r>
-              <a:rPr lang="en-SG" sz="3200" dirty="0" smtClean="0"/>
-              <a:t>ass over </a:t>
-            </a:r>
-            <a:r>
-              <a:rPr lang="en-SG" sz="3200" dirty="0"/>
-              <a:t>the “</a:t>
+              <a:t>Pass over the “</a:t>
             </a:r>
             <a:r>
               <a:rPr lang="en-SG" sz="3200" dirty="0" err="1"/>
@@ -23868,25 +23318,21 @@
             </a:r>
             <a:r>
               <a:rPr lang="en-SG" sz="3200" dirty="0"/>
-              <a:t>” </a:t>
-            </a:r>
-            <a:r>
-              <a:rPr lang="en-SG" sz="3200" dirty="0" smtClean="0"/>
-              <a:t>read from View to Model by calling </a:t>
-            </a:r>
-            <a:r>
-              <a:rPr lang="en-SG" sz="3200" i="1" dirty="0" err="1" smtClean="0">
+              <a:t>” read from View to Model by calling </a:t>
+            </a:r>
+            <a:r>
+              <a:rPr lang="en-SG" sz="3200" i="1" dirty="0" err="1">
                 <a:latin typeface="Times New Roman"/>
                 <a:cs typeface="Times New Roman"/>
               </a:rPr>
               <a:t>setName</a:t>
             </a:r>
             <a:r>
-              <a:rPr lang="en-SG" sz="3200" dirty="0" smtClean="0"/>
+              <a:rPr lang="en-SG" sz="3200" dirty="0"/>
               <a:t> (see the </a:t>
             </a:r>
             <a:r>
-              <a:rPr lang="en-SG" sz="3200" dirty="0" smtClean="0">
+              <a:rPr lang="en-SG" sz="3200" dirty="0">
                 <a:solidFill>
                   <a:srgbClr val="FF0000"/>
                 </a:solidFill>
@@ -23894,7 +23340,7 @@
               <a:t>RED arrow</a:t>
             </a:r>
             <a:r>
-              <a:rPr lang="en-SG" sz="3200" dirty="0" smtClean="0"/>
+              <a:rPr lang="en-SG" sz="3200" dirty="0"/>
               <a:t>)</a:t>
             </a:r>
           </a:p>
@@ -23987,10 +23433,9 @@
           <a:lstStyle/>
           <a:p>
             <a:r>
-              <a:rPr lang="en-US" dirty="0" smtClean="0"/>
+              <a:rPr lang="en-US" dirty="0"/>
               <a:t>Model</a:t>
             </a:r>
-            <a:endParaRPr lang="en-US" dirty="0"/>
           </a:p>
         </p:txBody>
       </p:sp>
@@ -24034,13 +23479,6 @@
   <p:transition spd="slow">
     <p:wipe dir="d"/>
   </p:transition>
-  <p:timing>
-    <p:tnLst>
-      <p:par>
-        <p:cTn id="1" dur="indefinite" restart="never" nodeType="tmRoot"/>
-      </p:par>
-    </p:tnLst>
-  </p:timing>
 </p:sld>
 </file>
 
@@ -24111,7 +23549,7 @@
           <a:lstStyle/>
           <a:p>
             <a:r>
-              <a:rPr lang="en-SG" sz="3600" dirty="0" smtClean="0"/>
+              <a:rPr lang="en-SG" sz="3600" dirty="0"/>
               <a:t>How does a setter work?</a:t>
             </a:r>
           </a:p>
@@ -24121,19 +23559,19 @@
               <a:buAutoNum type="arabicPeriod" startAt="5"/>
             </a:pPr>
             <a:r>
-              <a:rPr lang="en-SG" sz="3200" dirty="0" smtClean="0"/>
+              <a:rPr lang="en-SG" sz="3200" dirty="0"/>
               <a:t>Data in “</a:t>
             </a:r>
             <a:r>
-              <a:rPr lang="en-SG" sz="3200" dirty="0" err="1" smtClean="0"/>
+              <a:rPr lang="en-SG" sz="3200" dirty="0" err="1"/>
               <a:t>restaurantName</a:t>
             </a:r>
             <a:r>
-              <a:rPr lang="en-SG" sz="3200" dirty="0" smtClean="0"/>
+              <a:rPr lang="en-SG" sz="3200" dirty="0"/>
               <a:t>” (BLACK colour) will then be saved to Model’s local variable “</a:t>
             </a:r>
             <a:r>
-              <a:rPr lang="en-SG" sz="3200" dirty="0" err="1" smtClean="0">
+              <a:rPr lang="en-SG" sz="3200" dirty="0" err="1">
                 <a:solidFill>
                   <a:srgbClr val="7030A0"/>
                 </a:solidFill>
@@ -24141,11 +23579,11 @@
               <a:t>restaurantName</a:t>
             </a:r>
             <a:r>
-              <a:rPr lang="en-SG" sz="3200" dirty="0" smtClean="0"/>
+              <a:rPr lang="en-SG" sz="3200" dirty="0"/>
               <a:t>” (</a:t>
             </a:r>
             <a:r>
-              <a:rPr lang="en-SG" sz="3200" dirty="0" smtClean="0">
+              <a:rPr lang="en-SG" sz="3200" dirty="0">
                 <a:solidFill>
                   <a:srgbClr val="7030A0"/>
                 </a:solidFill>
@@ -24153,7 +23591,7 @@
               <a:t>PURPLE</a:t>
             </a:r>
             <a:r>
-              <a:rPr lang="en-SG" sz="3200" dirty="0" smtClean="0"/>
+              <a:rPr lang="en-SG" sz="3200" dirty="0"/>
               <a:t> colour)    </a:t>
             </a:r>
           </a:p>
@@ -24272,10 +23710,9 @@
           <a:lstStyle/>
           <a:p>
             <a:r>
-              <a:rPr lang="en-US" dirty="0" smtClean="0"/>
+              <a:rPr lang="en-US" dirty="0"/>
               <a:t>Model</a:t>
             </a:r>
-            <a:endParaRPr lang="en-US" dirty="0"/>
           </a:p>
         </p:txBody>
       </p:sp>
@@ -24295,13 +23732,6 @@
   <p:transition spd="slow">
     <p:wipe dir="d"/>
   </p:transition>
-  <p:timing>
-    <p:tnLst>
-      <p:par>
-        <p:cTn id="1" dur="indefinite" restart="never" nodeType="tmRoot"/>
-      </p:par>
-    </p:tnLst>
-  </p:timing>
 </p:sld>
 </file>
 
@@ -24348,16 +23778,16 @@
           <a:lstStyle/>
           <a:p>
             <a:r>
-              <a:rPr lang="en-SG" sz="3600" dirty="0" smtClean="0"/>
+              <a:rPr lang="en-SG" sz="3600" dirty="0"/>
               <a:t>Methods for reading data from local variables (Getters)</a:t>
             </a:r>
-            <a:endParaRPr lang="en-SG" sz="3200" dirty="0" smtClean="0"/>
+            <a:endParaRPr lang="en-SG" sz="3200" dirty="0"/>
           </a:p>
           <a:p>
             <a:pPr>
               <a:buNone/>
             </a:pPr>
-            <a:endParaRPr lang="en-SG" sz="3600" dirty="0" smtClean="0"/>
+            <a:endParaRPr lang="en-SG" sz="3600" dirty="0"/>
           </a:p>
         </p:txBody>
       </p:sp>
@@ -24387,10 +23817,9 @@
           <a:lstStyle/>
           <a:p>
             <a:r>
-              <a:rPr lang="en-US" dirty="0" smtClean="0"/>
+              <a:rPr lang="en-US" dirty="0"/>
               <a:t>Model</a:t>
             </a:r>
-            <a:endParaRPr lang="en-US" dirty="0"/>
           </a:p>
         </p:txBody>
       </p:sp>
@@ -24434,13 +23863,6 @@
   <p:transition spd="slow">
     <p:wipe dir="d"/>
   </p:transition>
-  <p:timing>
-    <p:tnLst>
-      <p:par>
-        <p:cTn id="1" dur="indefinite" restart="never" nodeType="tmRoot"/>
-      </p:par>
-    </p:tnLst>
-  </p:timing>
 </p:sld>
 </file>
 
@@ -24487,7 +23909,7 @@
           <a:lstStyle/>
           <a:p>
             <a:r>
-              <a:rPr lang="en-SG" sz="3600" dirty="0" smtClean="0"/>
+              <a:rPr lang="en-SG" sz="3600" dirty="0"/>
               <a:t>How does a getter work?</a:t>
             </a:r>
           </a:p>
@@ -24496,27 +23918,23 @@
               <a:buNone/>
             </a:pPr>
             <a:r>
-              <a:rPr lang="en-SG" sz="3600" dirty="0" smtClean="0"/>
+              <a:rPr lang="en-SG" sz="3600" dirty="0"/>
               <a:t>	</a:t>
             </a:r>
             <a:r>
-              <a:rPr lang="en-SG" sz="3200" dirty="0" smtClean="0"/>
+              <a:rPr lang="en-SG" sz="3200" dirty="0"/>
               <a:t>When the getter method </a:t>
             </a:r>
             <a:r>
-              <a:rPr lang="en-SG" sz="3200" i="1" dirty="0" smtClean="0">
+              <a:rPr lang="en-SG" sz="3200" i="1" dirty="0">
                 <a:latin typeface="Times New Roman"/>
                 <a:cs typeface="Times New Roman"/>
               </a:rPr>
               <a:t>getName</a:t>
             </a:r>
             <a:r>
-              <a:rPr lang="en-SG" sz="3200" dirty="0" smtClean="0"/>
-              <a:t> is called, the data </a:t>
-            </a:r>
-            <a:r>
               <a:rPr lang="en-SG" sz="3200" dirty="0"/>
-              <a:t>(i.e. the data previously stored by </a:t>
+              <a:t> is called, the data (i.e. the data previously stored by </a:t>
             </a:r>
             <a:r>
               <a:rPr lang="en-SG" sz="3200" i="1" dirty="0">
@@ -24527,14 +23945,10 @@
             </a:r>
             <a:r>
               <a:rPr lang="en-SG" sz="3200" dirty="0"/>
-              <a:t> method</a:t>
-            </a:r>
-            <a:r>
-              <a:rPr lang="en-SG" sz="3200" dirty="0" smtClean="0"/>
-              <a:t>) “</a:t>
-            </a:r>
-            <a:r>
-              <a:rPr lang="en-SG" sz="3200" dirty="0" err="1" smtClean="0">
+              <a:t> method) “</a:t>
+            </a:r>
+            <a:r>
+              <a:rPr lang="en-SG" sz="3200" dirty="0" err="1">
                 <a:solidFill>
                   <a:srgbClr val="7030A0"/>
                 </a:solidFill>
@@ -24542,11 +23956,11 @@
               <a:t>restaurantName</a:t>
             </a:r>
             <a:r>
-              <a:rPr lang="en-SG" sz="3200" dirty="0" smtClean="0"/>
+              <a:rPr lang="en-SG" sz="3200" dirty="0"/>
               <a:t>” (</a:t>
             </a:r>
             <a:r>
-              <a:rPr lang="en-SG" sz="3200" dirty="0" smtClean="0">
+              <a:rPr lang="en-SG" sz="3200" dirty="0">
                 <a:solidFill>
                   <a:srgbClr val="7030A0"/>
                 </a:solidFill>
@@ -24554,7 +23968,7 @@
               <a:t>PURPLE</a:t>
             </a:r>
             <a:r>
-              <a:rPr lang="en-SG" sz="3200" dirty="0" smtClean="0"/>
+              <a:rPr lang="en-SG" sz="3200" dirty="0"/>
               <a:t> colour) in Restaurant model will be returned</a:t>
             </a:r>
           </a:p>
@@ -24586,10 +24000,9 @@
           <a:lstStyle/>
           <a:p>
             <a:r>
-              <a:rPr lang="en-US" dirty="0" smtClean="0"/>
+              <a:rPr lang="en-US" dirty="0"/>
               <a:t>Model</a:t>
             </a:r>
-            <a:endParaRPr lang="en-US" dirty="0"/>
           </a:p>
         </p:txBody>
       </p:sp>
@@ -24633,13 +24046,6 @@
   <p:transition spd="slow">
     <p:wipe dir="d"/>
   </p:transition>
-  <p:timing>
-    <p:tnLst>
-      <p:par>
-        <p:cTn id="1" dur="indefinite" restart="never" nodeType="tmRoot"/>
-      </p:par>
-    </p:tnLst>
-  </p:timing>
 </p:sld>
 </file>
 
@@ -24686,7 +24092,7 @@
           <a:lstStyle/>
           <a:p>
             <a:r>
-              <a:rPr lang="en-SG" sz="3600" dirty="0" smtClean="0"/>
+              <a:rPr lang="en-SG" sz="3600" dirty="0"/>
               <a:t>The </a:t>
             </a:r>
             <a:r>
@@ -24695,28 +24101,20 @@
                   <a:srgbClr val="FF0000"/>
                 </a:solidFill>
               </a:rPr>
-              <a:t>R</a:t>
-            </a:r>
-            <a:r>
-              <a:rPr lang="en-SG" sz="3600" dirty="0" smtClean="0">
-                <a:solidFill>
-                  <a:srgbClr val="FF0000"/>
-                </a:solidFill>
-              </a:rPr>
-              <a:t>estaurant model created is only for keeping a single restaurant data</a:t>
-            </a:r>
-            <a:r>
-              <a:rPr lang="en-SG" sz="3600" dirty="0" smtClean="0"/>
+              <a:t>Restaurant model created is only for keeping a single restaurant data</a:t>
+            </a:r>
+            <a:r>
+              <a:rPr lang="en-SG" sz="3600" dirty="0"/>
               <a:t>. What will happen when we have a list of restaurants?</a:t>
             </a:r>
           </a:p>
           <a:p>
             <a:r>
-              <a:rPr lang="en-SG" sz="3600" dirty="0" smtClean="0"/>
+              <a:rPr lang="en-SG" sz="3600" dirty="0"/>
               <a:t>We will </a:t>
             </a:r>
             <a:r>
-              <a:rPr lang="en-SG" sz="3600" dirty="0" smtClean="0">
+              <a:rPr lang="en-SG" sz="3600" dirty="0">
                 <a:solidFill>
                   <a:srgbClr val="FF0000"/>
                 </a:solidFill>
@@ -24724,11 +24122,11 @@
               <a:t>need a bigger model </a:t>
             </a:r>
             <a:r>
-              <a:rPr lang="en-SG" sz="3600" dirty="0" smtClean="0"/>
+              <a:rPr lang="en-SG" sz="3600" dirty="0"/>
               <a:t>to keep a list of restaurants -&gt; </a:t>
             </a:r>
             <a:r>
-              <a:rPr lang="en-SG" sz="3600" i="1" dirty="0" smtClean="0">
+              <a:rPr lang="en-SG" sz="3600" i="1" dirty="0">
                 <a:solidFill>
                   <a:srgbClr val="FF0000"/>
                 </a:solidFill>
@@ -24766,10 +24164,9 @@
           <a:lstStyle/>
           <a:p>
             <a:r>
-              <a:rPr lang="en-US" dirty="0" smtClean="0"/>
+              <a:rPr lang="en-US" dirty="0"/>
               <a:t>Model</a:t>
             </a:r>
-            <a:endParaRPr lang="en-US" dirty="0"/>
           </a:p>
         </p:txBody>
       </p:sp>
@@ -24789,13 +24186,6 @@
   <p:transition spd="slow">
     <p:wipe dir="d"/>
   </p:transition>
-  <p:timing>
-    <p:tnLst>
-      <p:par>
-        <p:cTn id="1" dur="indefinite" restart="never" nodeType="tmRoot"/>
-      </p:par>
-    </p:tnLst>
-  </p:timing>
 </p:sld>
 </file>
 
@@ -24842,11 +24232,11 @@
           <a:lstStyle/>
           <a:p>
             <a:r>
-              <a:rPr lang="en-SG" sz="3600" dirty="0" smtClean="0"/>
+              <a:rPr lang="en-SG" sz="3600" dirty="0"/>
               <a:t>Data of </a:t>
             </a:r>
             <a:r>
-              <a:rPr lang="en-SG" sz="3600" dirty="0" smtClean="0">
+              <a:rPr lang="en-SG" sz="3600" dirty="0">
                 <a:solidFill>
                   <a:srgbClr val="FF0000"/>
                 </a:solidFill>
@@ -24854,11 +24244,11 @@
               <a:t>individual restaurant </a:t>
             </a:r>
             <a:r>
-              <a:rPr lang="en-SG" sz="3600" dirty="0" smtClean="0"/>
+              <a:rPr lang="en-SG" sz="3600" dirty="0"/>
               <a:t>will now be able to be </a:t>
             </a:r>
             <a:r>
-              <a:rPr lang="en-SG" sz="3600" dirty="0" smtClean="0">
+              <a:rPr lang="en-SG" sz="3600" dirty="0">
                 <a:solidFill>
                   <a:srgbClr val="FF0000"/>
                 </a:solidFill>
@@ -24866,7 +24256,7 @@
               <a:t>kept in </a:t>
             </a:r>
             <a:r>
-              <a:rPr lang="en-SG" sz="3600" i="1" dirty="0" smtClean="0">
+              <a:rPr lang="en-SG" sz="3600" i="1" dirty="0">
                 <a:solidFill>
                   <a:srgbClr val="FF0000"/>
                 </a:solidFill>
@@ -24876,7 +24266,7 @@
               <a:t>ArrayList</a:t>
             </a:r>
             <a:r>
-              <a:rPr lang="en-SG" sz="3600" dirty="0" smtClean="0">
+              <a:rPr lang="en-SG" sz="3600" dirty="0">
                 <a:solidFill>
                   <a:srgbClr val="FF0000"/>
                 </a:solidFill>
@@ -24884,7 +24274,7 @@
               <a:t> model </a:t>
             </a:r>
             <a:r>
-              <a:rPr lang="en-SG" sz="3600" dirty="0" smtClean="0"/>
+              <a:rPr lang="en-SG" sz="3600" dirty="0"/>
               <a:t>in listing format  </a:t>
             </a:r>
           </a:p>
@@ -24925,10 +24315,9 @@
           <a:p>
             <a:pPr algn="ctr"/>
             <a:r>
-              <a:rPr lang="en-US" dirty="0" smtClean="0"/>
+              <a:rPr lang="en-US" dirty="0"/>
               <a:t>Restaurant 1</a:t>
             </a:r>
-            <a:endParaRPr lang="en-US" dirty="0"/>
           </a:p>
         </p:txBody>
       </p:sp>
@@ -24970,10 +24359,9 @@
           <a:p>
             <a:pPr algn="ctr"/>
             <a:r>
-              <a:rPr lang="en-US" dirty="0" smtClean="0"/>
+              <a:rPr lang="en-US" dirty="0"/>
               <a:t>Restaurant 2</a:t>
             </a:r>
-            <a:endParaRPr lang="en-US" dirty="0"/>
           </a:p>
         </p:txBody>
       </p:sp>
@@ -25000,10 +24388,9 @@
           <a:lstStyle/>
           <a:p>
             <a:r>
-              <a:rPr lang="en-US" dirty="0" smtClean="0"/>
+              <a:rPr lang="en-US" dirty="0"/>
               <a:t>Individual Restaurant Model</a:t>
             </a:r>
-            <a:endParaRPr lang="en-US" dirty="0"/>
           </a:p>
         </p:txBody>
       </p:sp>
@@ -25047,10 +24434,9 @@
           <a:p>
             <a:pPr algn="ctr"/>
             <a:r>
-              <a:rPr lang="en-US" dirty="0" smtClean="0"/>
+              <a:rPr lang="en-US" dirty="0"/>
               <a:t>Restaurant 1</a:t>
             </a:r>
-            <a:endParaRPr lang="en-US" dirty="0"/>
           </a:p>
         </p:txBody>
       </p:sp>
@@ -25094,10 +24480,9 @@
           <a:p>
             <a:pPr algn="ctr"/>
             <a:r>
-              <a:rPr lang="en-US" dirty="0" smtClean="0"/>
+              <a:rPr lang="en-US" dirty="0"/>
               <a:t>Restaurant 2</a:t>
             </a:r>
-            <a:endParaRPr lang="en-US" dirty="0"/>
           </a:p>
         </p:txBody>
       </p:sp>
@@ -25196,10 +24581,9 @@
           <a:lstStyle/>
           <a:p>
             <a:r>
-              <a:rPr lang="en-US" dirty="0" smtClean="0"/>
+              <a:rPr lang="en-US" dirty="0"/>
               <a:t>Array List Restaurant Model</a:t>
             </a:r>
-            <a:endParaRPr lang="en-US" dirty="0"/>
           </a:p>
         </p:txBody>
       </p:sp>
@@ -25229,10 +24613,9 @@
           <a:lstStyle/>
           <a:p>
             <a:r>
-              <a:rPr lang="en-US" dirty="0" smtClean="0"/>
+              <a:rPr lang="en-US" dirty="0"/>
               <a:t>Model</a:t>
             </a:r>
-            <a:endParaRPr lang="en-US" dirty="0"/>
           </a:p>
         </p:txBody>
       </p:sp>
@@ -25276,13 +24659,6 @@
   <p:transition spd="slow">
     <p:wipe dir="d"/>
   </p:transition>
-  <p:timing>
-    <p:tnLst>
-      <p:par>
-        <p:cTn id="1" dur="indefinite" restart="never" nodeType="tmRoot"/>
-      </p:par>
-    </p:tnLst>
-  </p:timing>
 </p:sld>
 </file>
 
@@ -25326,10 +24702,9 @@
           <a:lstStyle/>
           <a:p>
             <a:r>
-              <a:rPr lang="en-US" sz="7200" dirty="0" smtClean="0"/>
+              <a:rPr lang="en-US" sz="7200" dirty="0"/>
               <a:t>Controller</a:t>
             </a:r>
-            <a:endParaRPr lang="en-US" sz="7200" dirty="0"/>
           </a:p>
         </p:txBody>
       </p:sp>
@@ -25346,13 +24721,6 @@
   <p:transition spd="slow">
     <p:push/>
   </p:transition>
-  <p:timing>
-    <p:tnLst>
-      <p:par>
-        <p:cTn id="1" dur="indefinite" restart="never" nodeType="tmRoot"/>
-      </p:par>
-    </p:tnLst>
-  </p:timing>
 </p:sld>
 </file>
 
@@ -25397,10 +24765,9 @@
           <a:lstStyle/>
           <a:p>
             <a:r>
-              <a:rPr lang="en-US" dirty="0" smtClean="0"/>
+              <a:rPr lang="en-US" dirty="0"/>
               <a:t>Controller</a:t>
             </a:r>
-            <a:endParaRPr lang="en-US" dirty="0"/>
           </a:p>
         </p:txBody>
       </p:sp>
@@ -25430,18 +24797,18 @@
           <a:lstStyle/>
           <a:p>
             <a:r>
-              <a:rPr lang="en-SG" sz="3600" dirty="0" smtClean="0"/>
+              <a:rPr lang="en-SG" sz="3600" dirty="0"/>
               <a:t>We have </a:t>
             </a:r>
           </a:p>
           <a:p>
             <a:pPr lvl="1"/>
             <a:r>
-              <a:rPr lang="en-SG" sz="3200" dirty="0" smtClean="0"/>
+              <a:rPr lang="en-SG" sz="3200" dirty="0"/>
               <a:t>a </a:t>
             </a:r>
             <a:r>
-              <a:rPr lang="en-SG" sz="3200" dirty="0" smtClean="0">
+              <a:rPr lang="en-SG" sz="3200" dirty="0">
                 <a:solidFill>
                   <a:srgbClr val="FF0000"/>
                 </a:solidFill>
@@ -25449,18 +24816,18 @@
               <a:t>UI View </a:t>
             </a:r>
             <a:r>
-              <a:rPr lang="en-SG" sz="3200" dirty="0" smtClean="0"/>
+              <a:rPr lang="en-SG" sz="3200" dirty="0"/>
               <a:t>for user and </a:t>
             </a:r>
           </a:p>
           <a:p>
             <a:pPr lvl="1"/>
             <a:r>
-              <a:rPr lang="en-SG" sz="3200" dirty="0" smtClean="0"/>
+              <a:rPr lang="en-SG" sz="3200" dirty="0"/>
               <a:t>a </a:t>
             </a:r>
             <a:r>
-              <a:rPr lang="en-SG" sz="3200" dirty="0" smtClean="0">
+              <a:rPr lang="en-SG" sz="3200" dirty="0">
                 <a:solidFill>
                   <a:srgbClr val="FF0000"/>
                 </a:solidFill>
@@ -25468,17 +24835,17 @@
               <a:t>Model</a:t>
             </a:r>
             <a:r>
-              <a:rPr lang="en-SG" sz="3200" dirty="0" smtClean="0"/>
+              <a:rPr lang="en-SG" sz="3200" dirty="0"/>
               <a:t> for program </a:t>
             </a:r>
           </a:p>
           <a:p>
             <a:r>
-              <a:rPr lang="en-SG" sz="3600" dirty="0" smtClean="0"/>
+              <a:rPr lang="en-SG" sz="3600" dirty="0"/>
               <a:t>There is a </a:t>
             </a:r>
             <a:r>
-              <a:rPr lang="en-SG" sz="3600" dirty="0" smtClean="0">
+              <a:rPr lang="en-SG" sz="3600" dirty="0">
                 <a:solidFill>
                   <a:srgbClr val="FF0000"/>
                 </a:solidFill>
@@ -25486,11 +24853,11 @@
               <a:t>BIG problem </a:t>
             </a:r>
             <a:r>
-              <a:rPr lang="en-SG" sz="3600" dirty="0" smtClean="0"/>
+              <a:rPr lang="en-SG" sz="3600" dirty="0"/>
               <a:t>-&gt; the two objects </a:t>
             </a:r>
             <a:r>
-              <a:rPr lang="en-SG" sz="3600" dirty="0" smtClean="0">
+              <a:rPr lang="en-SG" sz="3600" dirty="0">
                 <a:solidFill>
                   <a:srgbClr val="FF0000"/>
                 </a:solidFill>
@@ -25498,17 +24865,17 @@
               <a:t>do not “see” or “talk” to each other directly</a:t>
             </a:r>
             <a:r>
-              <a:rPr lang="en-SG" sz="3600" dirty="0" smtClean="0"/>
+              <a:rPr lang="en-SG" sz="3600" dirty="0"/>
               <a:t>!</a:t>
             </a:r>
           </a:p>
           <a:p>
             <a:r>
-              <a:rPr lang="en-SG" sz="3600" dirty="0" smtClean="0"/>
+              <a:rPr lang="en-SG" sz="3600" dirty="0"/>
               <a:t>We </a:t>
             </a:r>
             <a:r>
-              <a:rPr lang="en-SG" sz="3600" dirty="0" smtClean="0">
+              <a:rPr lang="en-SG" sz="3600" dirty="0">
                 <a:solidFill>
                   <a:srgbClr val="FF0000"/>
                 </a:solidFill>
@@ -25516,11 +24883,11 @@
               <a:t>need</a:t>
             </a:r>
             <a:r>
-              <a:rPr lang="en-SG" sz="3600" dirty="0" smtClean="0"/>
+              <a:rPr lang="en-SG" sz="3600" dirty="0"/>
               <a:t> someone in the middle -&gt; The </a:t>
             </a:r>
             <a:r>
-              <a:rPr lang="en-SG" sz="3600" dirty="0" smtClean="0">
+              <a:rPr lang="en-SG" sz="3600" dirty="0">
                 <a:solidFill>
                   <a:srgbClr val="FF0000"/>
                 </a:solidFill>
@@ -25546,13 +24913,6 @@
   <p:transition spd="slow">
     <p:wipe dir="d"/>
   </p:transition>
-  <p:timing>
-    <p:tnLst>
-      <p:par>
-        <p:cTn id="1" dur="indefinite" restart="never" nodeType="tmRoot"/>
-      </p:par>
-    </p:tnLst>
-  </p:timing>
 </p:sld>
 </file>
 
@@ -25599,11 +24959,11 @@
           <a:lstStyle/>
           <a:p>
             <a:r>
-              <a:rPr lang="en-SG" sz="3200" dirty="0" smtClean="0"/>
+              <a:rPr lang="en-SG" sz="3200" dirty="0"/>
               <a:t>The </a:t>
             </a:r>
             <a:r>
-              <a:rPr lang="en-SG" sz="3200" dirty="0" smtClean="0">
+              <a:rPr lang="en-SG" sz="3200" dirty="0">
                 <a:solidFill>
                   <a:srgbClr val="FF0000"/>
                 </a:solidFill>
@@ -25611,11 +24971,11 @@
               <a:t>Controller</a:t>
             </a:r>
             <a:r>
-              <a:rPr lang="en-SG" sz="3200" dirty="0" smtClean="0"/>
+              <a:rPr lang="en-SG" sz="3200" dirty="0"/>
               <a:t> will </a:t>
             </a:r>
             <a:r>
-              <a:rPr lang="en-SG" sz="3200" dirty="0" smtClean="0">
+              <a:rPr lang="en-SG" sz="3200" dirty="0">
                 <a:solidFill>
                   <a:srgbClr val="FF0000"/>
                 </a:solidFill>
@@ -25623,17 +24983,17 @@
               <a:t>act as a “middle man”</a:t>
             </a:r>
             <a:r>
-              <a:rPr lang="en-SG" sz="3200" dirty="0" smtClean="0"/>
+              <a:rPr lang="en-SG" sz="3200" dirty="0"/>
               <a:t> in between UI View (for user) and Model (for program)</a:t>
             </a:r>
           </a:p>
           <a:p>
             <a:r>
-              <a:rPr lang="en-SG" sz="3200" dirty="0" smtClean="0"/>
+              <a:rPr lang="en-SG" sz="3200" dirty="0"/>
               <a:t>It </a:t>
             </a:r>
             <a:r>
-              <a:rPr lang="en-SG" sz="3200" dirty="0" smtClean="0">
+              <a:rPr lang="en-SG" sz="3200" dirty="0">
                 <a:solidFill>
                   <a:srgbClr val="FF0000"/>
                 </a:solidFill>
@@ -25641,11 +25001,11 @@
               <a:t>monitors requests from View </a:t>
             </a:r>
             <a:r>
-              <a:rPr lang="en-SG" sz="3200" dirty="0" smtClean="0"/>
+              <a:rPr lang="en-SG" sz="3200" dirty="0"/>
               <a:t>e.g. Save button is clicked and </a:t>
             </a:r>
             <a:r>
-              <a:rPr lang="en-SG" sz="3200" dirty="0" smtClean="0">
+              <a:rPr lang="en-SG" sz="3200" dirty="0">
                 <a:solidFill>
                   <a:srgbClr val="FF0000"/>
                 </a:solidFill>
@@ -25653,11 +25013,11 @@
               <a:t>takes</a:t>
             </a:r>
             <a:r>
-              <a:rPr lang="en-SG" sz="3200" dirty="0" smtClean="0"/>
+              <a:rPr lang="en-SG" sz="3200" dirty="0"/>
               <a:t> the necessary </a:t>
             </a:r>
             <a:r>
-              <a:rPr lang="en-SG" sz="3200" dirty="0" smtClean="0">
+              <a:rPr lang="en-SG" sz="3200" dirty="0">
                 <a:solidFill>
                   <a:srgbClr val="FF0000"/>
                 </a:solidFill>
@@ -25665,7 +25025,7 @@
               <a:t>action with the model provided</a:t>
             </a:r>
             <a:r>
-              <a:rPr lang="en-SG" sz="3200" dirty="0" smtClean="0"/>
+              <a:rPr lang="en-SG" sz="3200" dirty="0"/>
               <a:t>  </a:t>
             </a:r>
           </a:p>
@@ -25718,14 +25078,13 @@
           <a:lstStyle/>
           <a:p>
             <a:r>
-              <a:rPr lang="en-US" dirty="0" err="1" smtClean="0"/>
+              <a:rPr lang="en-US" dirty="0" err="1"/>
               <a:t>Mr</a:t>
             </a:r>
             <a:r>
-              <a:rPr lang="en-US" dirty="0" smtClean="0"/>
+              <a:rPr lang="en-US" dirty="0"/>
               <a:t> “View”</a:t>
             </a:r>
-            <a:endParaRPr lang="en-US" dirty="0"/>
           </a:p>
         </p:txBody>
       </p:sp>
@@ -25752,14 +25111,13 @@
           <a:lstStyle/>
           <a:p>
             <a:r>
-              <a:rPr lang="en-US" dirty="0" err="1" smtClean="0"/>
+              <a:rPr lang="en-US" dirty="0" err="1"/>
               <a:t>Mr</a:t>
             </a:r>
             <a:r>
-              <a:rPr lang="en-US" dirty="0" smtClean="0"/>
+              <a:rPr lang="en-US" dirty="0"/>
               <a:t> “Model”</a:t>
             </a:r>
-            <a:endParaRPr lang="en-US" dirty="0"/>
           </a:p>
         </p:txBody>
       </p:sp>
@@ -25786,7 +25144,7 @@
           <a:lstStyle/>
           <a:p>
             <a:r>
-              <a:rPr lang="en-US" b="1" dirty="0" err="1" smtClean="0">
+              <a:rPr lang="en-US" b="1" dirty="0" err="1">
                 <a:solidFill>
                   <a:srgbClr val="FF0000"/>
                 </a:solidFill>
@@ -25794,18 +25152,13 @@
               <a:t>Mr</a:t>
             </a:r>
             <a:r>
-              <a:rPr lang="en-US" b="1" dirty="0" smtClean="0">
+              <a:rPr lang="en-US" b="1" dirty="0">
                 <a:solidFill>
                   <a:srgbClr val="FF0000"/>
                 </a:solidFill>
               </a:rPr>
               <a:t> “Controller”</a:t>
             </a:r>
-            <a:endParaRPr lang="en-US" b="1" dirty="0">
-              <a:solidFill>
-                <a:srgbClr val="FF0000"/>
-              </a:solidFill>
-            </a:endParaRPr>
           </a:p>
         </p:txBody>
       </p:sp>
@@ -25833,10 +25186,9 @@
           <a:lstStyle/>
           <a:p>
             <a:r>
-              <a:rPr lang="en-US" dirty="0" smtClean="0"/>
+              <a:rPr lang="en-US" dirty="0"/>
               <a:t>Controller</a:t>
             </a:r>
-            <a:endParaRPr lang="en-US" dirty="0"/>
           </a:p>
         </p:txBody>
       </p:sp>
@@ -25856,13 +25208,6 @@
   <p:transition spd="slow">
     <p:wipe dir="d"/>
   </p:transition>
-  <p:timing>
-    <p:tnLst>
-      <p:par>
-        <p:cTn id="1" dur="indefinite" restart="never" nodeType="tmRoot"/>
-      </p:par>
-    </p:tnLst>
-  </p:timing>
 </p:sld>
 </file>
 
@@ -25907,10 +25252,9 @@
           <a:lstStyle/>
           <a:p>
             <a:r>
-              <a:rPr lang="en-US" dirty="0" smtClean="0"/>
+              <a:rPr lang="en-US" dirty="0"/>
               <a:t>Model-View-Controller (MVC)</a:t>
             </a:r>
-            <a:endParaRPr lang="en-US" dirty="0"/>
           </a:p>
         </p:txBody>
       </p:sp>
@@ -25943,14 +25287,14 @@
               <a:buNone/>
             </a:pPr>
             <a:r>
-              <a:rPr lang="en-US" sz="3600" b="1" dirty="0" smtClean="0">
+              <a:rPr lang="en-US" sz="3600" b="1" dirty="0">
                 <a:solidFill>
                   <a:schemeClr val="tx2"/>
                 </a:solidFill>
               </a:rPr>
               <a:t>View</a:t>
             </a:r>
-            <a:endParaRPr lang="en-SG" sz="3600" b="1" dirty="0" smtClean="0">
+            <a:endParaRPr lang="en-SG" sz="3600" b="1" dirty="0">
               <a:solidFill>
                 <a:schemeClr val="tx2"/>
               </a:solidFill>
@@ -25967,45 +25311,13 @@
                   <a:srgbClr val="FF0000"/>
                 </a:solidFill>
               </a:rPr>
-              <a:t>information that is being presented to a </a:t>
-            </a:r>
-            <a:r>
-              <a:rPr lang="en-SG" sz="3200" dirty="0" smtClean="0">
-                <a:solidFill>
-                  <a:srgbClr val="FF0000"/>
-                </a:solidFill>
-              </a:rPr>
-              <a:t>user</a:t>
-            </a:r>
-          </a:p>
-          <a:p>
-            <a:r>
-              <a:rPr lang="en-SG" sz="3200" dirty="0" smtClean="0"/>
-              <a:t>For </a:t>
-            </a:r>
+              <a:t>information that is being presented to a user</a:t>
+            </a:r>
+          </a:p>
+          <a:p>
             <a:r>
               <a:rPr lang="en-SG" sz="3200" dirty="0"/>
-              <a:t>a </a:t>
-            </a:r>
-            <a:r>
-              <a:rPr lang="en-SG" sz="3200" dirty="0" smtClean="0"/>
-              <a:t>mobile app, </a:t>
-            </a:r>
-            <a:r>
-              <a:rPr lang="en-SG" sz="3200" dirty="0"/>
-              <a:t>the view would generally be an </a:t>
-            </a:r>
-            <a:r>
-              <a:rPr lang="en-SG" sz="3200" dirty="0" smtClean="0"/>
-              <a:t>user interface (UI) page </a:t>
-            </a:r>
-            <a:r>
-              <a:rPr lang="en-SG" sz="3200" dirty="0"/>
-              <a:t>that </a:t>
-            </a:r>
-            <a:r>
-              <a:rPr lang="en-SG" sz="3200" dirty="0" smtClean="0"/>
-              <a:t>presents to user</a:t>
+              <a:t>For a mobile app, the view would generally be an user interface (UI) page that presents to user</a:t>
             </a:r>
           </a:p>
         </p:txBody>
@@ -26223,42 +25535,42 @@
           <a:lstStyle/>
           <a:p>
             <a:r>
-              <a:rPr lang="en-SG" sz="3200" dirty="0" smtClean="0"/>
+              <a:rPr lang="en-SG" sz="3200" dirty="0"/>
               <a:t>When </a:t>
             </a:r>
             <a:r>
-              <a:rPr lang="en-SG" sz="3200" i="1" dirty="0" err="1" smtClean="0">
+              <a:rPr lang="en-SG" sz="3200" i="1" dirty="0" err="1">
                 <a:latin typeface="Times New Roman"/>
                 <a:cs typeface="Times New Roman"/>
               </a:rPr>
               <a:t>RestaurantList</a:t>
             </a:r>
             <a:r>
-              <a:rPr lang="en-SG" sz="3200" i="1" dirty="0" smtClean="0">
+              <a:rPr lang="en-SG" sz="3200" i="1" dirty="0">
                 <a:latin typeface="Times New Roman"/>
                 <a:cs typeface="Times New Roman"/>
               </a:rPr>
               <a:t> Activity</a:t>
             </a:r>
             <a:r>
-              <a:rPr lang="en-SG" sz="3200" dirty="0" smtClean="0"/>
+              <a:rPr lang="en-SG" sz="3200" dirty="0"/>
               <a:t> first started, the </a:t>
             </a:r>
             <a:r>
-              <a:rPr lang="en-SG" sz="3200" dirty="0" smtClean="0">
+              <a:rPr lang="en-SG" sz="3200" dirty="0">
                 <a:latin typeface="Arial"/>
                 <a:cs typeface="Arial"/>
               </a:rPr>
               <a:t>onCreate(Bundle) </a:t>
             </a:r>
             <a:r>
-              <a:rPr lang="en-SG" sz="3200" dirty="0" smtClean="0"/>
+              <a:rPr lang="en-SG" sz="3200" dirty="0"/>
               <a:t>callback method will be run</a:t>
             </a:r>
           </a:p>
           <a:p>
             <a:r>
-              <a:rPr lang="en-SG" sz="3200" dirty="0" smtClean="0"/>
+              <a:rPr lang="en-SG" sz="3200" dirty="0"/>
               <a:t>Initialisation will be done at here</a:t>
             </a:r>
           </a:p>
@@ -26288,10 +25600,9 @@
           <a:lstStyle/>
           <a:p>
             <a:r>
-              <a:rPr lang="en-US" dirty="0" smtClean="0"/>
+              <a:rPr lang="en-US" dirty="0"/>
               <a:t>Controller</a:t>
             </a:r>
-            <a:endParaRPr lang="en-US" dirty="0"/>
           </a:p>
         </p:txBody>
       </p:sp>
@@ -26335,13 +25646,6 @@
   <p:transition spd="slow">
     <p:wipe dir="d"/>
   </p:transition>
-  <p:timing>
-    <p:tnLst>
-      <p:par>
-        <p:cTn id="1" dur="indefinite" restart="never" nodeType="tmRoot"/>
-      </p:par>
-    </p:tnLst>
-  </p:timing>
 </p:sld>
 </file>
 
@@ -26388,7 +25692,7 @@
           <a:lstStyle/>
           <a:p>
             <a:r>
-              <a:rPr lang="en-SG" sz="3200" dirty="0" smtClean="0">
+              <a:rPr lang="en-SG" sz="3200" dirty="0">
                 <a:solidFill>
                   <a:schemeClr val="tx2"/>
                 </a:solidFill>
@@ -26396,19 +25700,19 @@
               <a:t>Line 30</a:t>
             </a:r>
             <a:r>
-              <a:rPr lang="en-SG" sz="3200" dirty="0" smtClean="0"/>
+              <a:rPr lang="en-SG" sz="3200" dirty="0"/>
               <a:t> – “</a:t>
             </a:r>
             <a:r>
-              <a:rPr lang="en-SG" sz="3200" dirty="0" err="1" smtClean="0"/>
+              <a:rPr lang="en-SG" sz="3200" dirty="0" err="1"/>
               <a:t>setContentView</a:t>
             </a:r>
             <a:r>
-              <a:rPr lang="en-SG" sz="3200" dirty="0" smtClean="0"/>
+              <a:rPr lang="en-SG" sz="3200" dirty="0"/>
               <a:t>” sets display view layout using </a:t>
             </a:r>
             <a:r>
-              <a:rPr lang="en-SG" sz="3200" i="1" dirty="0" smtClean="0">
+              <a:rPr lang="en-SG" sz="3200" i="1" dirty="0">
                 <a:latin typeface="Times New Roman"/>
                 <a:cs typeface="Times New Roman"/>
               </a:rPr>
@@ -26417,7 +25721,7 @@
           </a:p>
           <a:p>
             <a:r>
-              <a:rPr lang="en-SG" sz="3200" dirty="0" smtClean="0">
+              <a:rPr lang="en-SG" sz="3200" dirty="0">
                 <a:solidFill>
                   <a:schemeClr val="tx2"/>
                 </a:solidFill>
@@ -26425,43 +25729,43 @@
               <a:t>Line 32 to 40 </a:t>
             </a:r>
             <a:r>
-              <a:rPr lang="en-SG" sz="3200" dirty="0" smtClean="0"/>
+              <a:rPr lang="en-SG" sz="3200" dirty="0"/>
               <a:t>– “</a:t>
             </a:r>
             <a:r>
-              <a:rPr lang="en-SG" sz="3200" dirty="0" err="1" smtClean="0"/>
+              <a:rPr lang="en-SG" sz="3200" dirty="0" err="1"/>
               <a:t>findViewByID</a:t>
             </a:r>
             <a:r>
-              <a:rPr lang="en-SG" sz="3200" dirty="0" smtClean="0"/>
+              <a:rPr lang="en-SG" sz="3200" dirty="0"/>
               <a:t>” binds local variables to </a:t>
             </a:r>
             <a:r>
-              <a:rPr lang="en-SG" sz="3200" dirty="0" err="1" smtClean="0"/>
+              <a:rPr lang="en-SG" sz="3200" dirty="0" err="1"/>
               <a:t>EditText</a:t>
             </a:r>
             <a:r>
-              <a:rPr lang="en-SG" sz="3200" dirty="0" smtClean="0"/>
+              <a:rPr lang="en-SG" sz="3200" dirty="0"/>
               <a:t>, </a:t>
             </a:r>
             <a:r>
-              <a:rPr lang="en-SG" sz="3200" dirty="0" err="1" smtClean="0"/>
+              <a:rPr lang="en-SG" sz="3200" dirty="0" err="1"/>
               <a:t>RadioGroup</a:t>
             </a:r>
             <a:r>
-              <a:rPr lang="en-SG" sz="3200" dirty="0" smtClean="0"/>
+              <a:rPr lang="en-SG" sz="3200" dirty="0"/>
               <a:t>, Button and </a:t>
             </a:r>
             <a:r>
-              <a:rPr lang="en-SG" sz="3200" dirty="0" err="1" smtClean="0"/>
+              <a:rPr lang="en-SG" sz="3200" dirty="0" err="1"/>
               <a:t>ListView</a:t>
             </a:r>
             <a:r>
-              <a:rPr lang="en-SG" sz="3200" dirty="0" smtClean="0"/>
+              <a:rPr lang="en-SG" sz="3200" dirty="0"/>
               <a:t> widgets on UI View defined in </a:t>
             </a:r>
             <a:r>
-              <a:rPr lang="en-SG" sz="3200" i="1" dirty="0" smtClean="0">
+              <a:rPr lang="en-SG" sz="3200" i="1" dirty="0">
                 <a:latin typeface="Times New Roman"/>
                 <a:cs typeface="Times New Roman"/>
               </a:rPr>
@@ -26625,10 +25929,9 @@
           <a:lstStyle/>
           <a:p>
             <a:r>
-              <a:rPr lang="en-US" dirty="0" smtClean="0"/>
+              <a:rPr lang="en-US" dirty="0"/>
               <a:t>Controller</a:t>
             </a:r>
-            <a:endParaRPr lang="en-US" dirty="0"/>
           </a:p>
         </p:txBody>
       </p:sp>
@@ -26648,13 +25951,6 @@
   <p:transition spd="slow">
     <p:wipe dir="d"/>
   </p:transition>
-  <p:timing>
-    <p:tnLst>
-      <p:par>
-        <p:cTn id="1" dur="indefinite" restart="never" nodeType="tmRoot"/>
-      </p:par>
-    </p:tnLst>
-  </p:timing>
 </p:sld>
 </file>
 
@@ -26725,7 +26021,7 @@
           <a:lstStyle/>
           <a:p>
             <a:r>
-              <a:rPr lang="en-SG" sz="3200" dirty="0" smtClean="0">
+              <a:rPr lang="en-SG" sz="3200" dirty="0">
                 <a:solidFill>
                   <a:schemeClr val="tx2"/>
                 </a:solidFill>
@@ -26733,7 +26029,7 @@
               <a:t>Line </a:t>
             </a:r>
             <a:r>
-              <a:rPr lang="en-SG" sz="3200" dirty="0" smtClean="0">
+              <a:rPr lang="en-SG" sz="3200" dirty="0">
                 <a:solidFill>
                   <a:srgbClr val="1F497D"/>
                 </a:solidFill>
@@ -26741,37 +26037,29 @@
               <a:t>37</a:t>
             </a:r>
             <a:r>
-              <a:rPr lang="en-SG" sz="3200" dirty="0" smtClean="0"/>
-              <a:t> - bind the Button </a:t>
-            </a:r>
-            <a:r>
-              <a:rPr lang="en-SG" sz="3200" dirty="0" err="1" smtClean="0"/>
-              <a:t>varible</a:t>
-            </a:r>
-            <a:r>
-              <a:rPr lang="en-SG" sz="3200" dirty="0" smtClean="0"/>
-              <a:t> “</a:t>
-            </a:r>
-            <a:r>
-              <a:rPr lang="en-SG" sz="3200" dirty="0" err="1" smtClean="0"/>
+              <a:rPr lang="en-SG" sz="3200" dirty="0"/>
+              <a:t> - bind the Button variable “</a:t>
+            </a:r>
+            <a:r>
+              <a:rPr lang="en-SG" sz="3200" dirty="0" err="1"/>
               <a:t>buttonSave</a:t>
             </a:r>
             <a:r>
-              <a:rPr lang="en-SG" sz="3200" dirty="0" smtClean="0"/>
+              <a:rPr lang="en-SG" sz="3200" dirty="0"/>
               <a:t>” to the “Save” button widget on UI View with id “</a:t>
             </a:r>
             <a:r>
-              <a:rPr lang="en-SG" sz="3200" dirty="0" err="1" smtClean="0"/>
+              <a:rPr lang="en-SG" sz="3200" dirty="0" err="1"/>
               <a:t>button_save</a:t>
             </a:r>
             <a:r>
-              <a:rPr lang="en-SG" sz="3200" dirty="0" smtClean="0"/>
+              <a:rPr lang="en-SG" sz="3200" dirty="0"/>
               <a:t>”</a:t>
             </a:r>
           </a:p>
           <a:p>
             <a:r>
-              <a:rPr lang="en-SG" sz="3200" dirty="0" smtClean="0">
+              <a:rPr lang="en-SG" sz="3200" dirty="0">
                 <a:solidFill>
                   <a:srgbClr val="1F497D"/>
                 </a:solidFill>
@@ -26779,11 +26067,11 @@
               <a:t>Line 38 </a:t>
             </a:r>
             <a:r>
-              <a:rPr lang="en-SG" sz="3200" dirty="0" smtClean="0"/>
+              <a:rPr lang="en-SG" sz="3200" dirty="0"/>
               <a:t>-</a:t>
             </a:r>
             <a:r>
-              <a:rPr lang="en-SG" sz="3200" dirty="0" smtClean="0">
+              <a:rPr lang="en-SG" sz="3200" dirty="0">
                 <a:solidFill>
                   <a:srgbClr val="1F497D"/>
                 </a:solidFill>
@@ -26791,7 +26079,7 @@
               <a:t> </a:t>
             </a:r>
             <a:r>
-              <a:rPr lang="en-SG" sz="3200" dirty="0" smtClean="0"/>
+              <a:rPr lang="en-SG" sz="3200" dirty="0"/>
               <a:t>activate the click listener to monitor the touch event of the button</a:t>
             </a:r>
           </a:p>
@@ -26867,10 +26155,9 @@
           <a:lstStyle/>
           <a:p>
             <a:r>
-              <a:rPr lang="en-US" dirty="0" smtClean="0"/>
+              <a:rPr lang="en-US" dirty="0"/>
               <a:t>Controller</a:t>
             </a:r>
-            <a:endParaRPr lang="en-US" dirty="0"/>
           </a:p>
         </p:txBody>
       </p:sp>
@@ -26890,13 +26177,6 @@
   <p:transition spd="slow">
     <p:wipe dir="d"/>
   </p:transition>
-  <p:timing>
-    <p:tnLst>
-      <p:par>
-        <p:cTn id="1" dur="indefinite" restart="never" nodeType="tmRoot"/>
-      </p:par>
-    </p:tnLst>
-  </p:timing>
 </p:sld>
 </file>
 
@@ -26940,7 +26220,7 @@
           <a:lstStyle/>
           <a:p>
             <a:r>
-              <a:rPr lang="en-US" sz="7200" dirty="0" err="1" smtClean="0"/>
+              <a:rPr lang="en-US" sz="7200" dirty="0" err="1"/>
               <a:t>ArrayAdapter</a:t>
             </a:r>
             <a:endParaRPr lang="en-US" sz="7200" dirty="0"/>
@@ -26960,13 +26240,6 @@
   <p:transition spd="slow">
     <p:push/>
   </p:transition>
-  <p:timing>
-    <p:tnLst>
-      <p:par>
-        <p:cTn id="1" dur="indefinite" restart="never" nodeType="tmRoot"/>
-      </p:par>
-    </p:tnLst>
-  </p:timing>
 </p:sld>
 </file>
 
@@ -27011,7 +26284,7 @@
           <a:lstStyle/>
           <a:p>
             <a:r>
-              <a:rPr lang="en-US" dirty="0" err="1" smtClean="0"/>
+              <a:rPr lang="en-US" dirty="0" err="1"/>
               <a:t>ArrayAdapter</a:t>
             </a:r>
             <a:endParaRPr lang="en-US" dirty="0"/>
@@ -27044,11 +26317,11 @@
           <a:lstStyle/>
           <a:p>
             <a:r>
-              <a:rPr lang="en-SG" sz="3200" dirty="0" smtClean="0"/>
+              <a:rPr lang="en-SG" sz="3200" dirty="0"/>
               <a:t>Remember </a:t>
             </a:r>
             <a:r>
-              <a:rPr lang="en-SG" sz="3200" dirty="0" smtClean="0">
+              <a:rPr lang="en-SG" sz="3200" dirty="0">
                 <a:solidFill>
                   <a:srgbClr val="FF0000"/>
                 </a:solidFill>
@@ -27059,14 +26332,10 @@
           <a:p>
             <a:r>
               <a:rPr lang="en-SG" sz="3200" dirty="0"/>
-              <a:t>T</a:t>
-            </a:r>
-            <a:r>
-              <a:rPr lang="en-SG" sz="3200" dirty="0" smtClean="0"/>
-              <a:t>o </a:t>
-            </a:r>
-            <a:r>
-              <a:rPr lang="en-SG" sz="3200" dirty="0" smtClean="0">
+              <a:t>To </a:t>
+            </a:r>
+            <a:r>
+              <a:rPr lang="en-SG" sz="3200" dirty="0">
                 <a:solidFill>
                   <a:srgbClr val="FF0000"/>
                 </a:solidFill>
@@ -27074,11 +26343,11 @@
               <a:t>link ArrayList model with ListView widget on UI View</a:t>
             </a:r>
             <a:r>
-              <a:rPr lang="en-SG" sz="3200" dirty="0" smtClean="0"/>
+              <a:rPr lang="en-SG" sz="3200" dirty="0"/>
               <a:t>, the Controller </a:t>
             </a:r>
             <a:r>
-              <a:rPr lang="en-SG" sz="3200" dirty="0" smtClean="0">
+              <a:rPr lang="en-SG" sz="3200" dirty="0">
                 <a:solidFill>
                   <a:srgbClr val="FF0000"/>
                 </a:solidFill>
@@ -27086,10 +26355,10 @@
               <a:t>uses ArrayAdapter </a:t>
             </a:r>
             <a:r>
-              <a:rPr lang="en-SG" sz="3200" dirty="0" smtClean="0"/>
+              <a:rPr lang="en-SG" sz="3200" dirty="0"/>
               <a:t>to bind the two together  </a:t>
             </a:r>
-            <a:endParaRPr lang="en-SG" sz="2800" dirty="0" smtClean="0"/>
+            <a:endParaRPr lang="en-SG" sz="2800" dirty="0"/>
           </a:p>
         </p:txBody>
       </p:sp>
@@ -27134,7 +26403,7 @@
           <a:p>
             <a:pPr algn="ctr"/>
             <a:r>
-              <a:rPr lang="en-US" dirty="0" err="1" smtClean="0"/>
+              <a:rPr lang="en-US" dirty="0" err="1"/>
               <a:t>ListView</a:t>
             </a:r>
             <a:endParaRPr lang="en-US" dirty="0"/>
@@ -27179,7 +26448,7 @@
           <a:p>
             <a:pPr algn="ctr"/>
             <a:r>
-              <a:rPr lang="en-US" dirty="0" err="1" smtClean="0"/>
+              <a:rPr lang="en-US" dirty="0" err="1"/>
               <a:t>ArrayAdapter</a:t>
             </a:r>
             <a:endParaRPr lang="en-US" dirty="0"/>
@@ -27221,7 +26490,7 @@
           <a:p>
             <a:pPr algn="ctr"/>
             <a:r>
-              <a:rPr lang="en-US" dirty="0" err="1" smtClean="0"/>
+              <a:rPr lang="en-US" dirty="0" err="1"/>
               <a:t>ArrayList</a:t>
             </a:r>
             <a:endParaRPr lang="en-US" dirty="0"/>
@@ -27251,10 +26520,9 @@
           <a:lstStyle/>
           <a:p>
             <a:r>
-              <a:rPr lang="en-US" dirty="0" smtClean="0"/>
+              <a:rPr lang="en-US" dirty="0"/>
               <a:t>View</a:t>
             </a:r>
-            <a:endParaRPr lang="en-US" dirty="0"/>
           </a:p>
         </p:txBody>
       </p:sp>
@@ -27281,10 +26549,9 @@
           <a:lstStyle/>
           <a:p>
             <a:r>
-              <a:rPr lang="en-US" dirty="0" smtClean="0"/>
+              <a:rPr lang="en-US" dirty="0"/>
               <a:t>Controller</a:t>
             </a:r>
-            <a:endParaRPr lang="en-US" dirty="0"/>
           </a:p>
         </p:txBody>
       </p:sp>
@@ -27311,10 +26578,9 @@
           <a:lstStyle/>
           <a:p>
             <a:r>
-              <a:rPr lang="en-US" dirty="0" smtClean="0"/>
+              <a:rPr lang="en-US" dirty="0"/>
               <a:t>Model</a:t>
             </a:r>
-            <a:endParaRPr lang="en-US" dirty="0"/>
           </a:p>
         </p:txBody>
       </p:sp>
@@ -27410,13 +26676,6 @@
   <p:transition spd="slow">
     <p:wipe dir="d"/>
   </p:transition>
-  <p:timing>
-    <p:tnLst>
-      <p:par>
-        <p:cTn id="1" dur="indefinite" restart="never" nodeType="tmRoot"/>
-      </p:par>
-    </p:tnLst>
-  </p:timing>
 </p:sld>
 </file>
 
@@ -27463,38 +26722,37 @@
           <a:lstStyle/>
           <a:p>
             <a:r>
-              <a:rPr lang="en-SG" sz="3200" i="1" dirty="0" smtClean="0">
+              <a:rPr lang="en-SG" sz="3200" i="1" dirty="0">
                 <a:latin typeface="Times New Roman"/>
                 <a:cs typeface="Times New Roman"/>
               </a:rPr>
               <a:t>ArrayAdapter</a:t>
             </a:r>
             <a:r>
-              <a:rPr lang="en-SG" sz="3200" dirty="0" smtClean="0"/>
+              <a:rPr lang="en-SG" sz="3200" dirty="0"/>
               <a:t> class can handle any Java object (e.g. restaurant model) as Input</a:t>
             </a:r>
           </a:p>
           <a:p>
             <a:r>
-              <a:rPr lang="en-SG" sz="3200" dirty="0" smtClean="0"/>
+              <a:rPr lang="en-SG" sz="3200" dirty="0"/>
               <a:t>By default it will call the </a:t>
             </a:r>
             <a:r>
-              <a:rPr lang="en-SG" sz="3200" dirty="0" smtClean="0">
+              <a:rPr lang="en-SG" sz="3200" dirty="0">
                 <a:latin typeface="Arial"/>
                 <a:cs typeface="Arial"/>
               </a:rPr>
               <a:t>toString()</a:t>
             </a:r>
             <a:r>
-              <a:rPr lang="en-SG" sz="3200" dirty="0" smtClean="0"/>
+              <a:rPr lang="en-SG" sz="3200" dirty="0"/>
               <a:t> method on each object for the data which should be displayed on ListView</a:t>
             </a:r>
-            <a:endParaRPr lang="en-SG" sz="3200" dirty="0"/>
-          </a:p>
-          <a:p>
-            <a:r>
-              <a:rPr lang="en-SG" sz="3200" dirty="0" smtClean="0"/>
+          </a:p>
+          <a:p>
+            <a:r>
+              <a:rPr lang="en-SG" sz="3200" dirty="0"/>
               <a:t>Example</a:t>
             </a:r>
           </a:p>
@@ -27503,25 +26761,25 @@
               <a:buNone/>
             </a:pPr>
             <a:r>
-              <a:rPr lang="en-SG" sz="2400" dirty="0" smtClean="0">
+              <a:rPr lang="en-SG" sz="2400" dirty="0">
                 <a:latin typeface="Arial"/>
                 <a:cs typeface="Arial"/>
               </a:rPr>
               <a:t>toString()</a:t>
             </a:r>
             <a:r>
-              <a:rPr lang="en-SG" sz="2400" dirty="0" smtClean="0"/>
+              <a:rPr lang="en-SG" sz="2400" dirty="0"/>
               <a:t> method in </a:t>
             </a:r>
             <a:r>
-              <a:rPr lang="en-SG" sz="2400" i="1" dirty="0" smtClean="0">
+              <a:rPr lang="en-SG" sz="2400" i="1" dirty="0">
                 <a:latin typeface="Times New Roman"/>
                 <a:cs typeface="Times New Roman"/>
               </a:rPr>
               <a:t>restaurant.java</a:t>
             </a:r>
             <a:r>
-              <a:rPr lang="en-SG" sz="2400" dirty="0" smtClean="0"/>
+              <a:rPr lang="en-SG" sz="2400" dirty="0"/>
               <a:t> model to display restaurant name on ListView</a:t>
             </a:r>
           </a:p>
@@ -27575,7 +26833,7 @@
           <a:lstStyle/>
           <a:p>
             <a:r>
-              <a:rPr lang="en-US" dirty="0" err="1" smtClean="0"/>
+              <a:rPr lang="en-US" dirty="0" err="1"/>
               <a:t>ArrayAdapter</a:t>
             </a:r>
             <a:endParaRPr lang="en-US" dirty="0"/>
@@ -27598,13 +26856,6 @@
   <p:transition spd="slow">
     <p:wipe dir="d"/>
   </p:transition>
-  <p:timing>
-    <p:tnLst>
-      <p:par>
-        <p:cTn id="1" dur="indefinite" restart="never" nodeType="tmRoot"/>
-      </p:par>
-    </p:tnLst>
-  </p:timing>
 </p:sld>
 </file>
 
@@ -27675,7 +26926,7 @@
           <a:lstStyle/>
           <a:p>
             <a:r>
-              <a:rPr lang="en-SG" sz="3200" dirty="0" smtClean="0">
+              <a:rPr lang="en-SG" sz="3200" dirty="0">
                 <a:solidFill>
                   <a:srgbClr val="1F497D"/>
                 </a:solidFill>
@@ -27683,29 +26934,29 @@
               <a:t>Line 41</a:t>
             </a:r>
             <a:r>
-              <a:rPr lang="en-SG" sz="3200" dirty="0" smtClean="0"/>
+              <a:rPr lang="en-SG" sz="3200" dirty="0"/>
               <a:t> - an </a:t>
             </a:r>
             <a:r>
-              <a:rPr lang="en-SG" sz="3200" i="1" dirty="0" smtClean="0">
+              <a:rPr lang="en-SG" sz="3200" i="1" dirty="0">
                 <a:latin typeface="Times New Roman"/>
                 <a:cs typeface="Times New Roman"/>
               </a:rPr>
               <a:t>ArrayAdapter</a:t>
             </a:r>
             <a:r>
-              <a:rPr lang="en-SG" sz="3200" dirty="0" smtClean="0"/>
+              <a:rPr lang="en-SG" sz="3200" dirty="0"/>
               <a:t> is declared to link to </a:t>
             </a:r>
             <a:r>
-              <a:rPr lang="en-SG" sz="3200" i="1" dirty="0" smtClean="0">
+              <a:rPr lang="en-SG" sz="3200" i="1" dirty="0">
                 <a:latin typeface="Times New Roman"/>
                 <a:cs typeface="Times New Roman"/>
               </a:rPr>
               <a:t>ArrayList</a:t>
             </a:r>
             <a:r>
-              <a:rPr lang="en-SG" sz="3200" dirty="0" smtClean="0"/>
+              <a:rPr lang="en-SG" sz="3200" dirty="0"/>
               <a:t> model with Android predefined layout android.R.layout.simple_list_item_1</a:t>
             </a:r>
           </a:p>
@@ -27778,7 +27029,7 @@
           <a:lstStyle/>
           <a:p>
             <a:r>
-              <a:rPr lang="en-US" dirty="0" err="1" smtClean="0"/>
+              <a:rPr lang="en-US" dirty="0" err="1"/>
               <a:t>ArrayAdapter</a:t>
             </a:r>
             <a:endParaRPr lang="en-US" dirty="0"/>
@@ -27801,13 +27052,6 @@
   <p:transition spd="slow">
     <p:wipe dir="d"/>
   </p:transition>
-  <p:timing>
-    <p:tnLst>
-      <p:par>
-        <p:cTn id="1" dur="indefinite" restart="never" nodeType="tmRoot"/>
-      </p:par>
-    </p:tnLst>
-  </p:timing>
 </p:sld>
 </file>
 
@@ -27854,7 +27098,7 @@
           <a:lstStyle/>
           <a:p>
             <a:r>
-              <a:rPr lang="en-SG" sz="3200" dirty="0" smtClean="0">
+              <a:rPr lang="en-SG" sz="3200" dirty="0">
                 <a:solidFill>
                   <a:srgbClr val="1F497D"/>
                 </a:solidFill>
@@ -27862,39 +27106,39 @@
               <a:t>Line 42</a:t>
             </a:r>
             <a:r>
-              <a:rPr lang="en-SG" sz="3200" dirty="0" smtClean="0"/>
+              <a:rPr lang="en-SG" sz="3200" dirty="0"/>
               <a:t> - bind the </a:t>
             </a:r>
             <a:r>
-              <a:rPr lang="en-SG" sz="3200" i="1" dirty="0" smtClean="0">
+              <a:rPr lang="en-SG" sz="3200" i="1" dirty="0">
                 <a:latin typeface="Times New Roman"/>
                 <a:cs typeface="Times New Roman"/>
               </a:rPr>
               <a:t>ArrayList</a:t>
             </a:r>
             <a:r>
-              <a:rPr lang="en-SG" sz="3200" dirty="0" smtClean="0"/>
+              <a:rPr lang="en-SG" sz="3200" dirty="0"/>
               <a:t> model and </a:t>
             </a:r>
             <a:r>
-              <a:rPr lang="en-SG" sz="3200" i="1" dirty="0" smtClean="0">
+              <a:rPr lang="en-SG" sz="3200" i="1" dirty="0">
                 <a:latin typeface="Times New Roman"/>
                 <a:cs typeface="Times New Roman"/>
               </a:rPr>
               <a:t>ListView</a:t>
             </a:r>
             <a:r>
-              <a:rPr lang="en-SG" sz="3200" dirty="0" smtClean="0"/>
+              <a:rPr lang="en-SG" sz="3200" dirty="0"/>
               <a:t> widget with </a:t>
             </a:r>
             <a:r>
-              <a:rPr lang="en-SG" sz="3200" i="1" dirty="0" smtClean="0">
+              <a:rPr lang="en-SG" sz="3200" i="1" dirty="0">
                 <a:latin typeface="Times New Roman"/>
                 <a:cs typeface="Times New Roman"/>
               </a:rPr>
               <a:t>ArrayAdapter</a:t>
             </a:r>
-            <a:endParaRPr lang="en-SG" sz="2800" i="1" dirty="0" smtClean="0">
+            <a:endParaRPr lang="en-SG" sz="2800" i="1" dirty="0">
               <a:latin typeface="Times New Roman"/>
               <a:cs typeface="Times New Roman"/>
             </a:endParaRPr>
@@ -27992,7 +27236,7 @@
           <a:lstStyle/>
           <a:p>
             <a:r>
-              <a:rPr lang="en-US" dirty="0" err="1" smtClean="0"/>
+              <a:rPr lang="en-US" dirty="0" err="1"/>
               <a:t>ArrayAdapter</a:t>
             </a:r>
             <a:endParaRPr lang="en-US" dirty="0"/>
@@ -28015,13 +27259,6 @@
   <p:transition spd="slow">
     <p:wipe dir="d"/>
   </p:transition>
-  <p:timing>
-    <p:tnLst>
-      <p:par>
-        <p:cTn id="1" dur="indefinite" restart="never" nodeType="tmRoot"/>
-      </p:par>
-    </p:tnLst>
-  </p:timing>
 </p:sld>
 </file>
 
@@ -28068,10 +27305,9 @@
           <a:lstStyle/>
           <a:p>
             <a:r>
-              <a:rPr lang="en-US" dirty="0" smtClean="0"/>
+              <a:rPr lang="en-US" dirty="0"/>
               <a:t>Controller</a:t>
             </a:r>
-            <a:endParaRPr lang="en-US" dirty="0"/>
           </a:p>
         </p:txBody>
       </p:sp>
@@ -28101,30 +27337,30 @@
           <a:lstStyle/>
           <a:p>
             <a:r>
-              <a:rPr lang="en-SG" sz="3600" dirty="0" smtClean="0"/>
+              <a:rPr lang="en-SG" sz="3600" dirty="0"/>
               <a:t>When Save Button is pressed, </a:t>
             </a:r>
             <a:r>
-              <a:rPr lang="en-SG" sz="3200" dirty="0" smtClean="0"/>
+              <a:rPr lang="en-SG" sz="3200" dirty="0"/>
               <a:t>the Controller will handle the event by executing the code in </a:t>
             </a:r>
             <a:r>
-              <a:rPr lang="en-SG" sz="3200" i="1" dirty="0" err="1" smtClean="0">
+              <a:rPr lang="en-SG" sz="3200" i="1" dirty="0" err="1">
                 <a:latin typeface="Times New Roman"/>
                 <a:cs typeface="Times New Roman"/>
               </a:rPr>
               <a:t>onClick</a:t>
             </a:r>
             <a:r>
-              <a:rPr lang="en-SG" sz="3200" dirty="0" smtClean="0"/>
+              <a:rPr lang="en-SG" sz="3200" dirty="0"/>
               <a:t> method and pass to “</a:t>
             </a:r>
             <a:r>
-              <a:rPr lang="en-SG" sz="3200" dirty="0" err="1" smtClean="0"/>
+              <a:rPr lang="en-SG" sz="3200" dirty="0" err="1"/>
               <a:t>onSave</a:t>
             </a:r>
             <a:r>
-              <a:rPr lang="en-SG" sz="3200" dirty="0" smtClean="0"/>
+              <a:rPr lang="en-SG" sz="3200" dirty="0"/>
               <a:t>” method</a:t>
             </a:r>
           </a:p>
@@ -28230,13 +27466,6 @@
   <p:transition spd="slow">
     <p:wipe dir="d"/>
   </p:transition>
-  <p:timing>
-    <p:tnLst>
-      <p:par>
-        <p:cTn id="1" dur="indefinite" restart="never" nodeType="tmRoot"/>
-      </p:par>
-    </p:tnLst>
-  </p:timing>
 </p:sld>
 </file>
 
@@ -28307,7 +27536,7 @@
           <a:lstStyle/>
           <a:p>
             <a:r>
-              <a:rPr lang="en-SG" sz="3600" dirty="0" smtClean="0">
+              <a:rPr lang="en-SG" sz="3600" dirty="0">
                 <a:solidFill>
                   <a:srgbClr val="1F497D"/>
                 </a:solidFill>
@@ -28315,11 +27544,11 @@
               <a:t>Line 49 to 77</a:t>
             </a:r>
             <a:r>
-              <a:rPr lang="en-SG" sz="3600" dirty="0" smtClean="0"/>
+              <a:rPr lang="en-SG" sz="3600" dirty="0"/>
               <a:t> -</a:t>
             </a:r>
             <a:r>
-              <a:rPr lang="en-SG" sz="3600" dirty="0" smtClean="0">
+              <a:rPr lang="en-SG" sz="3600" dirty="0">
                 <a:solidFill>
                   <a:srgbClr val="1F497D"/>
                 </a:solidFill>
@@ -28327,26 +27556,26 @@
               <a:t> </a:t>
             </a:r>
             <a:r>
-              <a:rPr lang="en-SG" sz="3600" dirty="0" smtClean="0"/>
+              <a:rPr lang="en-SG" sz="3600" dirty="0"/>
               <a:t>Get the data entries from UI View and save to local variables (e.g. </a:t>
             </a:r>
             <a:r>
-              <a:rPr lang="en-SG" sz="3600" dirty="0" err="1" smtClean="0"/>
+              <a:rPr lang="en-SG" sz="3600" dirty="0" err="1"/>
               <a:t>nameStr</a:t>
             </a:r>
             <a:r>
-              <a:rPr lang="en-SG" sz="3600" dirty="0" smtClean="0"/>
+              <a:rPr lang="en-SG" sz="3600" dirty="0"/>
               <a:t>, </a:t>
             </a:r>
             <a:r>
-              <a:rPr lang="en-SG" sz="3600" dirty="0" err="1" smtClean="0"/>
+              <a:rPr lang="en-SG" sz="3600" dirty="0" err="1"/>
               <a:t>addrStr</a:t>
             </a:r>
             <a:r>
-              <a:rPr lang="en-SG" sz="3600" dirty="0" smtClean="0"/>
+              <a:rPr lang="en-SG" sz="3600" dirty="0"/>
               <a:t> and etc.)</a:t>
             </a:r>
-            <a:endParaRPr lang="en-SG" sz="3200" dirty="0" smtClean="0"/>
+            <a:endParaRPr lang="en-SG" sz="3200" dirty="0"/>
           </a:p>
         </p:txBody>
       </p:sp>
@@ -28422,10 +27651,9 @@
           <a:lstStyle/>
           <a:p>
             <a:r>
-              <a:rPr lang="en-US" dirty="0" smtClean="0"/>
+              <a:rPr lang="en-US" dirty="0"/>
               <a:t>Controller</a:t>
             </a:r>
-            <a:endParaRPr lang="en-US" dirty="0"/>
           </a:p>
         </p:txBody>
       </p:sp>
@@ -28445,13 +27673,6 @@
   <p:transition spd="slow">
     <p:wipe dir="d"/>
   </p:transition>
-  <p:timing>
-    <p:tnLst>
-      <p:par>
-        <p:cTn id="1" dur="indefinite" restart="never" nodeType="tmRoot"/>
-      </p:par>
-    </p:tnLst>
-  </p:timing>
 </p:sld>
 </file>
 
@@ -28496,10 +27717,9 @@
           <a:lstStyle/>
           <a:p>
             <a:r>
-              <a:rPr lang="en-US" dirty="0" smtClean="0"/>
+              <a:rPr lang="en-US" dirty="0"/>
               <a:t>Model-View-Controller (MVC)</a:t>
             </a:r>
-            <a:endParaRPr lang="en-US" dirty="0"/>
           </a:p>
         </p:txBody>
       </p:sp>
@@ -28532,14 +27752,14 @@
               <a:buNone/>
             </a:pPr>
             <a:r>
-              <a:rPr lang="en-US" sz="3600" b="1" dirty="0" smtClean="0">
+              <a:rPr lang="en-US" sz="3600" b="1" dirty="0">
                 <a:solidFill>
                   <a:schemeClr val="tx2"/>
                 </a:solidFill>
               </a:rPr>
               <a:t>View</a:t>
             </a:r>
-            <a:endParaRPr lang="en-SG" sz="3600" b="1" dirty="0" smtClean="0">
+            <a:endParaRPr lang="en-SG" sz="3600" b="1" dirty="0">
               <a:solidFill>
                 <a:schemeClr val="tx2"/>
               </a:solidFill>
@@ -28547,30 +27767,14 @@
           </a:p>
           <a:p>
             <a:r>
-              <a:rPr lang="en-SG" sz="3200" dirty="0" smtClean="0"/>
-              <a:t>The </a:t>
-            </a:r>
-            <a:r>
               <a:rPr lang="en-SG" sz="3200" dirty="0"/>
-              <a:t>view pulls data from the model (which is passed to it from the controller) and feeds the data into a template which is populated and presented to the </a:t>
-            </a:r>
-            <a:r>
-              <a:rPr lang="en-SG" sz="3200" dirty="0" smtClean="0"/>
-              <a:t>user</a:t>
-            </a:r>
-          </a:p>
-          <a:p>
-            <a:r>
-              <a:rPr lang="en-SG" sz="3200" dirty="0" smtClean="0"/>
-              <a:t>The </a:t>
-            </a:r>
+              <a:t>The view pulls data from the model (which is passed to it from the controller) and feeds the data into a template which is populated and presented to the user</a:t>
+            </a:r>
+          </a:p>
+          <a:p>
             <a:r>
               <a:rPr lang="en-SG" sz="3200" dirty="0"/>
-              <a:t>view does not cause the data to be modified in any way, it only displays data retrieved from the </a:t>
-            </a:r>
-            <a:r>
-              <a:rPr lang="en-SG" sz="3200" dirty="0" smtClean="0"/>
-              <a:t>model</a:t>
+              <a:t>The view does not cause the data to be modified in any way, it only displays data retrieved from the model</a:t>
             </a:r>
             <a:endParaRPr lang="en-US" sz="3600" dirty="0"/>
           </a:p>
@@ -28814,7 +28018,7 @@
           <a:p>
             <a:pPr marL="398463" indent="-398463"/>
             <a:r>
-              <a:rPr lang="en-SG" sz="3200" dirty="0" smtClean="0">
+              <a:rPr lang="en-SG" sz="3200" dirty="0">
                 <a:solidFill>
                   <a:srgbClr val="1F497D"/>
                 </a:solidFill>
@@ -28822,11 +28026,11 @@
               <a:t>Line 81 </a:t>
             </a:r>
             <a:r>
-              <a:rPr lang="en-SG" sz="3200" dirty="0" smtClean="0"/>
+              <a:rPr lang="en-SG" sz="3200" dirty="0"/>
               <a:t>-</a:t>
             </a:r>
             <a:r>
-              <a:rPr lang="en-SG" sz="3200" dirty="0" smtClean="0">
+              <a:rPr lang="en-SG" sz="3200" dirty="0">
                 <a:solidFill>
                   <a:srgbClr val="1F497D"/>
                 </a:solidFill>
@@ -28834,25 +28038,25 @@
               <a:t> </a:t>
             </a:r>
             <a:r>
-              <a:rPr lang="en-SG" sz="3200" dirty="0" smtClean="0"/>
+              <a:rPr lang="en-SG" sz="3200" dirty="0"/>
               <a:t>Create a </a:t>
             </a:r>
             <a:r>
-              <a:rPr lang="en-SG" sz="3200" i="1" dirty="0" smtClean="0">
+              <a:rPr lang="en-SG" sz="3200" i="1" dirty="0">
                 <a:latin typeface="Times New Roman"/>
                 <a:cs typeface="Times New Roman"/>
               </a:rPr>
               <a:t>restaurant</a:t>
             </a:r>
             <a:r>
-              <a:rPr lang="en-SG" sz="3200" dirty="0" smtClean="0"/>
+              <a:rPr lang="en-SG" sz="3200" dirty="0"/>
               <a:t> data model object or model</a:t>
             </a:r>
           </a:p>
           <a:p>
             <a:pPr marL="398463" indent="-398463"/>
             <a:r>
-              <a:rPr lang="en-SG" sz="3200" dirty="0" smtClean="0">
+              <a:rPr lang="en-SG" sz="3200" dirty="0">
                 <a:solidFill>
                   <a:srgbClr val="1F497D"/>
                 </a:solidFill>
@@ -28860,11 +28064,11 @@
               <a:t>Line 83 to 86 </a:t>
             </a:r>
             <a:r>
-              <a:rPr lang="en-SG" sz="3200" dirty="0" smtClean="0"/>
+              <a:rPr lang="en-SG" sz="3200" dirty="0"/>
               <a:t>–</a:t>
             </a:r>
             <a:r>
-              <a:rPr lang="en-SG" sz="3200" dirty="0" smtClean="0">
+              <a:rPr lang="en-SG" sz="3200" dirty="0">
                 <a:solidFill>
                   <a:srgbClr val="1F497D"/>
                 </a:solidFill>
@@ -28872,7 +28076,7 @@
               <a:t> </a:t>
             </a:r>
             <a:r>
-              <a:rPr lang="en-SG" sz="3200" dirty="0" smtClean="0"/>
+              <a:rPr lang="en-SG" sz="3200" dirty="0"/>
               <a:t>Set individual values in the data model</a:t>
             </a:r>
           </a:p>
@@ -28996,10 +28200,9 @@
           <a:lstStyle/>
           <a:p>
             <a:r>
-              <a:rPr lang="en-US" dirty="0" smtClean="0"/>
+              <a:rPr lang="en-US" dirty="0"/>
               <a:t>Controller</a:t>
             </a:r>
-            <a:endParaRPr lang="en-US" dirty="0"/>
           </a:p>
         </p:txBody>
       </p:sp>
@@ -29019,13 +28222,6 @@
   <p:transition spd="slow">
     <p:wipe dir="d"/>
   </p:transition>
-  <p:timing>
-    <p:tnLst>
-      <p:par>
-        <p:cTn id="1" dur="indefinite" restart="never" nodeType="tmRoot"/>
-      </p:par>
-    </p:tnLst>
-  </p:timing>
 </p:sld>
 </file>
 
@@ -29097,7 +28293,7 @@
           <a:p>
             <a:pPr marL="515938" indent="-515938"/>
             <a:r>
-              <a:rPr lang="en-SG" sz="3200" dirty="0" smtClean="0">
+              <a:rPr lang="en-SG" sz="3200" dirty="0">
                 <a:solidFill>
                   <a:srgbClr val="1F497D"/>
                 </a:solidFill>
@@ -29105,11 +28301,11 @@
               <a:t>Line 89 </a:t>
             </a:r>
             <a:r>
-              <a:rPr lang="en-SG" sz="3200" dirty="0" smtClean="0"/>
+              <a:rPr lang="en-SG" sz="3200" dirty="0"/>
               <a:t>-</a:t>
             </a:r>
             <a:r>
-              <a:rPr lang="en-SG" sz="3200" dirty="0" smtClean="0">
+              <a:rPr lang="en-SG" sz="3200" dirty="0">
                 <a:solidFill>
                   <a:srgbClr val="1F497D"/>
                 </a:solidFill>
@@ -29117,28 +28313,28 @@
               <a:t> </a:t>
             </a:r>
             <a:r>
-              <a:rPr lang="en-SG" sz="3200" dirty="0" smtClean="0"/>
+              <a:rPr lang="en-SG" sz="3200" dirty="0"/>
               <a:t>Add the new </a:t>
             </a:r>
             <a:r>
-              <a:rPr lang="en-SG" sz="3200" i="1" dirty="0" smtClean="0">
+              <a:rPr lang="en-SG" sz="3200" i="1" dirty="0">
                 <a:latin typeface="Times New Roman"/>
                 <a:cs typeface="Times New Roman"/>
               </a:rPr>
               <a:t>restaurant</a:t>
             </a:r>
             <a:r>
-              <a:rPr lang="en-SG" sz="3200" dirty="0" smtClean="0"/>
+              <a:rPr lang="en-SG" sz="3200" dirty="0"/>
               <a:t> data model to </a:t>
             </a:r>
             <a:r>
-              <a:rPr lang="en-SG" sz="3200" i="1" dirty="0" err="1" smtClean="0">
+              <a:rPr lang="en-SG" sz="3200" i="1" dirty="0" err="1">
                 <a:latin typeface="Times New Roman"/>
                 <a:cs typeface="Times New Roman"/>
               </a:rPr>
               <a:t>ArrayAdapter</a:t>
             </a:r>
-            <a:endParaRPr lang="en-SG" sz="3200" i="1" dirty="0" smtClean="0">
+            <a:endParaRPr lang="en-SG" sz="3200" i="1" dirty="0">
               <a:latin typeface="Times New Roman"/>
               <a:cs typeface="Times New Roman"/>
             </a:endParaRPr>
@@ -29217,10 +28413,9 @@
           <a:lstStyle/>
           <a:p>
             <a:r>
-              <a:rPr lang="en-US" dirty="0" smtClean="0"/>
+              <a:rPr lang="en-US" dirty="0"/>
               <a:t>Controller</a:t>
             </a:r>
-            <a:endParaRPr lang="en-US" dirty="0"/>
           </a:p>
         </p:txBody>
       </p:sp>
@@ -29240,13 +28435,6 @@
   <p:transition spd="slow">
     <p:wipe dir="d"/>
   </p:transition>
-  <p:timing>
-    <p:tnLst>
-      <p:par>
-        <p:cTn id="1" dur="indefinite" restart="never" nodeType="tmRoot"/>
-      </p:par>
-    </p:tnLst>
-  </p:timing>
 </p:sld>
 </file>
 
@@ -29294,7 +28482,7 @@
           <a:p>
             <a:pPr marL="515938" indent="-515938"/>
             <a:r>
-              <a:rPr lang="en-SG" sz="3200" dirty="0" smtClean="0">
+              <a:rPr lang="en-SG" sz="3200" dirty="0">
                 <a:solidFill>
                   <a:srgbClr val="1F497D"/>
                 </a:solidFill>
@@ -29302,11 +28490,11 @@
               <a:t>Line 89 </a:t>
             </a:r>
             <a:r>
-              <a:rPr lang="en-SG" sz="3200" dirty="0" smtClean="0"/>
+              <a:rPr lang="en-SG" sz="3200" dirty="0"/>
               <a:t>-</a:t>
             </a:r>
             <a:r>
-              <a:rPr lang="en-SG" sz="3200" dirty="0" smtClean="0">
+              <a:rPr lang="en-SG" sz="3200" dirty="0">
                 <a:solidFill>
                   <a:srgbClr val="1F497D"/>
                 </a:solidFill>
@@ -29314,35 +28502,35 @@
               <a:t> </a:t>
             </a:r>
             <a:r>
-              <a:rPr lang="en-SG" sz="3200" dirty="0" smtClean="0"/>
+              <a:rPr lang="en-SG" sz="3200" dirty="0"/>
               <a:t>The adapter will update the </a:t>
             </a:r>
             <a:r>
-              <a:rPr lang="en-SG" sz="3200" i="1" dirty="0" err="1" smtClean="0">
+              <a:rPr lang="en-SG" sz="3200" i="1" dirty="0" err="1">
                 <a:latin typeface="Times New Roman"/>
                 <a:cs typeface="Times New Roman"/>
               </a:rPr>
               <a:t>ArrayList</a:t>
             </a:r>
             <a:r>
-              <a:rPr lang="en-SG" sz="3200" i="1" dirty="0" smtClean="0">
+              <a:rPr lang="en-SG" sz="3200" i="1" dirty="0">
                 <a:latin typeface="Times New Roman"/>
                 <a:cs typeface="Times New Roman"/>
               </a:rPr>
               <a:t>  </a:t>
             </a:r>
             <a:r>
-              <a:rPr lang="en-SG" sz="3200" dirty="0" smtClean="0"/>
+              <a:rPr lang="en-SG" sz="3200" dirty="0"/>
               <a:t>as well as the </a:t>
             </a:r>
             <a:r>
-              <a:rPr lang="en-SG" sz="3200" i="1" dirty="0" err="1" smtClean="0">
+              <a:rPr lang="en-SG" sz="3200" i="1" dirty="0" err="1">
                 <a:latin typeface="Times New Roman" pitchFamily="18" charset="0"/>
                 <a:cs typeface="Times New Roman" pitchFamily="18" charset="0"/>
               </a:rPr>
               <a:t>ListView</a:t>
             </a:r>
-            <a:endParaRPr lang="en-SG" sz="3200" i="1" dirty="0" smtClean="0">
+            <a:endParaRPr lang="en-SG" sz="3200" i="1" dirty="0">
               <a:latin typeface="Times New Roman" pitchFamily="18" charset="0"/>
               <a:cs typeface="Times New Roman" pitchFamily="18" charset="0"/>
             </a:endParaRPr>
@@ -29445,10 +28633,9 @@
           <a:lstStyle/>
           <a:p>
             <a:r>
-              <a:rPr lang="en-US" dirty="0" smtClean="0"/>
+              <a:rPr lang="en-US" dirty="0"/>
               <a:t>Controller</a:t>
             </a:r>
-            <a:endParaRPr lang="en-US" dirty="0"/>
           </a:p>
         </p:txBody>
       </p:sp>
@@ -29468,13 +28655,6 @@
   <p:transition spd="slow">
     <p:wipe dir="d"/>
   </p:transition>
-  <p:timing>
-    <p:tnLst>
-      <p:par>
-        <p:cTn id="1" dur="indefinite" restart="never" nodeType="tmRoot"/>
-      </p:par>
-    </p:tnLst>
-  </p:timing>
 </p:sld>
 </file>
 
@@ -29518,7 +28698,7 @@
           <a:lstStyle/>
           <a:p>
             <a:r>
-              <a:rPr lang="en-US" sz="5400" dirty="0" smtClean="0"/>
+              <a:rPr lang="en-US" sz="5400" dirty="0"/>
               <a:t>END</a:t>
             </a:r>
             <a:endParaRPr lang="en-SG" sz="5400" dirty="0"/>
@@ -29538,13 +28718,6 @@
   <p:transition spd="slow">
     <p:wipe dir="d"/>
   </p:transition>
-  <p:timing>
-    <p:tnLst>
-      <p:par>
-        <p:cTn id="1" dur="indefinite" restart="never" nodeType="tmRoot"/>
-      </p:par>
-    </p:tnLst>
-  </p:timing>
 </p:sld>
 </file>
 
@@ -29589,10 +28762,9 @@
           <a:lstStyle/>
           <a:p>
             <a:r>
-              <a:rPr lang="en-US" dirty="0" smtClean="0"/>
+              <a:rPr lang="en-US" dirty="0"/>
               <a:t>Model-View-Controller (MVC)</a:t>
             </a:r>
-            <a:endParaRPr lang="en-US" dirty="0"/>
           </a:p>
         </p:txBody>
       </p:sp>
@@ -29625,14 +28797,14 @@
               <a:buNone/>
             </a:pPr>
             <a:r>
-              <a:rPr lang="en-US" sz="3600" b="1" dirty="0" smtClean="0">
+              <a:rPr lang="en-US" sz="3600" b="1" dirty="0">
                 <a:solidFill>
                   <a:schemeClr val="tx2"/>
                 </a:solidFill>
               </a:rPr>
               <a:t>Controller</a:t>
             </a:r>
-            <a:endParaRPr lang="en-SG" sz="3600" b="1" dirty="0" smtClean="0">
+            <a:endParaRPr lang="en-SG" sz="3600" b="1" dirty="0">
               <a:solidFill>
                 <a:schemeClr val="tx2"/>
               </a:solidFill>
@@ -29649,35 +28821,11 @@
                   <a:srgbClr val="FF0000"/>
                 </a:solidFill>
               </a:rPr>
-              <a:t>responsible for responding to user </a:t>
-            </a:r>
-            <a:r>
-              <a:rPr lang="en-SG" sz="3200" dirty="0" smtClean="0">
-                <a:solidFill>
-                  <a:srgbClr val="FF0000"/>
-                </a:solidFill>
-              </a:rPr>
-              <a:t>actions</a:t>
-            </a:r>
-            <a:r>
-              <a:rPr lang="en-SG" sz="3200" dirty="0" smtClean="0"/>
-              <a:t>. In </a:t>
+              <a:t>responsible for responding to user actions</a:t>
             </a:r>
             <a:r>
               <a:rPr lang="en-SG" sz="3200" dirty="0"/>
-              <a:t>the case of a </a:t>
-            </a:r>
-            <a:r>
-              <a:rPr lang="en-SG" sz="3200" dirty="0" smtClean="0"/>
-              <a:t>mobile app, </a:t>
-            </a:r>
-            <a:r>
-              <a:rPr lang="en-SG" sz="3200" dirty="0"/>
-              <a:t>a user action is (generally) a </a:t>
-            </a:r>
-            <a:r>
-              <a:rPr lang="en-SG" sz="3200" dirty="0" smtClean="0"/>
-              <a:t>view request.</a:t>
+              <a:t>. In the case of a mobile app, a user action is (generally) a view request.</a:t>
             </a:r>
             <a:endParaRPr lang="en-US" sz="3600" dirty="0"/>
           </a:p>
@@ -29894,10 +29042,9 @@
           <a:lstStyle/>
           <a:p>
             <a:r>
-              <a:rPr lang="en-US" dirty="0" smtClean="0"/>
+              <a:rPr lang="en-US" dirty="0"/>
               <a:t>Model-View-Controller (MVC)</a:t>
             </a:r>
-            <a:endParaRPr lang="en-US" dirty="0"/>
           </a:p>
         </p:txBody>
       </p:sp>
@@ -29930,14 +29077,14 @@
               <a:buNone/>
             </a:pPr>
             <a:r>
-              <a:rPr lang="en-US" sz="3600" b="1" dirty="0" smtClean="0">
+              <a:rPr lang="en-US" sz="3600" b="1" dirty="0">
                 <a:solidFill>
                   <a:schemeClr val="tx2"/>
                 </a:solidFill>
               </a:rPr>
               <a:t>Controller</a:t>
             </a:r>
-            <a:endParaRPr lang="en-SG" sz="3600" b="1" dirty="0" smtClean="0">
+            <a:endParaRPr lang="en-SG" sz="3600" b="1" dirty="0">
               <a:solidFill>
                 <a:schemeClr val="tx2"/>
               </a:solidFill>
@@ -29945,12 +29092,8 @@
           </a:p>
           <a:p>
             <a:r>
-              <a:rPr lang="en-SG" sz="3200" dirty="0" smtClean="0"/>
-              <a:t>The </a:t>
-            </a:r>
-            <a:r>
               <a:rPr lang="en-SG" sz="3200" dirty="0"/>
-              <a:t>controller will </a:t>
+              <a:t>The controller will </a:t>
             </a:r>
             <a:r>
               <a:rPr lang="en-SG" sz="3200" dirty="0">
@@ -30018,15 +29161,7 @@
                   <a:srgbClr val="FF0000"/>
                 </a:solidFill>
               </a:rPr>
-              <a:t>passing the model into the </a:t>
-            </a:r>
-            <a:r>
-              <a:rPr lang="en-SG" sz="3200" dirty="0" smtClean="0">
-                <a:solidFill>
-                  <a:srgbClr val="FF0000"/>
-                </a:solidFill>
-              </a:rPr>
-              <a:t>view</a:t>
+              <a:t>passing the model into the view</a:t>
             </a:r>
           </a:p>
         </p:txBody>
